--- a/docs/songs_28-11-2021.pptx
+++ b/docs/songs_28-11-2021.pptx
@@ -7,26 +7,34 @@
   <p:sldIdLst>
     <p:sldId id="459" r:id="rId2"/>
     <p:sldId id="332" r:id="rId3"/>
-    <p:sldId id="461" r:id="rId4"/>
-    <p:sldId id="462" r:id="rId5"/>
-    <p:sldId id="463" r:id="rId6"/>
-    <p:sldId id="464" r:id="rId7"/>
-    <p:sldId id="408" r:id="rId8"/>
-    <p:sldId id="409" r:id="rId9"/>
-    <p:sldId id="410" r:id="rId10"/>
-    <p:sldId id="411" r:id="rId11"/>
-    <p:sldId id="460" r:id="rId12"/>
-    <p:sldId id="466" r:id="rId13"/>
-    <p:sldId id="467" r:id="rId14"/>
-    <p:sldId id="468" r:id="rId15"/>
-    <p:sldId id="469" r:id="rId16"/>
-    <p:sldId id="470" r:id="rId17"/>
-    <p:sldId id="465" r:id="rId18"/>
-    <p:sldId id="454" r:id="rId19"/>
-    <p:sldId id="455" r:id="rId20"/>
-    <p:sldId id="456" r:id="rId21"/>
-    <p:sldId id="457" r:id="rId22"/>
-    <p:sldId id="458" r:id="rId23"/>
+    <p:sldId id="472" r:id="rId4"/>
+    <p:sldId id="473" r:id="rId5"/>
+    <p:sldId id="474" r:id="rId6"/>
+    <p:sldId id="475" r:id="rId7"/>
+    <p:sldId id="476" r:id="rId8"/>
+    <p:sldId id="477" r:id="rId9"/>
+    <p:sldId id="478" r:id="rId10"/>
+    <p:sldId id="471" r:id="rId11"/>
+    <p:sldId id="461" r:id="rId12"/>
+    <p:sldId id="462" r:id="rId13"/>
+    <p:sldId id="463" r:id="rId14"/>
+    <p:sldId id="464" r:id="rId15"/>
+    <p:sldId id="408" r:id="rId16"/>
+    <p:sldId id="409" r:id="rId17"/>
+    <p:sldId id="410" r:id="rId18"/>
+    <p:sldId id="411" r:id="rId19"/>
+    <p:sldId id="460" r:id="rId20"/>
+    <p:sldId id="466" r:id="rId21"/>
+    <p:sldId id="467" r:id="rId22"/>
+    <p:sldId id="468" r:id="rId23"/>
+    <p:sldId id="469" r:id="rId24"/>
+    <p:sldId id="470" r:id="rId25"/>
+    <p:sldId id="465" r:id="rId26"/>
+    <p:sldId id="454" r:id="rId27"/>
+    <p:sldId id="455" r:id="rId28"/>
+    <p:sldId id="456" r:id="rId29"/>
+    <p:sldId id="457" r:id="rId30"/>
+    <p:sldId id="458" r:id="rId31"/>
   </p:sldIdLst>
   <p:sldSz cx="9144000" cy="6858000" type="screen4x3"/>
   <p:notesSz cx="6858000" cy="9144000"/>
@@ -3219,102 +3227,119 @@
           </a:bodyPr>
           <a:lstStyle/>
           <a:p>
-            <a:endParaRPr lang="en-GB" sz="4800" dirty="0"/>
-          </a:p>
-          <a:p>
-            <a:endParaRPr lang="en-GB" sz="4800" dirty="0"/>
-          </a:p>
-          <a:p>
-            <a:r>
-              <a:rPr lang="en-GB" sz="4800" dirty="0">
-                <a:solidFill>
-                  <a:schemeClr val="bg1"/>
-                </a:solidFill>
-              </a:rPr>
-              <a:t>You are good all the time</a:t>
-            </a:r>
-            <a:br>
-              <a:rPr lang="en-GB" sz="4800" dirty="0">
-                <a:solidFill>
-                  <a:schemeClr val="bg1"/>
-                </a:solidFill>
-              </a:rPr>
-            </a:br>
-            <a:r>
-              <a:rPr lang="en-GB" sz="4800" dirty="0">
-                <a:solidFill>
-                  <a:schemeClr val="bg1"/>
-                </a:solidFill>
-              </a:rPr>
-              <a:t>All the time You are good</a:t>
-            </a:r>
-            <a:br>
-              <a:rPr lang="en-GB" sz="4800" dirty="0">
-                <a:solidFill>
-                  <a:schemeClr val="bg1"/>
-                </a:solidFill>
-              </a:rPr>
-            </a:br>
-            <a:r>
-              <a:rPr lang="en-GB" sz="4800" dirty="0">
-                <a:solidFill>
-                  <a:schemeClr val="bg1"/>
-                </a:solidFill>
-              </a:rPr>
-              <a:t>You are good all the time</a:t>
-            </a:r>
-            <a:br>
-              <a:rPr lang="en-GB" sz="4800" dirty="0">
-                <a:solidFill>
-                  <a:schemeClr val="bg1"/>
-                </a:solidFill>
-              </a:rPr>
-            </a:br>
-            <a:r>
-              <a:rPr lang="en-GB" sz="4800" dirty="0">
-                <a:solidFill>
-                  <a:schemeClr val="bg1"/>
-                </a:solidFill>
-              </a:rPr>
-              <a:t>All the time You are good</a:t>
-            </a:r>
-          </a:p>
-        </p:txBody>
-      </p:sp>
-      <p:sp>
-        <p:nvSpPr>
-          <p:cNvPr id="4" name="TextBox 3"/>
-          <p:cNvSpPr txBox="1"/>
-          <p:nvPr/>
-        </p:nvSpPr>
-        <p:spPr>
-          <a:xfrm>
-            <a:off x="8529729" y="0"/>
-            <a:ext cx="628698" cy="461665"/>
-          </a:xfrm>
-          <a:prstGeom prst="rect">
-            <a:avLst/>
-          </a:prstGeom>
-          <a:noFill/>
-        </p:spPr>
-        <p:txBody>
-          <a:bodyPr wrap="none" rtlCol="0">
-            <a:spAutoFit/>
-          </a:bodyPr>
-          <a:lstStyle/>
-          <a:p>
-            <a:r>
-              <a:rPr lang="en-GB" sz="2400" b="1" dirty="0">
-                <a:solidFill>
-                  <a:schemeClr val="bg1"/>
-                </a:solidFill>
-              </a:rPr>
-              <a:t>3/3</a:t>
+            <a:endParaRPr lang="en-GB" sz="5400" dirty="0">
+              <a:solidFill>
+                <a:schemeClr val="bg1"/>
+              </a:solidFill>
+            </a:endParaRPr>
+          </a:p>
+          <a:p>
+            <a:r>
+              <a:rPr lang="en-GB" sz="6600" b="0" i="0" dirty="0">
+                <a:solidFill>
+                  <a:srgbClr val="00A3E0"/>
+                </a:solidFill>
+                <a:effectLst/>
+                <a:latin typeface="akagi_probook"/>
+              </a:rPr>
+              <a:t>Shine Jesus Shine</a:t>
+            </a:r>
+          </a:p>
+          <a:p>
+            <a:r>
+              <a:rPr lang="en-GB" sz="1200" dirty="0">
+                <a:solidFill>
+                  <a:schemeClr val="bg1"/>
+                </a:solidFill>
+              </a:rPr>
+              <a:t>CCLI Song # 30426</a:t>
+            </a:r>
+          </a:p>
+          <a:p>
+            <a:endParaRPr lang="en-GB" sz="1200" dirty="0">
+              <a:solidFill>
+                <a:schemeClr val="bg1"/>
+              </a:solidFill>
+            </a:endParaRPr>
+          </a:p>
+          <a:p>
+            <a:r>
+              <a:rPr lang="en-GB" sz="1200" dirty="0">
+                <a:solidFill>
+                  <a:schemeClr val="bg1"/>
+                </a:solidFill>
+              </a:rPr>
+              <a:t>Graham Kendrick</a:t>
+            </a:r>
+          </a:p>
+          <a:p>
+            <a:endParaRPr lang="en-GB" sz="1200" dirty="0">
+              <a:solidFill>
+                <a:schemeClr val="bg1"/>
+              </a:solidFill>
+            </a:endParaRPr>
+          </a:p>
+          <a:p>
+            <a:r>
+              <a:rPr lang="en-GB" sz="1200" dirty="0">
+                <a:solidFill>
+                  <a:schemeClr val="bg1"/>
+                </a:solidFill>
+              </a:rPr>
+              <a:t>© 1987 Make Way Music (Admin. by Make Way Music Limited)</a:t>
+            </a:r>
+          </a:p>
+          <a:p>
+            <a:r>
+              <a:rPr lang="en-GB" sz="1200" dirty="0">
+                <a:solidFill>
+                  <a:schemeClr val="bg1"/>
+                </a:solidFill>
+              </a:rPr>
+              <a:t>For use solely with the </a:t>
+            </a:r>
+            <a:r>
+              <a:rPr lang="en-GB" sz="1200" dirty="0" err="1">
+                <a:solidFill>
+                  <a:schemeClr val="bg1"/>
+                </a:solidFill>
+              </a:rPr>
+              <a:t>SongSelect</a:t>
+            </a:r>
+            <a:r>
+              <a:rPr lang="en-GB" sz="1200" dirty="0">
+                <a:solidFill>
+                  <a:schemeClr val="bg1"/>
+                </a:solidFill>
+              </a:rPr>
+              <a:t>® Terms of Use. All rights reserved. www.ccli.com</a:t>
+            </a:r>
+          </a:p>
+          <a:p>
+            <a:endParaRPr lang="en-GB" sz="1200" dirty="0">
+              <a:solidFill>
+                <a:schemeClr val="bg1"/>
+              </a:solidFill>
+            </a:endParaRPr>
+          </a:p>
+          <a:p>
+            <a:r>
+              <a:rPr lang="en-GB" sz="1200" dirty="0">
+                <a:solidFill>
+                  <a:schemeClr val="bg1"/>
+                </a:solidFill>
+              </a:rPr>
+              <a:t>CCLI Licence No. 33265</a:t>
             </a:r>
           </a:p>
         </p:txBody>
       </p:sp>
     </p:spTree>
+    <p:extLst>
+      <p:ext uri="{BB962C8B-B14F-4D97-AF65-F5344CB8AC3E}">
+        <p14:creationId xmlns:p14="http://schemas.microsoft.com/office/powerpoint/2010/main" val="3795774754"/>
+      </p:ext>
+    </p:extLst>
   </p:cSld>
   <p:clrMapOvr>
     <a:masterClrMapping/>
@@ -3361,138 +3386,86 @@
           </a:bodyPr>
           <a:lstStyle/>
           <a:p>
-            <a:endParaRPr lang="en-GB" sz="5400" dirty="0">
-              <a:solidFill>
-                <a:schemeClr val="bg1"/>
-              </a:solidFill>
-            </a:endParaRPr>
-          </a:p>
-          <a:p>
-            <a:r>
-              <a:rPr lang="en-GB" sz="6600" b="0" i="0" dirty="0">
-                <a:solidFill>
-                  <a:srgbClr val="00A3E0"/>
-                </a:solidFill>
-                <a:effectLst/>
-                <a:latin typeface="akagi_probook"/>
-              </a:rPr>
-              <a:t>O Come </a:t>
-            </a:r>
-            <a:r>
-              <a:rPr lang="en-GB" sz="6600" dirty="0">
-                <a:solidFill>
-                  <a:srgbClr val="00A3E0"/>
-                </a:solidFill>
-                <a:latin typeface="akagi_probook"/>
-              </a:rPr>
-              <a:t>To The Altar</a:t>
-            </a:r>
-          </a:p>
-          <a:p>
-            <a:br>
-              <a:rPr lang="en-GB" sz="1200" dirty="0">
-                <a:solidFill>
-                  <a:schemeClr val="bg1"/>
-                </a:solidFill>
-              </a:rPr>
-            </a:br>
-            <a:r>
-              <a:rPr lang="en-GB" sz="1200" dirty="0">
-                <a:solidFill>
-                  <a:schemeClr val="bg1"/>
-                </a:solidFill>
-              </a:rPr>
-              <a:t>CCLI Song # 7051511</a:t>
-            </a:r>
-          </a:p>
-          <a:p>
-            <a:endParaRPr lang="en-GB" sz="1200" dirty="0">
-              <a:solidFill>
-                <a:schemeClr val="bg1"/>
-              </a:solidFill>
-            </a:endParaRPr>
-          </a:p>
-          <a:p>
-            <a:r>
-              <a:rPr lang="en-GB" sz="1200" dirty="0">
-                <a:solidFill>
-                  <a:schemeClr val="bg1"/>
-                </a:solidFill>
-              </a:rPr>
-              <a:t>Chris Brown | Mack Brock | Steven Furtick | Wade </a:t>
-            </a:r>
-            <a:r>
-              <a:rPr lang="en-GB" sz="1200" dirty="0" err="1">
-                <a:solidFill>
-                  <a:schemeClr val="bg1"/>
-                </a:solidFill>
-              </a:rPr>
-              <a:t>Joye</a:t>
-            </a:r>
-            <a:endParaRPr lang="en-GB" sz="1200" dirty="0">
-              <a:solidFill>
-                <a:schemeClr val="bg1"/>
-              </a:solidFill>
-            </a:endParaRPr>
-          </a:p>
-          <a:p>
-            <a:endParaRPr lang="en-GB" sz="1200" dirty="0">
-              <a:solidFill>
-                <a:schemeClr val="bg1"/>
-              </a:solidFill>
-            </a:endParaRPr>
-          </a:p>
-          <a:p>
-            <a:r>
-              <a:rPr lang="en-GB" sz="1200" dirty="0">
-                <a:solidFill>
-                  <a:schemeClr val="bg1"/>
-                </a:solidFill>
-              </a:rPr>
-              <a:t>© 2015 Music by Elevation Worship Publishing (Admin. by Essential Music Publishing LLC)</a:t>
-            </a:r>
-          </a:p>
-          <a:p>
-            <a:r>
-              <a:rPr lang="en-GB" sz="1200" dirty="0">
-                <a:solidFill>
-                  <a:schemeClr val="bg1"/>
-                </a:solidFill>
-              </a:rPr>
-              <a:t>For use solely with the </a:t>
-            </a:r>
-            <a:r>
-              <a:rPr lang="en-GB" sz="1200" dirty="0" err="1">
-                <a:solidFill>
-                  <a:schemeClr val="bg1"/>
-                </a:solidFill>
-              </a:rPr>
-              <a:t>SongSelect</a:t>
-            </a:r>
-            <a:r>
-              <a:rPr lang="en-GB" sz="1200" dirty="0">
-                <a:solidFill>
-                  <a:schemeClr val="bg1"/>
-                </a:solidFill>
-              </a:rPr>
-              <a:t>® Terms of Use. All rights reserved. www.ccli.com</a:t>
-            </a:r>
-          </a:p>
-          <a:p>
-            <a:endParaRPr lang="en-GB" sz="1200" dirty="0">
-              <a:solidFill>
-                <a:schemeClr val="bg1"/>
-              </a:solidFill>
-            </a:endParaRPr>
-          </a:p>
-          <a:p>
-            <a:r>
-              <a:rPr lang="en-GB" sz="1200" dirty="0">
-                <a:solidFill>
-                  <a:schemeClr val="bg1"/>
-                </a:solidFill>
-              </a:rPr>
-              <a:t>CCLI Licence No. 33265</a:t>
+            <a:r>
+              <a:rPr lang="en-GB" sz="4600" dirty="0">
+                <a:solidFill>
+                  <a:schemeClr val="bg1"/>
+                </a:solidFill>
+              </a:rPr>
+              <a:t>Lord the light of Your love is shining</a:t>
+            </a:r>
+          </a:p>
+          <a:p>
+            <a:r>
+              <a:rPr lang="en-GB" sz="4600" dirty="0">
+                <a:solidFill>
+                  <a:schemeClr val="bg1"/>
+                </a:solidFill>
+              </a:rPr>
+              <a:t>In the midst of the darkness shining</a:t>
+            </a:r>
+          </a:p>
+          <a:p>
+            <a:r>
+              <a:rPr lang="en-GB" sz="4600" dirty="0">
+                <a:solidFill>
+                  <a:schemeClr val="bg1"/>
+                </a:solidFill>
+              </a:rPr>
+              <a:t>Jesus Light of the World shine upon us</a:t>
+            </a:r>
+          </a:p>
+          <a:p>
+            <a:r>
+              <a:rPr lang="en-GB" sz="4600" dirty="0">
+                <a:solidFill>
+                  <a:schemeClr val="bg1"/>
+                </a:solidFill>
+              </a:rPr>
+              <a:t>Set us free by the truth You now bring us</a:t>
+            </a:r>
+          </a:p>
+          <a:p>
+            <a:r>
+              <a:rPr lang="en-GB" sz="4600" dirty="0">
+                <a:solidFill>
+                  <a:schemeClr val="bg1"/>
+                </a:solidFill>
+              </a:rPr>
+              <a:t>Shine on me shine on me</a:t>
+            </a:r>
+          </a:p>
+        </p:txBody>
+      </p:sp>
+      <p:sp>
+        <p:nvSpPr>
+          <p:cNvPr id="4" name="TextBox 3"/>
+          <p:cNvSpPr txBox="1"/>
+          <p:nvPr/>
+        </p:nvSpPr>
+        <p:spPr>
+          <a:xfrm>
+            <a:off x="8529729" y="0"/>
+            <a:ext cx="628698" cy="461665"/>
+          </a:xfrm>
+          <a:prstGeom prst="rect">
+            <a:avLst/>
+          </a:prstGeom>
+          <a:noFill/>
+        </p:spPr>
+        <p:txBody>
+          <a:bodyPr wrap="none" rtlCol="0">
+            <a:spAutoFit/>
+          </a:bodyPr>
+          <a:lstStyle/>
+          <a:p>
+            <a:r>
+              <a:rPr lang="en-GB" sz="2400" b="1" dirty="0">
+                <a:solidFill>
+                  <a:schemeClr val="bg1"/>
+                </a:solidFill>
+              </a:rPr>
+              <a:t>1/4</a:t>
             </a:r>
           </a:p>
         </p:txBody>
@@ -3500,7 +3473,7 @@
     </p:spTree>
     <p:extLst>
       <p:ext uri="{BB962C8B-B14F-4D97-AF65-F5344CB8AC3E}">
-        <p14:creationId xmlns:p14="http://schemas.microsoft.com/office/powerpoint/2010/main" val="3366877666"/>
+        <p14:creationId xmlns:p14="http://schemas.microsoft.com/office/powerpoint/2010/main" val="4190608817"/>
       </p:ext>
     </p:extLst>
   </p:cSld>
@@ -3550,62 +3523,82 @@
           <a:lstStyle/>
           <a:p>
             <a:r>
-              <a:rPr lang="en-GB" sz="4300" dirty="0">
-                <a:solidFill>
-                  <a:schemeClr val="bg1"/>
-                </a:solidFill>
-              </a:rPr>
-              <a:t>Are you hurting and broken within</a:t>
-            </a:r>
-          </a:p>
-          <a:p>
-            <a:r>
-              <a:rPr lang="en-GB" sz="4300" dirty="0">
-                <a:solidFill>
-                  <a:schemeClr val="bg1"/>
-                </a:solidFill>
-              </a:rPr>
-              <a:t>Overwhelmed by the weight of your sin</a:t>
-            </a:r>
-          </a:p>
-          <a:p>
-            <a:r>
-              <a:rPr lang="en-GB" sz="4300" dirty="0">
-                <a:solidFill>
-                  <a:schemeClr val="bg1"/>
-                </a:solidFill>
-              </a:rPr>
-              <a:t>Jesus is calling</a:t>
-            </a:r>
-          </a:p>
-          <a:p>
-            <a:r>
-              <a:rPr lang="en-GB" sz="4300" dirty="0">
-                <a:solidFill>
-                  <a:schemeClr val="bg1"/>
-                </a:solidFill>
-              </a:rPr>
-              <a:t>Have you come to the end of yourself</a:t>
-            </a:r>
-          </a:p>
-          <a:p>
-            <a:r>
-              <a:rPr lang="en-GB" sz="4300" dirty="0">
-                <a:solidFill>
-                  <a:schemeClr val="bg1"/>
-                </a:solidFill>
-              </a:rPr>
-              <a:t>Do you thirst for a drink from the well</a:t>
-            </a:r>
-          </a:p>
-          <a:p>
-            <a:r>
-              <a:rPr lang="en-GB" sz="4300" dirty="0">
-                <a:solidFill>
-                  <a:schemeClr val="bg1"/>
-                </a:solidFill>
-              </a:rPr>
-              <a:t>Jesus is calling</a:t>
+              <a:rPr lang="en-GB" sz="4100" dirty="0">
+                <a:solidFill>
+                  <a:schemeClr val="bg1"/>
+                </a:solidFill>
+              </a:rPr>
+              <a:t>Shine Jesus shine</a:t>
+            </a:r>
+          </a:p>
+          <a:p>
+            <a:r>
+              <a:rPr lang="en-GB" sz="4100" dirty="0">
+                <a:solidFill>
+                  <a:schemeClr val="bg1"/>
+                </a:solidFill>
+              </a:rPr>
+              <a:t>Fill this land with the Father's glory</a:t>
+            </a:r>
+          </a:p>
+          <a:p>
+            <a:r>
+              <a:rPr lang="en-GB" sz="4100" dirty="0">
+                <a:solidFill>
+                  <a:schemeClr val="bg1"/>
+                </a:solidFill>
+              </a:rPr>
+              <a:t>Blaze Spirit blaze</a:t>
+            </a:r>
+          </a:p>
+          <a:p>
+            <a:r>
+              <a:rPr lang="en-GB" sz="4100" dirty="0">
+                <a:solidFill>
+                  <a:schemeClr val="bg1"/>
+                </a:solidFill>
+              </a:rPr>
+              <a:t>Set our hearts on fire</a:t>
+            </a:r>
+          </a:p>
+          <a:p>
+            <a:r>
+              <a:rPr lang="en-GB" sz="4100" dirty="0">
+                <a:solidFill>
+                  <a:schemeClr val="bg1"/>
+                </a:solidFill>
+              </a:rPr>
+              <a:t>Flow river flow</a:t>
+            </a:r>
+          </a:p>
+          <a:p>
+            <a:r>
+              <a:rPr lang="en-GB" sz="4100" dirty="0">
+                <a:solidFill>
+                  <a:schemeClr val="bg1"/>
+                </a:solidFill>
+              </a:rPr>
+              <a:t>Flood the nations with grace and mercy</a:t>
+            </a:r>
+          </a:p>
+          <a:p>
+            <a:r>
+              <a:rPr lang="en-GB" sz="4100" dirty="0">
+                <a:solidFill>
+                  <a:schemeClr val="bg1"/>
+                </a:solidFill>
+              </a:rPr>
+              <a:t>Send forth Your word</a:t>
+            </a:r>
+          </a:p>
+          <a:p>
+            <a:r>
+              <a:rPr lang="en-GB" sz="4100" dirty="0">
+                <a:solidFill>
+                  <a:schemeClr val="bg1"/>
+                </a:solidFill>
+              </a:rPr>
+              <a:t>Lord and let there be light</a:t>
             </a:r>
           </a:p>
         </p:txBody>
@@ -3638,7 +3631,7 @@
                   <a:schemeClr val="bg1"/>
                 </a:solidFill>
               </a:rPr>
-              <a:t>1/5</a:t>
+              <a:t>2/4</a:t>
             </a:r>
           </a:p>
         </p:txBody>
@@ -3646,7 +3639,7 @@
     </p:spTree>
     <p:extLst>
       <p:ext uri="{BB962C8B-B14F-4D97-AF65-F5344CB8AC3E}">
-        <p14:creationId xmlns:p14="http://schemas.microsoft.com/office/powerpoint/2010/main" val="3238900613"/>
+        <p14:creationId xmlns:p14="http://schemas.microsoft.com/office/powerpoint/2010/main" val="3099292676"/>
       </p:ext>
     </p:extLst>
   </p:cSld>
@@ -3696,42 +3689,52 @@
           <a:lstStyle/>
           <a:p>
             <a:r>
-              <a:rPr lang="en-GB" sz="5400" dirty="0">
-                <a:solidFill>
-                  <a:schemeClr val="bg1"/>
-                </a:solidFill>
-              </a:rPr>
-              <a:t>O come to the altar</a:t>
-            </a:r>
-          </a:p>
-          <a:p>
-            <a:r>
-              <a:rPr lang="en-GB" sz="5400" dirty="0">
-                <a:solidFill>
-                  <a:schemeClr val="bg1"/>
-                </a:solidFill>
-              </a:rPr>
-              <a:t>The Father's arms are open wide</a:t>
-            </a:r>
-          </a:p>
-          <a:p>
-            <a:r>
-              <a:rPr lang="en-GB" sz="5400" dirty="0">
-                <a:solidFill>
-                  <a:schemeClr val="bg1"/>
-                </a:solidFill>
-              </a:rPr>
-              <a:t>Forgiveness was bought with</a:t>
-            </a:r>
-          </a:p>
-          <a:p>
-            <a:r>
-              <a:rPr lang="en-GB" sz="5400" dirty="0">
-                <a:solidFill>
-                  <a:schemeClr val="bg1"/>
-                </a:solidFill>
-              </a:rPr>
-              <a:t>The precious blood of Jesus Christ</a:t>
+              <a:rPr lang="en-GB" sz="4400" dirty="0">
+                <a:solidFill>
+                  <a:schemeClr val="bg1"/>
+                </a:solidFill>
+              </a:rPr>
+              <a:t>Lord I come to Your awesome presence</a:t>
+            </a:r>
+          </a:p>
+          <a:p>
+            <a:r>
+              <a:rPr lang="en-GB" sz="4400" dirty="0">
+                <a:solidFill>
+                  <a:schemeClr val="bg1"/>
+                </a:solidFill>
+              </a:rPr>
+              <a:t>From the shadows into Your radiance</a:t>
+            </a:r>
+          </a:p>
+          <a:p>
+            <a:r>
+              <a:rPr lang="en-GB" sz="4400" dirty="0">
+                <a:solidFill>
+                  <a:schemeClr val="bg1"/>
+                </a:solidFill>
+              </a:rPr>
+              <a:t>By the blood I may enter Your brightness</a:t>
+            </a:r>
+          </a:p>
+          <a:p>
+            <a:r>
+              <a:rPr lang="en-GB" sz="4400" dirty="0">
+                <a:solidFill>
+                  <a:schemeClr val="bg1"/>
+                </a:solidFill>
+              </a:rPr>
+              <a:t>Search me try me consume all my darkness</a:t>
+            </a:r>
+          </a:p>
+          <a:p>
+            <a:r>
+              <a:rPr lang="en-GB" sz="4400" dirty="0">
+                <a:solidFill>
+                  <a:schemeClr val="bg1"/>
+                </a:solidFill>
+              </a:rPr>
+              <a:t>Shine on me shine on me</a:t>
             </a:r>
           </a:p>
         </p:txBody>
@@ -3764,7 +3767,7 @@
                   <a:schemeClr val="bg1"/>
                 </a:solidFill>
               </a:rPr>
-              <a:t>2/5</a:t>
+              <a:t>3/4</a:t>
             </a:r>
           </a:p>
         </p:txBody>
@@ -3772,7 +3775,7 @@
     </p:spTree>
     <p:extLst>
       <p:ext uri="{BB962C8B-B14F-4D97-AF65-F5344CB8AC3E}">
-        <p14:creationId xmlns:p14="http://schemas.microsoft.com/office/powerpoint/2010/main" val="1563839107"/>
+        <p14:creationId xmlns:p14="http://schemas.microsoft.com/office/powerpoint/2010/main" val="1622999890"/>
       </p:ext>
     </p:extLst>
   </p:cSld>
@@ -3822,62 +3825,52 @@
           <a:lstStyle/>
           <a:p>
             <a:r>
-              <a:rPr lang="en-GB" sz="4300" dirty="0">
-                <a:solidFill>
-                  <a:schemeClr val="bg1"/>
-                </a:solidFill>
-              </a:rPr>
-              <a:t>Leave behind your regrets and mistakes</a:t>
-            </a:r>
-          </a:p>
-          <a:p>
-            <a:r>
-              <a:rPr lang="en-GB" sz="4300" dirty="0">
-                <a:solidFill>
-                  <a:schemeClr val="bg1"/>
-                </a:solidFill>
-              </a:rPr>
-              <a:t>Come today there's no reason to wait</a:t>
-            </a:r>
-          </a:p>
-          <a:p>
-            <a:r>
-              <a:rPr lang="en-GB" sz="4300" dirty="0">
-                <a:solidFill>
-                  <a:schemeClr val="bg1"/>
-                </a:solidFill>
-              </a:rPr>
-              <a:t>Jesus is calling</a:t>
-            </a:r>
-          </a:p>
-          <a:p>
-            <a:r>
-              <a:rPr lang="en-GB" sz="4300" dirty="0">
-                <a:solidFill>
-                  <a:schemeClr val="bg1"/>
-                </a:solidFill>
-              </a:rPr>
-              <a:t>Bring your sorrows and trade them for joy</a:t>
-            </a:r>
-          </a:p>
-          <a:p>
-            <a:r>
-              <a:rPr lang="en-GB" sz="4300" dirty="0">
-                <a:solidFill>
-                  <a:schemeClr val="bg1"/>
-                </a:solidFill>
-              </a:rPr>
-              <a:t>From the ashes a new life is born</a:t>
-            </a:r>
-          </a:p>
-          <a:p>
-            <a:r>
-              <a:rPr lang="en-GB" sz="4300" dirty="0">
-                <a:solidFill>
-                  <a:schemeClr val="bg1"/>
-                </a:solidFill>
-              </a:rPr>
-              <a:t>Jesus is calling</a:t>
+              <a:rPr lang="en-GB" sz="4400" dirty="0">
+                <a:solidFill>
+                  <a:schemeClr val="bg1"/>
+                </a:solidFill>
+              </a:rPr>
+              <a:t>As we gaze on Your kingly brightness</a:t>
+            </a:r>
+          </a:p>
+          <a:p>
+            <a:r>
+              <a:rPr lang="en-GB" sz="4400" dirty="0">
+                <a:solidFill>
+                  <a:schemeClr val="bg1"/>
+                </a:solidFill>
+              </a:rPr>
+              <a:t>So our faces display Your likeness</a:t>
+            </a:r>
+          </a:p>
+          <a:p>
+            <a:r>
+              <a:rPr lang="en-GB" sz="4400" dirty="0">
+                <a:solidFill>
+                  <a:schemeClr val="bg1"/>
+                </a:solidFill>
+              </a:rPr>
+              <a:t>Ever changing from glory to glory</a:t>
+            </a:r>
+          </a:p>
+          <a:p>
+            <a:r>
+              <a:rPr lang="en-GB" sz="4400" dirty="0">
+                <a:solidFill>
+                  <a:schemeClr val="bg1"/>
+                </a:solidFill>
+              </a:rPr>
+              <a:t>Mirrored here may our lives tell Your story</a:t>
+            </a:r>
+          </a:p>
+          <a:p>
+            <a:r>
+              <a:rPr lang="en-GB" sz="4400" dirty="0">
+                <a:solidFill>
+                  <a:schemeClr val="bg1"/>
+                </a:solidFill>
+              </a:rPr>
+              <a:t>Shine on me shine on me</a:t>
             </a:r>
           </a:p>
         </p:txBody>
@@ -3910,7 +3903,7 @@
                   <a:schemeClr val="bg1"/>
                 </a:solidFill>
               </a:rPr>
-              <a:t>3/5</a:t>
+              <a:t>4/4</a:t>
             </a:r>
           </a:p>
         </p:txBody>
@@ -3918,7 +3911,7 @@
     </p:spTree>
     <p:extLst>
       <p:ext uri="{BB962C8B-B14F-4D97-AF65-F5344CB8AC3E}">
-        <p14:creationId xmlns:p14="http://schemas.microsoft.com/office/powerpoint/2010/main" val="673598182"/>
+        <p14:creationId xmlns:p14="http://schemas.microsoft.com/office/powerpoint/2010/main" val="3419756315"/>
       </p:ext>
     </p:extLst>
   </p:cSld>
@@ -3967,119 +3960,89 @@
           </a:bodyPr>
           <a:lstStyle/>
           <a:p>
-            <a:r>
-              <a:rPr lang="en-GB" sz="4300" dirty="0">
-                <a:solidFill>
-                  <a:schemeClr val="bg1"/>
-                </a:solidFill>
-              </a:rPr>
-              <a:t>Oh what a </a:t>
-            </a:r>
-            <a:r>
-              <a:rPr lang="en-GB" sz="4300" dirty="0" err="1">
-                <a:solidFill>
-                  <a:schemeClr val="bg1"/>
-                </a:solidFill>
-              </a:rPr>
-              <a:t>Savior</a:t>
-            </a:r>
-            <a:endParaRPr lang="en-GB" sz="4300" dirty="0">
-              <a:solidFill>
-                <a:schemeClr val="bg1"/>
-              </a:solidFill>
-            </a:endParaRPr>
-          </a:p>
-          <a:p>
-            <a:r>
-              <a:rPr lang="en-GB" sz="4300" dirty="0">
-                <a:solidFill>
-                  <a:schemeClr val="bg1"/>
-                </a:solidFill>
-              </a:rPr>
-              <a:t>Isn't he wonderful</a:t>
-            </a:r>
-          </a:p>
-          <a:p>
-            <a:r>
-              <a:rPr lang="en-GB" sz="4300" dirty="0">
-                <a:solidFill>
-                  <a:schemeClr val="bg1"/>
-                </a:solidFill>
-              </a:rPr>
-              <a:t>Sing alleluia Christ is risen</a:t>
-            </a:r>
-          </a:p>
-          <a:p>
-            <a:r>
-              <a:rPr lang="en-GB" sz="4300" dirty="0">
-                <a:solidFill>
-                  <a:schemeClr val="bg1"/>
-                </a:solidFill>
-              </a:rPr>
-              <a:t>Bow down before him</a:t>
-            </a:r>
-          </a:p>
-          <a:p>
-            <a:r>
-              <a:rPr lang="en-GB" sz="4300" dirty="0">
-                <a:solidFill>
-                  <a:schemeClr val="bg1"/>
-                </a:solidFill>
-              </a:rPr>
-              <a:t>For he is Lord of all</a:t>
-            </a:r>
-          </a:p>
-          <a:p>
-            <a:r>
-              <a:rPr lang="en-GB" sz="4300" dirty="0">
-                <a:solidFill>
-                  <a:schemeClr val="bg1"/>
-                </a:solidFill>
-              </a:rPr>
-              <a:t>Sing alleluia Christ is risen</a:t>
-            </a:r>
-          </a:p>
-        </p:txBody>
-      </p:sp>
-      <p:sp>
-        <p:nvSpPr>
-          <p:cNvPr id="4" name="TextBox 3"/>
-          <p:cNvSpPr txBox="1"/>
-          <p:nvPr/>
-        </p:nvSpPr>
-        <p:spPr>
-          <a:xfrm>
-            <a:off x="8529729" y="0"/>
-            <a:ext cx="628698" cy="461665"/>
-          </a:xfrm>
-          <a:prstGeom prst="rect">
-            <a:avLst/>
-          </a:prstGeom>
-          <a:noFill/>
-        </p:spPr>
-        <p:txBody>
-          <a:bodyPr wrap="none" rtlCol="0">
-            <a:spAutoFit/>
-          </a:bodyPr>
-          <a:lstStyle/>
-          <a:p>
-            <a:r>
-              <a:rPr lang="en-GB" sz="2400" b="1" dirty="0">
-                <a:solidFill>
-                  <a:schemeClr val="bg1"/>
-                </a:solidFill>
-              </a:rPr>
-              <a:t>4/5</a:t>
+            <a:endParaRPr lang="en-GB" sz="9600" dirty="0"/>
+          </a:p>
+          <a:p>
+            <a:r>
+              <a:rPr lang="en-GB" sz="9600" dirty="0">
+                <a:solidFill>
+                  <a:schemeClr val="bg1"/>
+                </a:solidFill>
+              </a:rPr>
+              <a:t>You Are Good</a:t>
+            </a:r>
+          </a:p>
+          <a:p>
+            <a:br>
+              <a:rPr lang="en-GB" sz="9600" dirty="0">
+                <a:solidFill>
+                  <a:schemeClr val="bg1"/>
+                </a:solidFill>
+              </a:rPr>
+            </a:br>
+            <a:r>
+              <a:rPr lang="en-GB" sz="1200" dirty="0"/>
+              <a:t> CCLI Song # 3383788</a:t>
+            </a:r>
+          </a:p>
+          <a:p>
+            <a:r>
+              <a:rPr lang="en-GB" sz="1200" dirty="0"/>
+              <a:t>Israel Houghton</a:t>
+            </a:r>
+          </a:p>
+          <a:p>
+            <a:r>
+              <a:rPr lang="en-GB" sz="1200" dirty="0"/>
+              <a:t>© 2001 Integrity's Praise! Music (Admin. by Integrity Music)</a:t>
+            </a:r>
+          </a:p>
+          <a:p>
+            <a:r>
+              <a:rPr lang="en-GB" sz="1200" dirty="0"/>
+              <a:t>Sound Of The New Breed (Admin. by Integrity Music)</a:t>
+            </a:r>
+          </a:p>
+          <a:p>
+            <a:r>
+              <a:rPr lang="en-GB" sz="1200" i="1" dirty="0"/>
+              <a:t>For use solely with the </a:t>
+            </a:r>
+            <a:r>
+              <a:rPr lang="en-GB" sz="1200" i="1" dirty="0" err="1"/>
+              <a:t>SongSelect</a:t>
+            </a:r>
+            <a:r>
+              <a:rPr lang="en-GB" sz="1200" i="1" dirty="0"/>
+              <a:t>® </a:t>
+            </a:r>
+            <a:r>
+              <a:rPr lang="en-GB" sz="1200" i="1" dirty="0">
+                <a:hlinkClick r:id="rId2"/>
+              </a:rPr>
+              <a:t>Terms of Use</a:t>
+            </a:r>
+            <a:r>
+              <a:rPr lang="en-GB" sz="1200" i="1" dirty="0"/>
+              <a:t>. All rights reserved. </a:t>
+            </a:r>
+            <a:r>
+              <a:rPr lang="en-GB" sz="1200" i="1" dirty="0">
+                <a:hlinkClick r:id="rId3"/>
+              </a:rPr>
+              <a:t>www.ccli.com</a:t>
+            </a:r>
+            <a:endParaRPr lang="en-GB" sz="1200" i="1" dirty="0"/>
+          </a:p>
+          <a:p>
+            <a:r>
+              <a:rPr lang="en-GB" sz="1200" dirty="0"/>
+              <a:t>CCLI Licence No. 33265</a:t>
             </a:r>
           </a:p>
         </p:txBody>
       </p:sp>
     </p:spTree>
-    <p:extLst>
-      <p:ext uri="{BB962C8B-B14F-4D97-AF65-F5344CB8AC3E}">
-        <p14:creationId xmlns:p14="http://schemas.microsoft.com/office/powerpoint/2010/main" val="918880120"/>
-      </p:ext>
-    </p:extLst>
   </p:cSld>
   <p:clrMapOvr>
     <a:masterClrMapping/>
@@ -4127,22 +4090,119 @@
           <a:lstStyle/>
           <a:p>
             <a:r>
-              <a:rPr lang="en-GB" sz="4800" dirty="0">
-                <a:solidFill>
-                  <a:schemeClr val="bg1"/>
-                </a:solidFill>
-              </a:rPr>
-              <a:t>Bear your cross as you wait for the crown</a:t>
-            </a:r>
-          </a:p>
-          <a:p>
-            <a:r>
-              <a:rPr lang="en-GB" sz="4800" dirty="0">
-                <a:solidFill>
-                  <a:schemeClr val="bg1"/>
-                </a:solidFill>
-              </a:rPr>
-              <a:t>Tell the world of the treasure you've found</a:t>
+              <a:rPr lang="en-GB" sz="4900" dirty="0">
+                <a:solidFill>
+                  <a:schemeClr val="bg1"/>
+                </a:solidFill>
+              </a:rPr>
+              <a:t>Lord You are good</a:t>
+            </a:r>
+            <a:br>
+              <a:rPr lang="en-GB" sz="4900" dirty="0">
+                <a:solidFill>
+                  <a:schemeClr val="bg1"/>
+                </a:solidFill>
+              </a:rPr>
+            </a:br>
+            <a:r>
+              <a:rPr lang="en-GB" sz="4900" dirty="0">
+                <a:solidFill>
+                  <a:schemeClr val="bg1"/>
+                </a:solidFill>
+              </a:rPr>
+              <a:t>And Your mercy </a:t>
+            </a:r>
+            <a:r>
+              <a:rPr lang="en-GB" sz="4900" dirty="0" err="1">
+                <a:solidFill>
+                  <a:schemeClr val="bg1"/>
+                </a:solidFill>
+              </a:rPr>
+              <a:t>endureth</a:t>
+            </a:r>
+            <a:r>
+              <a:rPr lang="en-GB" sz="4900" dirty="0">
+                <a:solidFill>
+                  <a:schemeClr val="bg1"/>
+                </a:solidFill>
+              </a:rPr>
+              <a:t> forever</a:t>
+            </a:r>
+            <a:br>
+              <a:rPr lang="en-GB" sz="4900" dirty="0">
+                <a:solidFill>
+                  <a:schemeClr val="bg1"/>
+                </a:solidFill>
+              </a:rPr>
+            </a:br>
+            <a:r>
+              <a:rPr lang="en-GB" sz="4900" dirty="0">
+                <a:solidFill>
+                  <a:schemeClr val="bg1"/>
+                </a:solidFill>
+              </a:rPr>
+              <a:t>Lord You are good</a:t>
+            </a:r>
+            <a:br>
+              <a:rPr lang="en-GB" sz="4900" dirty="0">
+                <a:solidFill>
+                  <a:schemeClr val="bg1"/>
+                </a:solidFill>
+              </a:rPr>
+            </a:br>
+            <a:r>
+              <a:rPr lang="en-GB" sz="4900" dirty="0">
+                <a:solidFill>
+                  <a:schemeClr val="bg1"/>
+                </a:solidFill>
+              </a:rPr>
+              <a:t>And Your mercy </a:t>
+            </a:r>
+            <a:r>
+              <a:rPr lang="en-GB" sz="4900" dirty="0" err="1">
+                <a:solidFill>
+                  <a:schemeClr val="bg1"/>
+                </a:solidFill>
+              </a:rPr>
+              <a:t>endureth</a:t>
+            </a:r>
+            <a:r>
+              <a:rPr lang="en-GB" sz="4900" dirty="0">
+                <a:solidFill>
+                  <a:schemeClr val="bg1"/>
+                </a:solidFill>
+              </a:rPr>
+              <a:t> forever</a:t>
+            </a:r>
+            <a:br>
+              <a:rPr lang="en-GB" sz="4900" dirty="0">
+                <a:solidFill>
+                  <a:schemeClr val="bg1"/>
+                </a:solidFill>
+              </a:rPr>
+            </a:br>
+            <a:r>
+              <a:rPr lang="en-GB" sz="4900" dirty="0">
+                <a:solidFill>
+                  <a:schemeClr val="bg1"/>
+                </a:solidFill>
+              </a:rPr>
+              <a:t>People from every nation and tongue</a:t>
+            </a:r>
+            <a:br>
+              <a:rPr lang="en-GB" sz="4900" dirty="0">
+                <a:solidFill>
+                  <a:schemeClr val="bg1"/>
+                </a:solidFill>
+              </a:rPr>
+            </a:br>
+            <a:r>
+              <a:rPr lang="en-GB" sz="4900" dirty="0">
+                <a:solidFill>
+                  <a:schemeClr val="bg1"/>
+                </a:solidFill>
+              </a:rPr>
+              <a:t>From generation to generation</a:t>
             </a:r>
           </a:p>
         </p:txBody>
@@ -4175,17 +4235,12 @@
                   <a:schemeClr val="bg1"/>
                 </a:solidFill>
               </a:rPr>
-              <a:t>5/5</a:t>
+              <a:t>1/3</a:t>
             </a:r>
           </a:p>
         </p:txBody>
       </p:sp>
     </p:spTree>
-    <p:extLst>
-      <p:ext uri="{BB962C8B-B14F-4D97-AF65-F5344CB8AC3E}">
-        <p14:creationId xmlns:p14="http://schemas.microsoft.com/office/powerpoint/2010/main" val="3917964492"/>
-      </p:ext>
-    </p:extLst>
   </p:cSld>
   <p:clrMapOvr>
     <a:masterClrMapping/>
@@ -4232,173 +4287,157 @@
           </a:bodyPr>
           <a:lstStyle/>
           <a:p>
-            <a:endParaRPr lang="en-GB" sz="5400" dirty="0">
-              <a:solidFill>
-                <a:schemeClr val="bg1"/>
-              </a:solidFill>
-            </a:endParaRPr>
-          </a:p>
-          <a:p>
-            <a:r>
-              <a:rPr lang="en-GB" sz="6600" b="0" i="0" dirty="0">
-                <a:solidFill>
-                  <a:srgbClr val="00A3E0"/>
-                </a:solidFill>
-                <a:effectLst/>
-                <a:latin typeface="akagi_probook"/>
-              </a:rPr>
-              <a:t>How Great Is Our God</a:t>
-            </a:r>
-          </a:p>
-          <a:p>
-            <a:r>
-              <a:rPr lang="en-GB" sz="1200" dirty="0">
-                <a:solidFill>
-                  <a:schemeClr val="bg1"/>
-                </a:solidFill>
-              </a:rPr>
-              <a:t>CCLI Song # 4348399</a:t>
-            </a:r>
-          </a:p>
-          <a:p>
-            <a:endParaRPr lang="en-GB" sz="1200" dirty="0">
-              <a:solidFill>
-                <a:schemeClr val="bg1"/>
-              </a:solidFill>
-            </a:endParaRPr>
-          </a:p>
-          <a:p>
-            <a:r>
-              <a:rPr lang="en-GB" sz="1200" dirty="0">
-                <a:solidFill>
-                  <a:schemeClr val="bg1"/>
-                </a:solidFill>
-              </a:rPr>
-              <a:t>Chris Tomlin | Ed Cash | Jesse Reeves</a:t>
-            </a:r>
-          </a:p>
-          <a:p>
-            <a:endParaRPr lang="en-GB" sz="1200" dirty="0">
-              <a:solidFill>
-                <a:schemeClr val="bg1"/>
-              </a:solidFill>
-            </a:endParaRPr>
-          </a:p>
-          <a:p>
-            <a:r>
-              <a:rPr lang="en-GB" sz="1200" dirty="0">
-                <a:solidFill>
-                  <a:schemeClr val="bg1"/>
-                </a:solidFill>
-              </a:rPr>
-              <a:t>© 2004 </a:t>
-            </a:r>
-            <a:r>
-              <a:rPr lang="en-GB" sz="1200" dirty="0" err="1">
-                <a:solidFill>
-                  <a:schemeClr val="bg1"/>
-                </a:solidFill>
-              </a:rPr>
-              <a:t>sixsteps</a:t>
-            </a:r>
-            <a:r>
-              <a:rPr lang="en-GB" sz="1200" dirty="0">
-                <a:solidFill>
-                  <a:schemeClr val="bg1"/>
-                </a:solidFill>
-              </a:rPr>
-              <a:t> Music (Admin. by Integrity Music Ltd)</a:t>
-            </a:r>
-          </a:p>
-          <a:p>
-            <a:r>
-              <a:rPr lang="en-GB" sz="1200" dirty="0" err="1">
-                <a:solidFill>
-                  <a:schemeClr val="bg1"/>
-                </a:solidFill>
-              </a:rPr>
-              <a:t>Vamos</a:t>
-            </a:r>
-            <a:r>
-              <a:rPr lang="en-GB" sz="1200" dirty="0">
-                <a:solidFill>
-                  <a:schemeClr val="bg1"/>
-                </a:solidFill>
-              </a:rPr>
-              <a:t> Publishing (Admin. by Integrity Music Ltd)</a:t>
-            </a:r>
-          </a:p>
-          <a:p>
-            <a:r>
-              <a:rPr lang="en-GB" sz="1200" dirty="0">
-                <a:solidFill>
-                  <a:schemeClr val="bg1"/>
-                </a:solidFill>
-              </a:rPr>
-              <a:t>worshiptogether.com songs (Admin. by Integrity Music Ltd)</a:t>
-            </a:r>
-          </a:p>
-          <a:p>
-            <a:r>
-              <a:rPr lang="en-GB" sz="1200" dirty="0">
-                <a:solidFill>
-                  <a:schemeClr val="bg1"/>
-                </a:solidFill>
-              </a:rPr>
-              <a:t>Wondrously Made Songs (Admin. by Song Solutions www.songsolutions.org)</a:t>
-            </a:r>
-          </a:p>
-          <a:p>
-            <a:r>
-              <a:rPr lang="en-GB" sz="1200" dirty="0">
-                <a:solidFill>
-                  <a:schemeClr val="bg1"/>
-                </a:solidFill>
-              </a:rPr>
-              <a:t>For use solely with the </a:t>
-            </a:r>
-            <a:r>
-              <a:rPr lang="en-GB" sz="1200" dirty="0" err="1">
-                <a:solidFill>
-                  <a:schemeClr val="bg1"/>
-                </a:solidFill>
-              </a:rPr>
-              <a:t>SongSelect</a:t>
-            </a:r>
-            <a:r>
-              <a:rPr lang="en-GB" sz="1200" dirty="0">
-                <a:solidFill>
-                  <a:schemeClr val="bg1"/>
-                </a:solidFill>
-              </a:rPr>
-              <a:t>® Terms of Use. All rights reserved. www.ccli.com</a:t>
-            </a:r>
-          </a:p>
-          <a:p>
-            <a:endParaRPr lang="en-GB" sz="1200" dirty="0">
-              <a:solidFill>
-                <a:schemeClr val="bg1"/>
-              </a:solidFill>
-            </a:endParaRPr>
-          </a:p>
-          <a:p>
-            <a:r>
-              <a:rPr lang="en-GB" sz="1200" dirty="0">
-                <a:solidFill>
-                  <a:schemeClr val="bg1"/>
-                </a:solidFill>
-              </a:rPr>
-              <a:t>CCLI Licence No. 33265</a:t>
+            <a:r>
+              <a:rPr lang="en-GB" sz="5000" dirty="0">
+                <a:solidFill>
+                  <a:schemeClr val="bg1"/>
+                </a:solidFill>
+              </a:rPr>
+              <a:t>We worship You</a:t>
+            </a:r>
+            <a:br>
+              <a:rPr lang="en-GB" sz="5000" dirty="0">
+                <a:solidFill>
+                  <a:schemeClr val="bg1"/>
+                </a:solidFill>
+              </a:rPr>
+            </a:br>
+            <a:r>
+              <a:rPr lang="en-GB" sz="5000" dirty="0">
+                <a:solidFill>
+                  <a:schemeClr val="bg1"/>
+                </a:solidFill>
+              </a:rPr>
+              <a:t>Hallelujah </a:t>
+            </a:r>
+            <a:r>
+              <a:rPr lang="en-GB" sz="5000" dirty="0" err="1">
+                <a:solidFill>
+                  <a:schemeClr val="bg1"/>
+                </a:solidFill>
+              </a:rPr>
+              <a:t>hallelujah</a:t>
+            </a:r>
+            <a:br>
+              <a:rPr lang="en-GB" sz="5000" dirty="0">
+                <a:solidFill>
+                  <a:schemeClr val="bg1"/>
+                </a:solidFill>
+              </a:rPr>
+            </a:br>
+            <a:r>
+              <a:rPr lang="en-GB" sz="5000" dirty="0">
+                <a:solidFill>
+                  <a:schemeClr val="bg1"/>
+                </a:solidFill>
+              </a:rPr>
+              <a:t>We worship You for who You are</a:t>
+            </a:r>
+            <a:br>
+              <a:rPr lang="en-GB" sz="5000" dirty="0">
+                <a:solidFill>
+                  <a:schemeClr val="bg1"/>
+                </a:solidFill>
+              </a:rPr>
+            </a:br>
+            <a:r>
+              <a:rPr lang="en-GB" sz="5000" dirty="0">
+                <a:solidFill>
+                  <a:schemeClr val="bg1"/>
+                </a:solidFill>
+              </a:rPr>
+              <a:t>We worship You</a:t>
+            </a:r>
+            <a:br>
+              <a:rPr lang="en-GB" sz="5000" dirty="0">
+                <a:solidFill>
+                  <a:schemeClr val="bg1"/>
+                </a:solidFill>
+              </a:rPr>
+            </a:br>
+            <a:r>
+              <a:rPr lang="en-GB" sz="5000" dirty="0">
+                <a:solidFill>
+                  <a:schemeClr val="bg1"/>
+                </a:solidFill>
+              </a:rPr>
+              <a:t>Hallelujah </a:t>
+            </a:r>
+            <a:r>
+              <a:rPr lang="en-GB" sz="5000" dirty="0" err="1">
+                <a:solidFill>
+                  <a:schemeClr val="bg1"/>
+                </a:solidFill>
+              </a:rPr>
+              <a:t>hallelujah</a:t>
+            </a:r>
+            <a:br>
+              <a:rPr lang="en-GB" sz="5000" dirty="0">
+                <a:solidFill>
+                  <a:schemeClr val="bg1"/>
+                </a:solidFill>
+              </a:rPr>
+            </a:br>
+            <a:r>
+              <a:rPr lang="en-GB" sz="5000" dirty="0">
+                <a:solidFill>
+                  <a:schemeClr val="bg1"/>
+                </a:solidFill>
+              </a:rPr>
+              <a:t>We worship You for who You are</a:t>
+            </a:r>
+            <a:br>
+              <a:rPr lang="en-GB" sz="5000" dirty="0">
+                <a:solidFill>
+                  <a:schemeClr val="bg1"/>
+                </a:solidFill>
+              </a:rPr>
+            </a:br>
+            <a:r>
+              <a:rPr lang="en-GB" sz="5000" dirty="0">
+                <a:solidFill>
+                  <a:schemeClr val="bg1"/>
+                </a:solidFill>
+              </a:rPr>
+              <a:t>For You are good</a:t>
+            </a:r>
+          </a:p>
+        </p:txBody>
+      </p:sp>
+      <p:sp>
+        <p:nvSpPr>
+          <p:cNvPr id="4" name="TextBox 3"/>
+          <p:cNvSpPr txBox="1"/>
+          <p:nvPr/>
+        </p:nvSpPr>
+        <p:spPr>
+          <a:xfrm>
+            <a:off x="8529729" y="0"/>
+            <a:ext cx="628698" cy="461665"/>
+          </a:xfrm>
+          <a:prstGeom prst="rect">
+            <a:avLst/>
+          </a:prstGeom>
+          <a:noFill/>
+        </p:spPr>
+        <p:txBody>
+          <a:bodyPr wrap="none" rtlCol="0">
+            <a:spAutoFit/>
+          </a:bodyPr>
+          <a:lstStyle/>
+          <a:p>
+            <a:r>
+              <a:rPr lang="en-GB" sz="2400" b="1" dirty="0">
+                <a:solidFill>
+                  <a:schemeClr val="bg1"/>
+                </a:solidFill>
+              </a:rPr>
+              <a:t>2/3</a:t>
             </a:r>
           </a:p>
         </p:txBody>
       </p:sp>
     </p:spTree>
-    <p:extLst>
-      <p:ext uri="{BB962C8B-B14F-4D97-AF65-F5344CB8AC3E}">
-        <p14:creationId xmlns:p14="http://schemas.microsoft.com/office/powerpoint/2010/main" val="1773072146"/>
-      </p:ext>
-    </p:extLst>
   </p:cSld>
   <p:clrMapOvr>
     <a:masterClrMapping/>
@@ -4445,83 +4484,64 @@
           </a:bodyPr>
           <a:lstStyle/>
           <a:p>
-            <a:r>
-              <a:rPr lang="en-GB" sz="4000" dirty="0">
-                <a:solidFill>
-                  <a:schemeClr val="bg1"/>
-                </a:solidFill>
-              </a:rPr>
-              <a:t>The splendour of the King</a:t>
-            </a:r>
-          </a:p>
-          <a:p>
-            <a:r>
-              <a:rPr lang="en-GB" sz="4000" dirty="0">
-                <a:solidFill>
-                  <a:schemeClr val="bg1"/>
-                </a:solidFill>
-              </a:rPr>
-              <a:t>Clothed in majesty</a:t>
-            </a:r>
-          </a:p>
-          <a:p>
-            <a:r>
-              <a:rPr lang="en-GB" sz="4000" dirty="0">
-                <a:solidFill>
-                  <a:schemeClr val="bg1"/>
-                </a:solidFill>
-              </a:rPr>
-              <a:t>Let all the earth rejoice</a:t>
-            </a:r>
-          </a:p>
-          <a:p>
-            <a:r>
-              <a:rPr lang="en-GB" sz="4000" dirty="0">
-                <a:solidFill>
-                  <a:schemeClr val="bg1"/>
-                </a:solidFill>
-              </a:rPr>
-              <a:t>All the earth rejoice</a:t>
-            </a:r>
-          </a:p>
-          <a:p>
-            <a:r>
-              <a:rPr lang="en-GB" sz="4000" dirty="0">
-                <a:solidFill>
-                  <a:schemeClr val="bg1"/>
-                </a:solidFill>
-              </a:rPr>
-              <a:t>He wraps Himself in light</a:t>
-            </a:r>
-          </a:p>
-          <a:p>
-            <a:r>
-              <a:rPr lang="en-GB" sz="4000" dirty="0">
-                <a:solidFill>
-                  <a:schemeClr val="bg1"/>
-                </a:solidFill>
-              </a:rPr>
-              <a:t>And darkness tries to hide</a:t>
-            </a:r>
-          </a:p>
-          <a:p>
-            <a:r>
-              <a:rPr lang="en-GB" sz="4000" dirty="0">
-                <a:solidFill>
-                  <a:schemeClr val="bg1"/>
-                </a:solidFill>
-              </a:rPr>
-              <a:t>And trembles at His voice</a:t>
-            </a:r>
-          </a:p>
-          <a:p>
-            <a:r>
-              <a:rPr lang="en-GB" sz="4000" dirty="0">
-                <a:solidFill>
-                  <a:schemeClr val="bg1"/>
-                </a:solidFill>
-              </a:rPr>
-              <a:t>And trembles at His voice</a:t>
+            <a:endParaRPr lang="en-GB" sz="4800" dirty="0"/>
+          </a:p>
+          <a:p>
+            <a:endParaRPr lang="en-GB" sz="4800" dirty="0"/>
+          </a:p>
+          <a:p>
+            <a:r>
+              <a:rPr lang="en-GB" sz="4800" dirty="0">
+                <a:solidFill>
+                  <a:schemeClr val="bg1"/>
+                </a:solidFill>
+              </a:rPr>
+              <a:t>You are good all the time</a:t>
+            </a:r>
+            <a:br>
+              <a:rPr lang="en-GB" sz="4800" dirty="0">
+                <a:solidFill>
+                  <a:schemeClr val="bg1"/>
+                </a:solidFill>
+              </a:rPr>
+            </a:br>
+            <a:r>
+              <a:rPr lang="en-GB" sz="4800" dirty="0">
+                <a:solidFill>
+                  <a:schemeClr val="bg1"/>
+                </a:solidFill>
+              </a:rPr>
+              <a:t>All the time You are good</a:t>
+            </a:r>
+            <a:br>
+              <a:rPr lang="en-GB" sz="4800" dirty="0">
+                <a:solidFill>
+                  <a:schemeClr val="bg1"/>
+                </a:solidFill>
+              </a:rPr>
+            </a:br>
+            <a:r>
+              <a:rPr lang="en-GB" sz="4800" dirty="0">
+                <a:solidFill>
+                  <a:schemeClr val="bg1"/>
+                </a:solidFill>
+              </a:rPr>
+              <a:t>You are good all the time</a:t>
+            </a:r>
+            <a:br>
+              <a:rPr lang="en-GB" sz="4800" dirty="0">
+                <a:solidFill>
+                  <a:schemeClr val="bg1"/>
+                </a:solidFill>
+              </a:rPr>
+            </a:br>
+            <a:r>
+              <a:rPr lang="en-GB" sz="4800" dirty="0">
+                <a:solidFill>
+                  <a:schemeClr val="bg1"/>
+                </a:solidFill>
+              </a:rPr>
+              <a:t>All the time You are good</a:t>
             </a:r>
           </a:p>
         </p:txBody>
@@ -4554,17 +4574,12 @@
                   <a:schemeClr val="bg1"/>
                 </a:solidFill>
               </a:rPr>
-              <a:t>1/5</a:t>
+              <a:t>3/3</a:t>
             </a:r>
           </a:p>
         </p:txBody>
       </p:sp>
     </p:spTree>
-    <p:extLst>
-      <p:ext uri="{BB962C8B-B14F-4D97-AF65-F5344CB8AC3E}">
-        <p14:creationId xmlns:p14="http://schemas.microsoft.com/office/powerpoint/2010/main" val="2534452881"/>
-      </p:ext>
-    </p:extLst>
   </p:cSld>
   <p:clrMapOvr>
     <a:masterClrMapping/>
@@ -4611,86 +4626,138 @@
           </a:bodyPr>
           <a:lstStyle/>
           <a:p>
-            <a:r>
-              <a:rPr lang="en-GB" sz="4000" dirty="0">
-                <a:solidFill>
-                  <a:schemeClr val="bg1"/>
-                </a:solidFill>
-              </a:rPr>
-              <a:t>How great is our God</a:t>
-            </a:r>
-          </a:p>
-          <a:p>
-            <a:r>
-              <a:rPr lang="en-GB" sz="4000" dirty="0">
-                <a:solidFill>
-                  <a:schemeClr val="bg1"/>
-                </a:solidFill>
-              </a:rPr>
-              <a:t>Sing with me</a:t>
-            </a:r>
-          </a:p>
-          <a:p>
-            <a:r>
-              <a:rPr lang="en-GB" sz="4000" dirty="0">
-                <a:solidFill>
-                  <a:schemeClr val="bg1"/>
-                </a:solidFill>
-              </a:rPr>
-              <a:t>How great is our God</a:t>
-            </a:r>
-          </a:p>
-          <a:p>
-            <a:r>
-              <a:rPr lang="en-GB" sz="4000" dirty="0">
-                <a:solidFill>
-                  <a:schemeClr val="bg1"/>
-                </a:solidFill>
-              </a:rPr>
-              <a:t>And all will see how great</a:t>
-            </a:r>
-          </a:p>
-          <a:p>
-            <a:r>
-              <a:rPr lang="en-GB" sz="4000" dirty="0">
-                <a:solidFill>
-                  <a:schemeClr val="bg1"/>
-                </a:solidFill>
-              </a:rPr>
-              <a:t>How great is our God</a:t>
-            </a:r>
-          </a:p>
-        </p:txBody>
-      </p:sp>
-      <p:sp>
-        <p:nvSpPr>
-          <p:cNvPr id="4" name="TextBox 3"/>
-          <p:cNvSpPr txBox="1"/>
-          <p:nvPr/>
-        </p:nvSpPr>
-        <p:spPr>
-          <a:xfrm>
-            <a:off x="8529729" y="0"/>
-            <a:ext cx="628698" cy="461665"/>
-          </a:xfrm>
-          <a:prstGeom prst="rect">
-            <a:avLst/>
-          </a:prstGeom>
-          <a:noFill/>
-        </p:spPr>
-        <p:txBody>
-          <a:bodyPr wrap="none" rtlCol="0">
-            <a:spAutoFit/>
-          </a:bodyPr>
-          <a:lstStyle/>
-          <a:p>
-            <a:r>
-              <a:rPr lang="en-GB" sz="2400" b="1" dirty="0">
-                <a:solidFill>
-                  <a:schemeClr val="bg1"/>
-                </a:solidFill>
-              </a:rPr>
-              <a:t>2/5</a:t>
+            <a:endParaRPr lang="en-GB" sz="5400" dirty="0">
+              <a:solidFill>
+                <a:schemeClr val="bg1"/>
+              </a:solidFill>
+            </a:endParaRPr>
+          </a:p>
+          <a:p>
+            <a:r>
+              <a:rPr lang="en-GB" sz="6600" b="0" i="0" dirty="0">
+                <a:solidFill>
+                  <a:srgbClr val="00A3E0"/>
+                </a:solidFill>
+                <a:effectLst/>
+                <a:latin typeface="akagi_probook"/>
+              </a:rPr>
+              <a:t>O Come </a:t>
+            </a:r>
+            <a:r>
+              <a:rPr lang="en-GB" sz="6600" dirty="0">
+                <a:solidFill>
+                  <a:srgbClr val="00A3E0"/>
+                </a:solidFill>
+                <a:latin typeface="akagi_probook"/>
+              </a:rPr>
+              <a:t>To The Altar</a:t>
+            </a:r>
+          </a:p>
+          <a:p>
+            <a:br>
+              <a:rPr lang="en-GB" sz="1200" dirty="0">
+                <a:solidFill>
+                  <a:schemeClr val="bg1"/>
+                </a:solidFill>
+              </a:rPr>
+            </a:br>
+            <a:r>
+              <a:rPr lang="en-GB" sz="1200" dirty="0">
+                <a:solidFill>
+                  <a:schemeClr val="bg1"/>
+                </a:solidFill>
+              </a:rPr>
+              <a:t>CCLI Song # 7051511</a:t>
+            </a:r>
+          </a:p>
+          <a:p>
+            <a:endParaRPr lang="en-GB" sz="1200" dirty="0">
+              <a:solidFill>
+                <a:schemeClr val="bg1"/>
+              </a:solidFill>
+            </a:endParaRPr>
+          </a:p>
+          <a:p>
+            <a:r>
+              <a:rPr lang="en-GB" sz="1200" dirty="0">
+                <a:solidFill>
+                  <a:schemeClr val="bg1"/>
+                </a:solidFill>
+              </a:rPr>
+              <a:t>Chris Brown | Mack Brock | Steven Furtick | Wade </a:t>
+            </a:r>
+            <a:r>
+              <a:rPr lang="en-GB" sz="1200" dirty="0" err="1">
+                <a:solidFill>
+                  <a:schemeClr val="bg1"/>
+                </a:solidFill>
+              </a:rPr>
+              <a:t>Joye</a:t>
+            </a:r>
+            <a:endParaRPr lang="en-GB" sz="1200" dirty="0">
+              <a:solidFill>
+                <a:schemeClr val="bg1"/>
+              </a:solidFill>
+            </a:endParaRPr>
+          </a:p>
+          <a:p>
+            <a:endParaRPr lang="en-GB" sz="1200" dirty="0">
+              <a:solidFill>
+                <a:schemeClr val="bg1"/>
+              </a:solidFill>
+            </a:endParaRPr>
+          </a:p>
+          <a:p>
+            <a:r>
+              <a:rPr lang="en-GB" sz="1200" dirty="0">
+                <a:solidFill>
+                  <a:schemeClr val="bg1"/>
+                </a:solidFill>
+              </a:rPr>
+              <a:t>© 2015 Music by Elevation Worship Publishing (Admin. by Essential Music Publishing LLC)</a:t>
+            </a:r>
+          </a:p>
+          <a:p>
+            <a:r>
+              <a:rPr lang="en-GB" sz="1200" dirty="0">
+                <a:solidFill>
+                  <a:schemeClr val="bg1"/>
+                </a:solidFill>
+              </a:rPr>
+              <a:t>For use solely with the </a:t>
+            </a:r>
+            <a:r>
+              <a:rPr lang="en-GB" sz="1200" dirty="0" err="1">
+                <a:solidFill>
+                  <a:schemeClr val="bg1"/>
+                </a:solidFill>
+              </a:rPr>
+              <a:t>SongSelect</a:t>
+            </a:r>
+            <a:r>
+              <a:rPr lang="en-GB" sz="1200" dirty="0">
+                <a:solidFill>
+                  <a:schemeClr val="bg1"/>
+                </a:solidFill>
+              </a:rPr>
+              <a:t>® Terms of Use. All rights reserved. www.ccli.com</a:t>
+            </a:r>
+          </a:p>
+          <a:p>
+            <a:endParaRPr lang="en-GB" sz="1200" dirty="0">
+              <a:solidFill>
+                <a:schemeClr val="bg1"/>
+              </a:solidFill>
+            </a:endParaRPr>
+          </a:p>
+          <a:p>
+            <a:r>
+              <a:rPr lang="en-GB" sz="1200" dirty="0">
+                <a:solidFill>
+                  <a:schemeClr val="bg1"/>
+                </a:solidFill>
+              </a:rPr>
+              <a:t>CCLI Licence No. 33265</a:t>
             </a:r>
           </a:p>
         </p:txBody>
@@ -4698,7 +4765,7 @@
     </p:spTree>
     <p:extLst>
       <p:ext uri="{BB962C8B-B14F-4D97-AF65-F5344CB8AC3E}">
-        <p14:creationId xmlns:p14="http://schemas.microsoft.com/office/powerpoint/2010/main" val="900559445"/>
+        <p14:creationId xmlns:p14="http://schemas.microsoft.com/office/powerpoint/2010/main" val="3366877666"/>
       </p:ext>
     </p:extLst>
   </p:cSld>
@@ -4762,7 +4829,7 @@
                 <a:effectLst/>
                 <a:latin typeface="akagi_probook"/>
               </a:rPr>
-              <a:t>Shine Jesus Shine</a:t>
+              <a:t>He's Got The Whole World In His Hands</a:t>
             </a:r>
           </a:p>
           <a:p>
@@ -4772,7 +4839,7 @@
                   <a:schemeClr val="bg1"/>
                 </a:solidFill>
               </a:rPr>
-              <a:t>CCLI Song # 30426</a:t>
+              <a:t>CCLI Song # 33681</a:t>
             </a:r>
           </a:p>
           <a:p>
@@ -4789,15 +4856,8 @@
                   <a:schemeClr val="bg1"/>
                 </a:solidFill>
               </a:rPr>
-              <a:t>Graham Kendrick</a:t>
-            </a:r>
-          </a:p>
-          <a:p>
-            <a:endParaRPr lang="en-GB" sz="1200" dirty="0">
-              <a:solidFill>
-                <a:schemeClr val="bg1"/>
-              </a:solidFill>
-            </a:endParaRPr>
+              <a:t>© Words: Public Domain</a:t>
+            </a:r>
           </a:p>
           <a:p>
             <a:r>
@@ -4806,7 +4866,7 @@
                   <a:schemeClr val="bg1"/>
                 </a:solidFill>
               </a:rPr>
-              <a:t>© 1987 Make Way Music (Admin. by Make Way Music Limited)</a:t>
+              <a:t>Music: Public Domain</a:t>
             </a:r>
           </a:p>
           <a:p>
@@ -4907,82 +4967,62 @@
           <a:lstStyle/>
           <a:p>
             <a:r>
-              <a:rPr lang="en-GB" sz="4000" dirty="0">
-                <a:solidFill>
-                  <a:schemeClr val="bg1"/>
-                </a:solidFill>
-              </a:rPr>
-              <a:t>And age to age He stands</a:t>
-            </a:r>
-          </a:p>
-          <a:p>
-            <a:r>
-              <a:rPr lang="en-GB" sz="4000" dirty="0">
-                <a:solidFill>
-                  <a:schemeClr val="bg1"/>
-                </a:solidFill>
-              </a:rPr>
-              <a:t>And time is in His hands</a:t>
-            </a:r>
-          </a:p>
-          <a:p>
-            <a:r>
-              <a:rPr lang="en-GB" sz="4000" dirty="0">
-                <a:solidFill>
-                  <a:schemeClr val="bg1"/>
-                </a:solidFill>
-              </a:rPr>
-              <a:t>Beginning and the End</a:t>
-            </a:r>
-          </a:p>
-          <a:p>
-            <a:r>
-              <a:rPr lang="en-GB" sz="4000" dirty="0">
-                <a:solidFill>
-                  <a:schemeClr val="bg1"/>
-                </a:solidFill>
-              </a:rPr>
-              <a:t>Beginning and the End</a:t>
-            </a:r>
-          </a:p>
-          <a:p>
-            <a:r>
-              <a:rPr lang="en-GB" sz="4000" dirty="0">
-                <a:solidFill>
-                  <a:schemeClr val="bg1"/>
-                </a:solidFill>
-              </a:rPr>
-              <a:t>The Godhead three in one</a:t>
-            </a:r>
-          </a:p>
-          <a:p>
-            <a:r>
-              <a:rPr lang="en-GB" sz="4000" dirty="0">
-                <a:solidFill>
-                  <a:schemeClr val="bg1"/>
-                </a:solidFill>
-              </a:rPr>
-              <a:t>Father Spirit Son</a:t>
-            </a:r>
-          </a:p>
-          <a:p>
-            <a:r>
-              <a:rPr lang="en-GB" sz="4000" dirty="0">
-                <a:solidFill>
-                  <a:schemeClr val="bg1"/>
-                </a:solidFill>
-              </a:rPr>
-              <a:t>The Lion and the Lamb</a:t>
-            </a:r>
-          </a:p>
-          <a:p>
-            <a:r>
-              <a:rPr lang="en-GB" sz="4000" dirty="0">
-                <a:solidFill>
-                  <a:schemeClr val="bg1"/>
-                </a:solidFill>
-              </a:rPr>
-              <a:t>The Lion and the Lamb</a:t>
+              <a:rPr lang="en-GB" sz="4300" dirty="0">
+                <a:solidFill>
+                  <a:schemeClr val="bg1"/>
+                </a:solidFill>
+              </a:rPr>
+              <a:t>Are you hurting and broken within</a:t>
+            </a:r>
+          </a:p>
+          <a:p>
+            <a:r>
+              <a:rPr lang="en-GB" sz="4300" dirty="0">
+                <a:solidFill>
+                  <a:schemeClr val="bg1"/>
+                </a:solidFill>
+              </a:rPr>
+              <a:t>Overwhelmed by the weight of your sin</a:t>
+            </a:r>
+          </a:p>
+          <a:p>
+            <a:r>
+              <a:rPr lang="en-GB" sz="4300" dirty="0">
+                <a:solidFill>
+                  <a:schemeClr val="bg1"/>
+                </a:solidFill>
+              </a:rPr>
+              <a:t>Jesus is calling</a:t>
+            </a:r>
+          </a:p>
+          <a:p>
+            <a:r>
+              <a:rPr lang="en-GB" sz="4300" dirty="0">
+                <a:solidFill>
+                  <a:schemeClr val="bg1"/>
+                </a:solidFill>
+              </a:rPr>
+              <a:t>Have you come to the end of yourself</a:t>
+            </a:r>
+          </a:p>
+          <a:p>
+            <a:r>
+              <a:rPr lang="en-GB" sz="4300" dirty="0">
+                <a:solidFill>
+                  <a:schemeClr val="bg1"/>
+                </a:solidFill>
+              </a:rPr>
+              <a:t>Do you thirst for a drink from the well</a:t>
+            </a:r>
+          </a:p>
+          <a:p>
+            <a:r>
+              <a:rPr lang="en-GB" sz="4300" dirty="0">
+                <a:solidFill>
+                  <a:schemeClr val="bg1"/>
+                </a:solidFill>
+              </a:rPr>
+              <a:t>Jesus is calling</a:t>
             </a:r>
           </a:p>
         </p:txBody>
@@ -5015,7 +5055,7 @@
                   <a:schemeClr val="bg1"/>
                 </a:solidFill>
               </a:rPr>
-              <a:t>3/5</a:t>
+              <a:t>1/5</a:t>
             </a:r>
           </a:p>
         </p:txBody>
@@ -5023,7 +5063,7 @@
     </p:spTree>
     <p:extLst>
       <p:ext uri="{BB962C8B-B14F-4D97-AF65-F5344CB8AC3E}">
-        <p14:creationId xmlns:p14="http://schemas.microsoft.com/office/powerpoint/2010/main" val="2228116576"/>
+        <p14:creationId xmlns:p14="http://schemas.microsoft.com/office/powerpoint/2010/main" val="3238900613"/>
       </p:ext>
     </p:extLst>
   </p:cSld>
@@ -5073,52 +5113,42 @@
           <a:lstStyle/>
           <a:p>
             <a:r>
-              <a:rPr lang="en-GB" sz="4000" dirty="0">
-                <a:solidFill>
-                  <a:schemeClr val="bg1"/>
-                </a:solidFill>
-              </a:rPr>
-              <a:t>How great is our God</a:t>
-            </a:r>
-          </a:p>
-          <a:p>
-            <a:r>
-              <a:rPr lang="en-GB" sz="4000" dirty="0">
-                <a:solidFill>
-                  <a:schemeClr val="bg1"/>
-                </a:solidFill>
-              </a:rPr>
-              <a:t>Sing with me</a:t>
-            </a:r>
-          </a:p>
-          <a:p>
-            <a:r>
-              <a:rPr lang="en-GB" sz="4000" dirty="0">
-                <a:solidFill>
-                  <a:schemeClr val="bg1"/>
-                </a:solidFill>
-              </a:rPr>
-              <a:t>How great is our God</a:t>
-            </a:r>
-          </a:p>
-          <a:p>
-            <a:r>
-              <a:rPr lang="en-GB" sz="4000" dirty="0">
-                <a:solidFill>
-                  <a:schemeClr val="bg1"/>
-                </a:solidFill>
-              </a:rPr>
-              <a:t>And all will see how great</a:t>
-            </a:r>
-          </a:p>
-          <a:p>
-            <a:r>
-              <a:rPr lang="en-GB" sz="4000" dirty="0">
-                <a:solidFill>
-                  <a:schemeClr val="bg1"/>
-                </a:solidFill>
-              </a:rPr>
-              <a:t>How great is our God</a:t>
+              <a:rPr lang="en-GB" sz="5400" dirty="0">
+                <a:solidFill>
+                  <a:schemeClr val="bg1"/>
+                </a:solidFill>
+              </a:rPr>
+              <a:t>O come to the altar</a:t>
+            </a:r>
+          </a:p>
+          <a:p>
+            <a:r>
+              <a:rPr lang="en-GB" sz="5400" dirty="0">
+                <a:solidFill>
+                  <a:schemeClr val="bg1"/>
+                </a:solidFill>
+              </a:rPr>
+              <a:t>The Father's arms are open wide</a:t>
+            </a:r>
+          </a:p>
+          <a:p>
+            <a:r>
+              <a:rPr lang="en-GB" sz="5400" dirty="0">
+                <a:solidFill>
+                  <a:schemeClr val="bg1"/>
+                </a:solidFill>
+              </a:rPr>
+              <a:t>Forgiveness was bought with</a:t>
+            </a:r>
+          </a:p>
+          <a:p>
+            <a:r>
+              <a:rPr lang="en-GB" sz="5400" dirty="0">
+                <a:solidFill>
+                  <a:schemeClr val="bg1"/>
+                </a:solidFill>
+              </a:rPr>
+              <a:t>The precious blood of Jesus Christ</a:t>
             </a:r>
           </a:p>
         </p:txBody>
@@ -5151,7 +5181,7 @@
                   <a:schemeClr val="bg1"/>
                 </a:solidFill>
               </a:rPr>
-              <a:t>4/5</a:t>
+              <a:t>2/5</a:t>
             </a:r>
           </a:p>
         </p:txBody>
@@ -5159,7 +5189,7 @@
     </p:spTree>
     <p:extLst>
       <p:ext uri="{BB962C8B-B14F-4D97-AF65-F5344CB8AC3E}">
-        <p14:creationId xmlns:p14="http://schemas.microsoft.com/office/powerpoint/2010/main" val="803202166"/>
+        <p14:creationId xmlns:p14="http://schemas.microsoft.com/office/powerpoint/2010/main" val="1563839107"/>
       </p:ext>
     </p:extLst>
   </p:cSld>
@@ -5209,42 +5239,62 @@
           <a:lstStyle/>
           <a:p>
             <a:r>
-              <a:rPr lang="en-GB" sz="4000" dirty="0">
-                <a:solidFill>
-                  <a:schemeClr val="bg1"/>
-                </a:solidFill>
-              </a:rPr>
-              <a:t>Name above all names</a:t>
-            </a:r>
-          </a:p>
-          <a:p>
-            <a:r>
-              <a:rPr lang="en-GB" sz="4000" dirty="0">
-                <a:solidFill>
-                  <a:schemeClr val="bg1"/>
-                </a:solidFill>
-              </a:rPr>
-              <a:t>Worthy of all praise</a:t>
-            </a:r>
-          </a:p>
-          <a:p>
-            <a:r>
-              <a:rPr lang="en-GB" sz="4000" dirty="0">
-                <a:solidFill>
-                  <a:schemeClr val="bg1"/>
-                </a:solidFill>
-              </a:rPr>
-              <a:t>My heart will sing</a:t>
-            </a:r>
-          </a:p>
-          <a:p>
-            <a:r>
-              <a:rPr lang="en-GB" sz="4000" dirty="0">
-                <a:solidFill>
-                  <a:schemeClr val="bg1"/>
-                </a:solidFill>
-              </a:rPr>
-              <a:t>How great is our God</a:t>
+              <a:rPr lang="en-GB" sz="4300" dirty="0">
+                <a:solidFill>
+                  <a:schemeClr val="bg1"/>
+                </a:solidFill>
+              </a:rPr>
+              <a:t>Leave behind your regrets and mistakes</a:t>
+            </a:r>
+          </a:p>
+          <a:p>
+            <a:r>
+              <a:rPr lang="en-GB" sz="4300" dirty="0">
+                <a:solidFill>
+                  <a:schemeClr val="bg1"/>
+                </a:solidFill>
+              </a:rPr>
+              <a:t>Come today there's no reason to wait</a:t>
+            </a:r>
+          </a:p>
+          <a:p>
+            <a:r>
+              <a:rPr lang="en-GB" sz="4300" dirty="0">
+                <a:solidFill>
+                  <a:schemeClr val="bg1"/>
+                </a:solidFill>
+              </a:rPr>
+              <a:t>Jesus is calling</a:t>
+            </a:r>
+          </a:p>
+          <a:p>
+            <a:r>
+              <a:rPr lang="en-GB" sz="4300" dirty="0">
+                <a:solidFill>
+                  <a:schemeClr val="bg1"/>
+                </a:solidFill>
+              </a:rPr>
+              <a:t>Bring your sorrows and trade them for joy</a:t>
+            </a:r>
+          </a:p>
+          <a:p>
+            <a:r>
+              <a:rPr lang="en-GB" sz="4300" dirty="0">
+                <a:solidFill>
+                  <a:schemeClr val="bg1"/>
+                </a:solidFill>
+              </a:rPr>
+              <a:t>From the ashes a new life is born</a:t>
+            </a:r>
+          </a:p>
+          <a:p>
+            <a:r>
+              <a:rPr lang="en-GB" sz="4300" dirty="0">
+                <a:solidFill>
+                  <a:schemeClr val="bg1"/>
+                </a:solidFill>
+              </a:rPr>
+              <a:t>Jesus is calling</a:t>
             </a:r>
           </a:p>
         </p:txBody>
@@ -5277,7 +5327,7 @@
                   <a:schemeClr val="bg1"/>
                 </a:solidFill>
               </a:rPr>
-              <a:t>5/5</a:t>
+              <a:t>3/5</a:t>
             </a:r>
           </a:p>
         </p:txBody>
@@ -5285,7 +5335,1089 @@
     </p:spTree>
     <p:extLst>
       <p:ext uri="{BB962C8B-B14F-4D97-AF65-F5344CB8AC3E}">
-        <p14:creationId xmlns:p14="http://schemas.microsoft.com/office/powerpoint/2010/main" val="4137185816"/>
+        <p14:creationId xmlns:p14="http://schemas.microsoft.com/office/powerpoint/2010/main" val="673598182"/>
+      </p:ext>
+    </p:extLst>
+  </p:cSld>
+  <p:clrMapOvr>
+    <a:masterClrMapping/>
+  </p:clrMapOvr>
+</p:sld>
+</file>
+
+<file path=ppt/slides/slide23.xml><?xml version="1.0" encoding="utf-8"?>
+<p:sld xmlns:a="http://schemas.openxmlformats.org/drawingml/2006/main" xmlns:r="http://schemas.openxmlformats.org/officeDocument/2006/relationships" xmlns:p="http://schemas.openxmlformats.org/presentationml/2006/main">
+  <p:cSld>
+    <p:spTree>
+      <p:nvGrpSpPr>
+        <p:cNvPr id="1" name=""/>
+        <p:cNvGrpSpPr/>
+        <p:nvPr/>
+      </p:nvGrpSpPr>
+      <p:grpSpPr>
+        <a:xfrm>
+          <a:off x="0" y="0"/>
+          <a:ext cx="0" cy="0"/>
+          <a:chOff x="0" y="0"/>
+          <a:chExt cx="0" cy="0"/>
+        </a:xfrm>
+      </p:grpSpPr>
+      <p:sp>
+        <p:nvSpPr>
+          <p:cNvPr id="3" name="Subtitle 2"/>
+          <p:cNvSpPr>
+            <a:spLocks noGrp="1"/>
+          </p:cNvSpPr>
+          <p:nvPr>
+            <p:ph type="subTitle" idx="1"/>
+          </p:nvPr>
+        </p:nvSpPr>
+        <p:spPr>
+          <a:xfrm>
+            <a:off x="323528" y="188640"/>
+            <a:ext cx="8640960" cy="6480720"/>
+          </a:xfrm>
+        </p:spPr>
+        <p:txBody>
+          <a:bodyPr>
+            <a:noAutofit/>
+          </a:bodyPr>
+          <a:lstStyle/>
+          <a:p>
+            <a:r>
+              <a:rPr lang="en-GB" sz="4300" dirty="0">
+                <a:solidFill>
+                  <a:schemeClr val="bg1"/>
+                </a:solidFill>
+              </a:rPr>
+              <a:t>Oh what a </a:t>
+            </a:r>
+            <a:r>
+              <a:rPr lang="en-GB" sz="4300" dirty="0" err="1">
+                <a:solidFill>
+                  <a:schemeClr val="bg1"/>
+                </a:solidFill>
+              </a:rPr>
+              <a:t>Savior</a:t>
+            </a:r>
+            <a:endParaRPr lang="en-GB" sz="4300" dirty="0">
+              <a:solidFill>
+                <a:schemeClr val="bg1"/>
+              </a:solidFill>
+            </a:endParaRPr>
+          </a:p>
+          <a:p>
+            <a:r>
+              <a:rPr lang="en-GB" sz="4300" dirty="0">
+                <a:solidFill>
+                  <a:schemeClr val="bg1"/>
+                </a:solidFill>
+              </a:rPr>
+              <a:t>Isn't he wonderful</a:t>
+            </a:r>
+          </a:p>
+          <a:p>
+            <a:r>
+              <a:rPr lang="en-GB" sz="4300" dirty="0">
+                <a:solidFill>
+                  <a:schemeClr val="bg1"/>
+                </a:solidFill>
+              </a:rPr>
+              <a:t>Sing alleluia Christ is risen</a:t>
+            </a:r>
+          </a:p>
+          <a:p>
+            <a:r>
+              <a:rPr lang="en-GB" sz="4300" dirty="0">
+                <a:solidFill>
+                  <a:schemeClr val="bg1"/>
+                </a:solidFill>
+              </a:rPr>
+              <a:t>Bow down before him</a:t>
+            </a:r>
+          </a:p>
+          <a:p>
+            <a:r>
+              <a:rPr lang="en-GB" sz="4300" dirty="0">
+                <a:solidFill>
+                  <a:schemeClr val="bg1"/>
+                </a:solidFill>
+              </a:rPr>
+              <a:t>For he is Lord of all</a:t>
+            </a:r>
+          </a:p>
+          <a:p>
+            <a:r>
+              <a:rPr lang="en-GB" sz="4300" dirty="0">
+                <a:solidFill>
+                  <a:schemeClr val="bg1"/>
+                </a:solidFill>
+              </a:rPr>
+              <a:t>Sing alleluia Christ is risen</a:t>
+            </a:r>
+          </a:p>
+        </p:txBody>
+      </p:sp>
+      <p:sp>
+        <p:nvSpPr>
+          <p:cNvPr id="4" name="TextBox 3"/>
+          <p:cNvSpPr txBox="1"/>
+          <p:nvPr/>
+        </p:nvSpPr>
+        <p:spPr>
+          <a:xfrm>
+            <a:off x="8529729" y="0"/>
+            <a:ext cx="628698" cy="461665"/>
+          </a:xfrm>
+          <a:prstGeom prst="rect">
+            <a:avLst/>
+          </a:prstGeom>
+          <a:noFill/>
+        </p:spPr>
+        <p:txBody>
+          <a:bodyPr wrap="none" rtlCol="0">
+            <a:spAutoFit/>
+          </a:bodyPr>
+          <a:lstStyle/>
+          <a:p>
+            <a:r>
+              <a:rPr lang="en-GB" sz="2400" b="1" dirty="0">
+                <a:solidFill>
+                  <a:schemeClr val="bg1"/>
+                </a:solidFill>
+              </a:rPr>
+              <a:t>4/5</a:t>
+            </a:r>
+          </a:p>
+        </p:txBody>
+      </p:sp>
+    </p:spTree>
+    <p:extLst>
+      <p:ext uri="{BB962C8B-B14F-4D97-AF65-F5344CB8AC3E}">
+        <p14:creationId xmlns:p14="http://schemas.microsoft.com/office/powerpoint/2010/main" val="918880120"/>
+      </p:ext>
+    </p:extLst>
+  </p:cSld>
+  <p:clrMapOvr>
+    <a:masterClrMapping/>
+  </p:clrMapOvr>
+</p:sld>
+</file>
+
+<file path=ppt/slides/slide24.xml><?xml version="1.0" encoding="utf-8"?>
+<p:sld xmlns:a="http://schemas.openxmlformats.org/drawingml/2006/main" xmlns:r="http://schemas.openxmlformats.org/officeDocument/2006/relationships" xmlns:p="http://schemas.openxmlformats.org/presentationml/2006/main">
+  <p:cSld>
+    <p:spTree>
+      <p:nvGrpSpPr>
+        <p:cNvPr id="1" name=""/>
+        <p:cNvGrpSpPr/>
+        <p:nvPr/>
+      </p:nvGrpSpPr>
+      <p:grpSpPr>
+        <a:xfrm>
+          <a:off x="0" y="0"/>
+          <a:ext cx="0" cy="0"/>
+          <a:chOff x="0" y="0"/>
+          <a:chExt cx="0" cy="0"/>
+        </a:xfrm>
+      </p:grpSpPr>
+      <p:sp>
+        <p:nvSpPr>
+          <p:cNvPr id="3" name="Subtitle 2"/>
+          <p:cNvSpPr>
+            <a:spLocks noGrp="1"/>
+          </p:cNvSpPr>
+          <p:nvPr>
+            <p:ph type="subTitle" idx="1"/>
+          </p:nvPr>
+        </p:nvSpPr>
+        <p:spPr>
+          <a:xfrm>
+            <a:off x="323528" y="188640"/>
+            <a:ext cx="8640960" cy="6480720"/>
+          </a:xfrm>
+        </p:spPr>
+        <p:txBody>
+          <a:bodyPr>
+            <a:noAutofit/>
+          </a:bodyPr>
+          <a:lstStyle/>
+          <a:p>
+            <a:r>
+              <a:rPr lang="en-GB" sz="4800" dirty="0">
+                <a:solidFill>
+                  <a:schemeClr val="bg1"/>
+                </a:solidFill>
+              </a:rPr>
+              <a:t>Bear your cross as you wait for the crown</a:t>
+            </a:r>
+          </a:p>
+          <a:p>
+            <a:r>
+              <a:rPr lang="en-GB" sz="4800" dirty="0">
+                <a:solidFill>
+                  <a:schemeClr val="bg1"/>
+                </a:solidFill>
+              </a:rPr>
+              <a:t>Tell the world of the treasure you've found</a:t>
+            </a:r>
+          </a:p>
+        </p:txBody>
+      </p:sp>
+      <p:sp>
+        <p:nvSpPr>
+          <p:cNvPr id="4" name="TextBox 3"/>
+          <p:cNvSpPr txBox="1"/>
+          <p:nvPr/>
+        </p:nvSpPr>
+        <p:spPr>
+          <a:xfrm>
+            <a:off x="8529729" y="0"/>
+            <a:ext cx="628698" cy="461665"/>
+          </a:xfrm>
+          <a:prstGeom prst="rect">
+            <a:avLst/>
+          </a:prstGeom>
+          <a:noFill/>
+        </p:spPr>
+        <p:txBody>
+          <a:bodyPr wrap="none" rtlCol="0">
+            <a:spAutoFit/>
+          </a:bodyPr>
+          <a:lstStyle/>
+          <a:p>
+            <a:r>
+              <a:rPr lang="en-GB" sz="2400" b="1" dirty="0">
+                <a:solidFill>
+                  <a:schemeClr val="bg1"/>
+                </a:solidFill>
+              </a:rPr>
+              <a:t>5/5</a:t>
+            </a:r>
+          </a:p>
+        </p:txBody>
+      </p:sp>
+    </p:spTree>
+    <p:extLst>
+      <p:ext uri="{BB962C8B-B14F-4D97-AF65-F5344CB8AC3E}">
+        <p14:creationId xmlns:p14="http://schemas.microsoft.com/office/powerpoint/2010/main" val="3917964492"/>
+      </p:ext>
+    </p:extLst>
+  </p:cSld>
+  <p:clrMapOvr>
+    <a:masterClrMapping/>
+  </p:clrMapOvr>
+</p:sld>
+</file>
+
+<file path=ppt/slides/slide25.xml><?xml version="1.0" encoding="utf-8"?>
+<p:sld xmlns:a="http://schemas.openxmlformats.org/drawingml/2006/main" xmlns:r="http://schemas.openxmlformats.org/officeDocument/2006/relationships" xmlns:p="http://schemas.openxmlformats.org/presentationml/2006/main">
+  <p:cSld>
+    <p:spTree>
+      <p:nvGrpSpPr>
+        <p:cNvPr id="1" name=""/>
+        <p:cNvGrpSpPr/>
+        <p:nvPr/>
+      </p:nvGrpSpPr>
+      <p:grpSpPr>
+        <a:xfrm>
+          <a:off x="0" y="0"/>
+          <a:ext cx="0" cy="0"/>
+          <a:chOff x="0" y="0"/>
+          <a:chExt cx="0" cy="0"/>
+        </a:xfrm>
+      </p:grpSpPr>
+      <p:sp>
+        <p:nvSpPr>
+          <p:cNvPr id="3" name="Subtitle 2"/>
+          <p:cNvSpPr>
+            <a:spLocks noGrp="1"/>
+          </p:cNvSpPr>
+          <p:nvPr>
+            <p:ph type="subTitle" idx="1"/>
+          </p:nvPr>
+        </p:nvSpPr>
+        <p:spPr>
+          <a:xfrm>
+            <a:off x="323528" y="188640"/>
+            <a:ext cx="8640960" cy="6480720"/>
+          </a:xfrm>
+        </p:spPr>
+        <p:txBody>
+          <a:bodyPr>
+            <a:noAutofit/>
+          </a:bodyPr>
+          <a:lstStyle/>
+          <a:p>
+            <a:endParaRPr lang="en-GB" sz="5400" dirty="0">
+              <a:solidFill>
+                <a:schemeClr val="bg1"/>
+              </a:solidFill>
+            </a:endParaRPr>
+          </a:p>
+          <a:p>
+            <a:r>
+              <a:rPr lang="en-GB" sz="6600" b="0" i="0" dirty="0">
+                <a:solidFill>
+                  <a:srgbClr val="00A3E0"/>
+                </a:solidFill>
+                <a:effectLst/>
+                <a:latin typeface="akagi_probook"/>
+              </a:rPr>
+              <a:t>How Great Is Our God</a:t>
+            </a:r>
+          </a:p>
+          <a:p>
+            <a:r>
+              <a:rPr lang="en-GB" sz="1200" dirty="0">
+                <a:solidFill>
+                  <a:schemeClr val="bg1"/>
+                </a:solidFill>
+              </a:rPr>
+              <a:t>CCLI Song # 4348399</a:t>
+            </a:r>
+          </a:p>
+          <a:p>
+            <a:endParaRPr lang="en-GB" sz="1200" dirty="0">
+              <a:solidFill>
+                <a:schemeClr val="bg1"/>
+              </a:solidFill>
+            </a:endParaRPr>
+          </a:p>
+          <a:p>
+            <a:r>
+              <a:rPr lang="en-GB" sz="1200" dirty="0">
+                <a:solidFill>
+                  <a:schemeClr val="bg1"/>
+                </a:solidFill>
+              </a:rPr>
+              <a:t>Chris Tomlin | Ed Cash | Jesse Reeves</a:t>
+            </a:r>
+          </a:p>
+          <a:p>
+            <a:endParaRPr lang="en-GB" sz="1200" dirty="0">
+              <a:solidFill>
+                <a:schemeClr val="bg1"/>
+              </a:solidFill>
+            </a:endParaRPr>
+          </a:p>
+          <a:p>
+            <a:r>
+              <a:rPr lang="en-GB" sz="1200" dirty="0">
+                <a:solidFill>
+                  <a:schemeClr val="bg1"/>
+                </a:solidFill>
+              </a:rPr>
+              <a:t>© 2004 </a:t>
+            </a:r>
+            <a:r>
+              <a:rPr lang="en-GB" sz="1200" dirty="0" err="1">
+                <a:solidFill>
+                  <a:schemeClr val="bg1"/>
+                </a:solidFill>
+              </a:rPr>
+              <a:t>sixsteps</a:t>
+            </a:r>
+            <a:r>
+              <a:rPr lang="en-GB" sz="1200" dirty="0">
+                <a:solidFill>
+                  <a:schemeClr val="bg1"/>
+                </a:solidFill>
+              </a:rPr>
+              <a:t> Music (Admin. by Integrity Music Ltd)</a:t>
+            </a:r>
+          </a:p>
+          <a:p>
+            <a:r>
+              <a:rPr lang="en-GB" sz="1200" dirty="0" err="1">
+                <a:solidFill>
+                  <a:schemeClr val="bg1"/>
+                </a:solidFill>
+              </a:rPr>
+              <a:t>Vamos</a:t>
+            </a:r>
+            <a:r>
+              <a:rPr lang="en-GB" sz="1200" dirty="0">
+                <a:solidFill>
+                  <a:schemeClr val="bg1"/>
+                </a:solidFill>
+              </a:rPr>
+              <a:t> Publishing (Admin. by Integrity Music Ltd)</a:t>
+            </a:r>
+          </a:p>
+          <a:p>
+            <a:r>
+              <a:rPr lang="en-GB" sz="1200" dirty="0">
+                <a:solidFill>
+                  <a:schemeClr val="bg1"/>
+                </a:solidFill>
+              </a:rPr>
+              <a:t>worshiptogether.com songs (Admin. by Integrity Music Ltd)</a:t>
+            </a:r>
+          </a:p>
+          <a:p>
+            <a:r>
+              <a:rPr lang="en-GB" sz="1200" dirty="0">
+                <a:solidFill>
+                  <a:schemeClr val="bg1"/>
+                </a:solidFill>
+              </a:rPr>
+              <a:t>Wondrously Made Songs (Admin. by Song Solutions www.songsolutions.org)</a:t>
+            </a:r>
+          </a:p>
+          <a:p>
+            <a:r>
+              <a:rPr lang="en-GB" sz="1200" dirty="0">
+                <a:solidFill>
+                  <a:schemeClr val="bg1"/>
+                </a:solidFill>
+              </a:rPr>
+              <a:t>For use solely with the </a:t>
+            </a:r>
+            <a:r>
+              <a:rPr lang="en-GB" sz="1200" dirty="0" err="1">
+                <a:solidFill>
+                  <a:schemeClr val="bg1"/>
+                </a:solidFill>
+              </a:rPr>
+              <a:t>SongSelect</a:t>
+            </a:r>
+            <a:r>
+              <a:rPr lang="en-GB" sz="1200" dirty="0">
+                <a:solidFill>
+                  <a:schemeClr val="bg1"/>
+                </a:solidFill>
+              </a:rPr>
+              <a:t>® Terms of Use. All rights reserved. www.ccli.com</a:t>
+            </a:r>
+          </a:p>
+          <a:p>
+            <a:endParaRPr lang="en-GB" sz="1200" dirty="0">
+              <a:solidFill>
+                <a:schemeClr val="bg1"/>
+              </a:solidFill>
+            </a:endParaRPr>
+          </a:p>
+          <a:p>
+            <a:r>
+              <a:rPr lang="en-GB" sz="1200" dirty="0">
+                <a:solidFill>
+                  <a:schemeClr val="bg1"/>
+                </a:solidFill>
+              </a:rPr>
+              <a:t>CCLI Licence No. 33265</a:t>
+            </a:r>
+          </a:p>
+        </p:txBody>
+      </p:sp>
+    </p:spTree>
+    <p:extLst>
+      <p:ext uri="{BB962C8B-B14F-4D97-AF65-F5344CB8AC3E}">
+        <p14:creationId xmlns:p14="http://schemas.microsoft.com/office/powerpoint/2010/main" val="1773072146"/>
+      </p:ext>
+    </p:extLst>
+  </p:cSld>
+  <p:clrMapOvr>
+    <a:masterClrMapping/>
+  </p:clrMapOvr>
+</p:sld>
+</file>
+
+<file path=ppt/slides/slide26.xml><?xml version="1.0" encoding="utf-8"?>
+<p:sld xmlns:a="http://schemas.openxmlformats.org/drawingml/2006/main" xmlns:r="http://schemas.openxmlformats.org/officeDocument/2006/relationships" xmlns:p="http://schemas.openxmlformats.org/presentationml/2006/main">
+  <p:cSld>
+    <p:spTree>
+      <p:nvGrpSpPr>
+        <p:cNvPr id="1" name=""/>
+        <p:cNvGrpSpPr/>
+        <p:nvPr/>
+      </p:nvGrpSpPr>
+      <p:grpSpPr>
+        <a:xfrm>
+          <a:off x="0" y="0"/>
+          <a:ext cx="0" cy="0"/>
+          <a:chOff x="0" y="0"/>
+          <a:chExt cx="0" cy="0"/>
+        </a:xfrm>
+      </p:grpSpPr>
+      <p:sp>
+        <p:nvSpPr>
+          <p:cNvPr id="3" name="Subtitle 2"/>
+          <p:cNvSpPr>
+            <a:spLocks noGrp="1"/>
+          </p:cNvSpPr>
+          <p:nvPr>
+            <p:ph type="subTitle" idx="1"/>
+          </p:nvPr>
+        </p:nvSpPr>
+        <p:spPr>
+          <a:xfrm>
+            <a:off x="323528" y="188640"/>
+            <a:ext cx="8640960" cy="6480720"/>
+          </a:xfrm>
+        </p:spPr>
+        <p:txBody>
+          <a:bodyPr>
+            <a:noAutofit/>
+          </a:bodyPr>
+          <a:lstStyle/>
+          <a:p>
+            <a:r>
+              <a:rPr lang="en-GB" sz="4000" dirty="0">
+                <a:solidFill>
+                  <a:schemeClr val="bg1"/>
+                </a:solidFill>
+              </a:rPr>
+              <a:t>The splendour of the King</a:t>
+            </a:r>
+          </a:p>
+          <a:p>
+            <a:r>
+              <a:rPr lang="en-GB" sz="4000" dirty="0">
+                <a:solidFill>
+                  <a:schemeClr val="bg1"/>
+                </a:solidFill>
+              </a:rPr>
+              <a:t>Clothed in majesty</a:t>
+            </a:r>
+          </a:p>
+          <a:p>
+            <a:r>
+              <a:rPr lang="en-GB" sz="4000" dirty="0">
+                <a:solidFill>
+                  <a:schemeClr val="bg1"/>
+                </a:solidFill>
+              </a:rPr>
+              <a:t>Let all the earth rejoice</a:t>
+            </a:r>
+          </a:p>
+          <a:p>
+            <a:r>
+              <a:rPr lang="en-GB" sz="4000" dirty="0">
+                <a:solidFill>
+                  <a:schemeClr val="bg1"/>
+                </a:solidFill>
+              </a:rPr>
+              <a:t>All the earth rejoice</a:t>
+            </a:r>
+          </a:p>
+          <a:p>
+            <a:r>
+              <a:rPr lang="en-GB" sz="4000" dirty="0">
+                <a:solidFill>
+                  <a:schemeClr val="bg1"/>
+                </a:solidFill>
+              </a:rPr>
+              <a:t>He wraps Himself in light</a:t>
+            </a:r>
+          </a:p>
+          <a:p>
+            <a:r>
+              <a:rPr lang="en-GB" sz="4000" dirty="0">
+                <a:solidFill>
+                  <a:schemeClr val="bg1"/>
+                </a:solidFill>
+              </a:rPr>
+              <a:t>And darkness tries to hide</a:t>
+            </a:r>
+          </a:p>
+          <a:p>
+            <a:r>
+              <a:rPr lang="en-GB" sz="4000" dirty="0">
+                <a:solidFill>
+                  <a:schemeClr val="bg1"/>
+                </a:solidFill>
+              </a:rPr>
+              <a:t>And trembles at His voice</a:t>
+            </a:r>
+          </a:p>
+          <a:p>
+            <a:r>
+              <a:rPr lang="en-GB" sz="4000" dirty="0">
+                <a:solidFill>
+                  <a:schemeClr val="bg1"/>
+                </a:solidFill>
+              </a:rPr>
+              <a:t>And trembles at His voice</a:t>
+            </a:r>
+          </a:p>
+        </p:txBody>
+      </p:sp>
+      <p:sp>
+        <p:nvSpPr>
+          <p:cNvPr id="4" name="TextBox 3"/>
+          <p:cNvSpPr txBox="1"/>
+          <p:nvPr/>
+        </p:nvSpPr>
+        <p:spPr>
+          <a:xfrm>
+            <a:off x="8529729" y="0"/>
+            <a:ext cx="628698" cy="461665"/>
+          </a:xfrm>
+          <a:prstGeom prst="rect">
+            <a:avLst/>
+          </a:prstGeom>
+          <a:noFill/>
+        </p:spPr>
+        <p:txBody>
+          <a:bodyPr wrap="none" rtlCol="0">
+            <a:spAutoFit/>
+          </a:bodyPr>
+          <a:lstStyle/>
+          <a:p>
+            <a:r>
+              <a:rPr lang="en-GB" sz="2400" b="1" dirty="0">
+                <a:solidFill>
+                  <a:schemeClr val="bg1"/>
+                </a:solidFill>
+              </a:rPr>
+              <a:t>1/5</a:t>
+            </a:r>
+          </a:p>
+        </p:txBody>
+      </p:sp>
+    </p:spTree>
+    <p:extLst>
+      <p:ext uri="{BB962C8B-B14F-4D97-AF65-F5344CB8AC3E}">
+        <p14:creationId xmlns:p14="http://schemas.microsoft.com/office/powerpoint/2010/main" val="2534452881"/>
+      </p:ext>
+    </p:extLst>
+  </p:cSld>
+  <p:clrMapOvr>
+    <a:masterClrMapping/>
+  </p:clrMapOvr>
+</p:sld>
+</file>
+
+<file path=ppt/slides/slide27.xml><?xml version="1.0" encoding="utf-8"?>
+<p:sld xmlns:a="http://schemas.openxmlformats.org/drawingml/2006/main" xmlns:r="http://schemas.openxmlformats.org/officeDocument/2006/relationships" xmlns:p="http://schemas.openxmlformats.org/presentationml/2006/main">
+  <p:cSld>
+    <p:spTree>
+      <p:nvGrpSpPr>
+        <p:cNvPr id="1" name=""/>
+        <p:cNvGrpSpPr/>
+        <p:nvPr/>
+      </p:nvGrpSpPr>
+      <p:grpSpPr>
+        <a:xfrm>
+          <a:off x="0" y="0"/>
+          <a:ext cx="0" cy="0"/>
+          <a:chOff x="0" y="0"/>
+          <a:chExt cx="0" cy="0"/>
+        </a:xfrm>
+      </p:grpSpPr>
+      <p:sp>
+        <p:nvSpPr>
+          <p:cNvPr id="3" name="Subtitle 2"/>
+          <p:cNvSpPr>
+            <a:spLocks noGrp="1"/>
+          </p:cNvSpPr>
+          <p:nvPr>
+            <p:ph type="subTitle" idx="1"/>
+          </p:nvPr>
+        </p:nvSpPr>
+        <p:spPr>
+          <a:xfrm>
+            <a:off x="323528" y="188640"/>
+            <a:ext cx="8640960" cy="6480720"/>
+          </a:xfrm>
+        </p:spPr>
+        <p:txBody>
+          <a:bodyPr>
+            <a:noAutofit/>
+          </a:bodyPr>
+          <a:lstStyle/>
+          <a:p>
+            <a:r>
+              <a:rPr lang="en-GB" sz="4000" dirty="0">
+                <a:solidFill>
+                  <a:schemeClr val="bg1"/>
+                </a:solidFill>
+              </a:rPr>
+              <a:t>How great is our God</a:t>
+            </a:r>
+          </a:p>
+          <a:p>
+            <a:r>
+              <a:rPr lang="en-GB" sz="4000" dirty="0">
+                <a:solidFill>
+                  <a:schemeClr val="bg1"/>
+                </a:solidFill>
+              </a:rPr>
+              <a:t>Sing with me</a:t>
+            </a:r>
+          </a:p>
+          <a:p>
+            <a:r>
+              <a:rPr lang="en-GB" sz="4000" dirty="0">
+                <a:solidFill>
+                  <a:schemeClr val="bg1"/>
+                </a:solidFill>
+              </a:rPr>
+              <a:t>How great is our God</a:t>
+            </a:r>
+          </a:p>
+          <a:p>
+            <a:r>
+              <a:rPr lang="en-GB" sz="4000" dirty="0">
+                <a:solidFill>
+                  <a:schemeClr val="bg1"/>
+                </a:solidFill>
+              </a:rPr>
+              <a:t>And all will see how great</a:t>
+            </a:r>
+          </a:p>
+          <a:p>
+            <a:r>
+              <a:rPr lang="en-GB" sz="4000" dirty="0">
+                <a:solidFill>
+                  <a:schemeClr val="bg1"/>
+                </a:solidFill>
+              </a:rPr>
+              <a:t>How great is our God</a:t>
+            </a:r>
+          </a:p>
+        </p:txBody>
+      </p:sp>
+      <p:sp>
+        <p:nvSpPr>
+          <p:cNvPr id="4" name="TextBox 3"/>
+          <p:cNvSpPr txBox="1"/>
+          <p:nvPr/>
+        </p:nvSpPr>
+        <p:spPr>
+          <a:xfrm>
+            <a:off x="8529729" y="0"/>
+            <a:ext cx="628698" cy="461665"/>
+          </a:xfrm>
+          <a:prstGeom prst="rect">
+            <a:avLst/>
+          </a:prstGeom>
+          <a:noFill/>
+        </p:spPr>
+        <p:txBody>
+          <a:bodyPr wrap="none" rtlCol="0">
+            <a:spAutoFit/>
+          </a:bodyPr>
+          <a:lstStyle/>
+          <a:p>
+            <a:r>
+              <a:rPr lang="en-GB" sz="2400" b="1" dirty="0">
+                <a:solidFill>
+                  <a:schemeClr val="bg1"/>
+                </a:solidFill>
+              </a:rPr>
+              <a:t>2/5</a:t>
+            </a:r>
+          </a:p>
+        </p:txBody>
+      </p:sp>
+    </p:spTree>
+    <p:extLst>
+      <p:ext uri="{BB962C8B-B14F-4D97-AF65-F5344CB8AC3E}">
+        <p14:creationId xmlns:p14="http://schemas.microsoft.com/office/powerpoint/2010/main" val="900559445"/>
+      </p:ext>
+    </p:extLst>
+  </p:cSld>
+  <p:clrMapOvr>
+    <a:masterClrMapping/>
+  </p:clrMapOvr>
+</p:sld>
+</file>
+
+<file path=ppt/slides/slide28.xml><?xml version="1.0" encoding="utf-8"?>
+<p:sld xmlns:a="http://schemas.openxmlformats.org/drawingml/2006/main" xmlns:r="http://schemas.openxmlformats.org/officeDocument/2006/relationships" xmlns:p="http://schemas.openxmlformats.org/presentationml/2006/main">
+  <p:cSld>
+    <p:spTree>
+      <p:nvGrpSpPr>
+        <p:cNvPr id="1" name=""/>
+        <p:cNvGrpSpPr/>
+        <p:nvPr/>
+      </p:nvGrpSpPr>
+      <p:grpSpPr>
+        <a:xfrm>
+          <a:off x="0" y="0"/>
+          <a:ext cx="0" cy="0"/>
+          <a:chOff x="0" y="0"/>
+          <a:chExt cx="0" cy="0"/>
+        </a:xfrm>
+      </p:grpSpPr>
+      <p:sp>
+        <p:nvSpPr>
+          <p:cNvPr id="3" name="Subtitle 2"/>
+          <p:cNvSpPr>
+            <a:spLocks noGrp="1"/>
+          </p:cNvSpPr>
+          <p:nvPr>
+            <p:ph type="subTitle" idx="1"/>
+          </p:nvPr>
+        </p:nvSpPr>
+        <p:spPr>
+          <a:xfrm>
+            <a:off x="323528" y="188640"/>
+            <a:ext cx="8640960" cy="6480720"/>
+          </a:xfrm>
+        </p:spPr>
+        <p:txBody>
+          <a:bodyPr>
+            <a:noAutofit/>
+          </a:bodyPr>
+          <a:lstStyle/>
+          <a:p>
+            <a:r>
+              <a:rPr lang="en-GB" sz="4000" dirty="0">
+                <a:solidFill>
+                  <a:schemeClr val="bg1"/>
+                </a:solidFill>
+              </a:rPr>
+              <a:t>And age to age He stands</a:t>
+            </a:r>
+          </a:p>
+          <a:p>
+            <a:r>
+              <a:rPr lang="en-GB" sz="4000" dirty="0">
+                <a:solidFill>
+                  <a:schemeClr val="bg1"/>
+                </a:solidFill>
+              </a:rPr>
+              <a:t>And time is in His hands</a:t>
+            </a:r>
+          </a:p>
+          <a:p>
+            <a:r>
+              <a:rPr lang="en-GB" sz="4000" dirty="0">
+                <a:solidFill>
+                  <a:schemeClr val="bg1"/>
+                </a:solidFill>
+              </a:rPr>
+              <a:t>Beginning and the End</a:t>
+            </a:r>
+          </a:p>
+          <a:p>
+            <a:r>
+              <a:rPr lang="en-GB" sz="4000" dirty="0">
+                <a:solidFill>
+                  <a:schemeClr val="bg1"/>
+                </a:solidFill>
+              </a:rPr>
+              <a:t>Beginning and the End</a:t>
+            </a:r>
+          </a:p>
+          <a:p>
+            <a:r>
+              <a:rPr lang="en-GB" sz="4000" dirty="0">
+                <a:solidFill>
+                  <a:schemeClr val="bg1"/>
+                </a:solidFill>
+              </a:rPr>
+              <a:t>The Godhead three in one</a:t>
+            </a:r>
+          </a:p>
+          <a:p>
+            <a:r>
+              <a:rPr lang="en-GB" sz="4000" dirty="0">
+                <a:solidFill>
+                  <a:schemeClr val="bg1"/>
+                </a:solidFill>
+              </a:rPr>
+              <a:t>Father Spirit Son</a:t>
+            </a:r>
+          </a:p>
+          <a:p>
+            <a:r>
+              <a:rPr lang="en-GB" sz="4000" dirty="0">
+                <a:solidFill>
+                  <a:schemeClr val="bg1"/>
+                </a:solidFill>
+              </a:rPr>
+              <a:t>The Lion and the Lamb</a:t>
+            </a:r>
+          </a:p>
+          <a:p>
+            <a:r>
+              <a:rPr lang="en-GB" sz="4000" dirty="0">
+                <a:solidFill>
+                  <a:schemeClr val="bg1"/>
+                </a:solidFill>
+              </a:rPr>
+              <a:t>The Lion and the Lamb</a:t>
+            </a:r>
+          </a:p>
+        </p:txBody>
+      </p:sp>
+      <p:sp>
+        <p:nvSpPr>
+          <p:cNvPr id="4" name="TextBox 3"/>
+          <p:cNvSpPr txBox="1"/>
+          <p:nvPr/>
+        </p:nvSpPr>
+        <p:spPr>
+          <a:xfrm>
+            <a:off x="8529729" y="0"/>
+            <a:ext cx="628698" cy="461665"/>
+          </a:xfrm>
+          <a:prstGeom prst="rect">
+            <a:avLst/>
+          </a:prstGeom>
+          <a:noFill/>
+        </p:spPr>
+        <p:txBody>
+          <a:bodyPr wrap="none" rtlCol="0">
+            <a:spAutoFit/>
+          </a:bodyPr>
+          <a:lstStyle/>
+          <a:p>
+            <a:r>
+              <a:rPr lang="en-GB" sz="2400" b="1" dirty="0">
+                <a:solidFill>
+                  <a:schemeClr val="bg1"/>
+                </a:solidFill>
+              </a:rPr>
+              <a:t>3/5</a:t>
+            </a:r>
+          </a:p>
+        </p:txBody>
+      </p:sp>
+    </p:spTree>
+    <p:extLst>
+      <p:ext uri="{BB962C8B-B14F-4D97-AF65-F5344CB8AC3E}">
+        <p14:creationId xmlns:p14="http://schemas.microsoft.com/office/powerpoint/2010/main" val="2228116576"/>
+      </p:ext>
+    </p:extLst>
+  </p:cSld>
+  <p:clrMapOvr>
+    <a:masterClrMapping/>
+  </p:clrMapOvr>
+</p:sld>
+</file>
+
+<file path=ppt/slides/slide29.xml><?xml version="1.0" encoding="utf-8"?>
+<p:sld xmlns:a="http://schemas.openxmlformats.org/drawingml/2006/main" xmlns:r="http://schemas.openxmlformats.org/officeDocument/2006/relationships" xmlns:p="http://schemas.openxmlformats.org/presentationml/2006/main">
+  <p:cSld>
+    <p:spTree>
+      <p:nvGrpSpPr>
+        <p:cNvPr id="1" name=""/>
+        <p:cNvGrpSpPr/>
+        <p:nvPr/>
+      </p:nvGrpSpPr>
+      <p:grpSpPr>
+        <a:xfrm>
+          <a:off x="0" y="0"/>
+          <a:ext cx="0" cy="0"/>
+          <a:chOff x="0" y="0"/>
+          <a:chExt cx="0" cy="0"/>
+        </a:xfrm>
+      </p:grpSpPr>
+      <p:sp>
+        <p:nvSpPr>
+          <p:cNvPr id="3" name="Subtitle 2"/>
+          <p:cNvSpPr>
+            <a:spLocks noGrp="1"/>
+          </p:cNvSpPr>
+          <p:nvPr>
+            <p:ph type="subTitle" idx="1"/>
+          </p:nvPr>
+        </p:nvSpPr>
+        <p:spPr>
+          <a:xfrm>
+            <a:off x="323528" y="188640"/>
+            <a:ext cx="8640960" cy="6480720"/>
+          </a:xfrm>
+        </p:spPr>
+        <p:txBody>
+          <a:bodyPr>
+            <a:noAutofit/>
+          </a:bodyPr>
+          <a:lstStyle/>
+          <a:p>
+            <a:r>
+              <a:rPr lang="en-GB" sz="4000" dirty="0">
+                <a:solidFill>
+                  <a:schemeClr val="bg1"/>
+                </a:solidFill>
+              </a:rPr>
+              <a:t>How great is our God</a:t>
+            </a:r>
+          </a:p>
+          <a:p>
+            <a:r>
+              <a:rPr lang="en-GB" sz="4000" dirty="0">
+                <a:solidFill>
+                  <a:schemeClr val="bg1"/>
+                </a:solidFill>
+              </a:rPr>
+              <a:t>Sing with me</a:t>
+            </a:r>
+          </a:p>
+          <a:p>
+            <a:r>
+              <a:rPr lang="en-GB" sz="4000" dirty="0">
+                <a:solidFill>
+                  <a:schemeClr val="bg1"/>
+                </a:solidFill>
+              </a:rPr>
+              <a:t>How great is our God</a:t>
+            </a:r>
+          </a:p>
+          <a:p>
+            <a:r>
+              <a:rPr lang="en-GB" sz="4000" dirty="0">
+                <a:solidFill>
+                  <a:schemeClr val="bg1"/>
+                </a:solidFill>
+              </a:rPr>
+              <a:t>And all will see how great</a:t>
+            </a:r>
+          </a:p>
+          <a:p>
+            <a:r>
+              <a:rPr lang="en-GB" sz="4000" dirty="0">
+                <a:solidFill>
+                  <a:schemeClr val="bg1"/>
+                </a:solidFill>
+              </a:rPr>
+              <a:t>How great is our God</a:t>
+            </a:r>
+          </a:p>
+        </p:txBody>
+      </p:sp>
+      <p:sp>
+        <p:nvSpPr>
+          <p:cNvPr id="4" name="TextBox 3"/>
+          <p:cNvSpPr txBox="1"/>
+          <p:nvPr/>
+        </p:nvSpPr>
+        <p:spPr>
+          <a:xfrm>
+            <a:off x="8529729" y="0"/>
+            <a:ext cx="628698" cy="461665"/>
+          </a:xfrm>
+          <a:prstGeom prst="rect">
+            <a:avLst/>
+          </a:prstGeom>
+          <a:noFill/>
+        </p:spPr>
+        <p:txBody>
+          <a:bodyPr wrap="none" rtlCol="0">
+            <a:spAutoFit/>
+          </a:bodyPr>
+          <a:lstStyle/>
+          <a:p>
+            <a:r>
+              <a:rPr lang="en-GB" sz="2400" b="1" dirty="0">
+                <a:solidFill>
+                  <a:schemeClr val="bg1"/>
+                </a:solidFill>
+              </a:rPr>
+              <a:t>4/5</a:t>
+            </a:r>
+          </a:p>
+        </p:txBody>
+      </p:sp>
+    </p:spTree>
+    <p:extLst>
+      <p:ext uri="{BB962C8B-B14F-4D97-AF65-F5344CB8AC3E}">
+        <p14:creationId xmlns:p14="http://schemas.microsoft.com/office/powerpoint/2010/main" val="803202166"/>
       </p:ext>
     </p:extLst>
   </p:cSld>
@@ -5335,52 +6467,42 @@
           <a:lstStyle/>
           <a:p>
             <a:r>
-              <a:rPr lang="en-GB" sz="4600" dirty="0">
-                <a:solidFill>
-                  <a:schemeClr val="bg1"/>
-                </a:solidFill>
-              </a:rPr>
-              <a:t>Lord the light of Your love is shining</a:t>
-            </a:r>
-          </a:p>
-          <a:p>
-            <a:r>
-              <a:rPr lang="en-GB" sz="4600" dirty="0">
-                <a:solidFill>
-                  <a:schemeClr val="bg1"/>
-                </a:solidFill>
-              </a:rPr>
-              <a:t>In the midst of the darkness shining</a:t>
-            </a:r>
-          </a:p>
-          <a:p>
-            <a:r>
-              <a:rPr lang="en-GB" sz="4600" dirty="0">
-                <a:solidFill>
-                  <a:schemeClr val="bg1"/>
-                </a:solidFill>
-              </a:rPr>
-              <a:t>Jesus Light of the World shine upon us</a:t>
-            </a:r>
-          </a:p>
-          <a:p>
-            <a:r>
-              <a:rPr lang="en-GB" sz="4600" dirty="0">
-                <a:solidFill>
-                  <a:schemeClr val="bg1"/>
-                </a:solidFill>
-              </a:rPr>
-              <a:t>Set us free by the truth You now bring us</a:t>
-            </a:r>
-          </a:p>
-          <a:p>
-            <a:r>
-              <a:rPr lang="en-GB" sz="4600" dirty="0">
-                <a:solidFill>
-                  <a:schemeClr val="bg1"/>
-                </a:solidFill>
-              </a:rPr>
-              <a:t>Shine on me shine on me</a:t>
+              <a:rPr lang="en-GB" sz="5000" dirty="0">
+                <a:solidFill>
+                  <a:schemeClr val="bg1"/>
+                </a:solidFill>
+              </a:rPr>
+              <a:t>He's got the whole world in His hands</a:t>
+            </a:r>
+          </a:p>
+          <a:p>
+            <a:r>
+              <a:rPr lang="en-GB" sz="5000" dirty="0">
+                <a:solidFill>
+                  <a:schemeClr val="bg1"/>
+                </a:solidFill>
+              </a:rPr>
+              <a:t>He's got the whole world in His hands</a:t>
+            </a:r>
+          </a:p>
+          <a:p>
+            <a:r>
+              <a:rPr lang="en-GB" sz="5000" dirty="0">
+                <a:solidFill>
+                  <a:schemeClr val="bg1"/>
+                </a:solidFill>
+              </a:rPr>
+              <a:t>He's got the whole world in His hands</a:t>
+            </a:r>
+          </a:p>
+          <a:p>
+            <a:r>
+              <a:rPr lang="en-GB" sz="5000" dirty="0">
+                <a:solidFill>
+                  <a:schemeClr val="bg1"/>
+                </a:solidFill>
+              </a:rPr>
+              <a:t>He's got the whole world in His hands</a:t>
             </a:r>
           </a:p>
         </p:txBody>
@@ -5413,7 +6535,7 @@
                   <a:schemeClr val="bg1"/>
                 </a:solidFill>
               </a:rPr>
-              <a:t>1/4</a:t>
+              <a:t>1/7</a:t>
             </a:r>
           </a:p>
         </p:txBody>
@@ -5421,7 +6543,133 @@
     </p:spTree>
     <p:extLst>
       <p:ext uri="{BB962C8B-B14F-4D97-AF65-F5344CB8AC3E}">
-        <p14:creationId xmlns:p14="http://schemas.microsoft.com/office/powerpoint/2010/main" val="4190608817"/>
+        <p14:creationId xmlns:p14="http://schemas.microsoft.com/office/powerpoint/2010/main" val="1774347457"/>
+      </p:ext>
+    </p:extLst>
+  </p:cSld>
+  <p:clrMapOvr>
+    <a:masterClrMapping/>
+  </p:clrMapOvr>
+</p:sld>
+</file>
+
+<file path=ppt/slides/slide30.xml><?xml version="1.0" encoding="utf-8"?>
+<p:sld xmlns:a="http://schemas.openxmlformats.org/drawingml/2006/main" xmlns:r="http://schemas.openxmlformats.org/officeDocument/2006/relationships" xmlns:p="http://schemas.openxmlformats.org/presentationml/2006/main">
+  <p:cSld>
+    <p:spTree>
+      <p:nvGrpSpPr>
+        <p:cNvPr id="1" name=""/>
+        <p:cNvGrpSpPr/>
+        <p:nvPr/>
+      </p:nvGrpSpPr>
+      <p:grpSpPr>
+        <a:xfrm>
+          <a:off x="0" y="0"/>
+          <a:ext cx="0" cy="0"/>
+          <a:chOff x="0" y="0"/>
+          <a:chExt cx="0" cy="0"/>
+        </a:xfrm>
+      </p:grpSpPr>
+      <p:sp>
+        <p:nvSpPr>
+          <p:cNvPr id="3" name="Subtitle 2"/>
+          <p:cNvSpPr>
+            <a:spLocks noGrp="1"/>
+          </p:cNvSpPr>
+          <p:nvPr>
+            <p:ph type="subTitle" idx="1"/>
+          </p:nvPr>
+        </p:nvSpPr>
+        <p:spPr>
+          <a:xfrm>
+            <a:off x="323528" y="188640"/>
+            <a:ext cx="8640960" cy="6480720"/>
+          </a:xfrm>
+        </p:spPr>
+        <p:txBody>
+          <a:bodyPr>
+            <a:noAutofit/>
+          </a:bodyPr>
+          <a:lstStyle/>
+          <a:p>
+            <a:r>
+              <a:rPr lang="en-GB" sz="4000" dirty="0">
+                <a:solidFill>
+                  <a:schemeClr val="bg1"/>
+                </a:solidFill>
+              </a:rPr>
+              <a:t>Name above all names</a:t>
+            </a:r>
+          </a:p>
+          <a:p>
+            <a:r>
+              <a:rPr lang="en-GB" sz="4000" dirty="0">
+                <a:solidFill>
+                  <a:schemeClr val="bg1"/>
+                </a:solidFill>
+              </a:rPr>
+              <a:t>Worthy of all praise</a:t>
+            </a:r>
+          </a:p>
+          <a:p>
+            <a:r>
+              <a:rPr lang="en-GB" sz="4000" dirty="0">
+                <a:solidFill>
+                  <a:schemeClr val="bg1"/>
+                </a:solidFill>
+              </a:rPr>
+              <a:t>My heart will sing</a:t>
+            </a:r>
+          </a:p>
+          <a:p>
+            <a:r>
+              <a:rPr lang="en-GB" sz="4000" dirty="0">
+                <a:solidFill>
+                  <a:schemeClr val="bg1"/>
+                </a:solidFill>
+              </a:rPr>
+              <a:t>How great is our God</a:t>
+            </a:r>
+          </a:p>
+        </p:txBody>
+      </p:sp>
+      <p:sp>
+        <p:nvSpPr>
+          <p:cNvPr id="4" name="TextBox 3"/>
+          <p:cNvSpPr txBox="1"/>
+          <p:nvPr/>
+        </p:nvSpPr>
+        <p:spPr>
+          <a:xfrm>
+            <a:off x="8529729" y="0"/>
+            <a:ext cx="628698" cy="461665"/>
+          </a:xfrm>
+          <a:prstGeom prst="rect">
+            <a:avLst/>
+          </a:prstGeom>
+          <a:noFill/>
+        </p:spPr>
+        <p:txBody>
+          <a:bodyPr wrap="none" rtlCol="0">
+            <a:spAutoFit/>
+          </a:bodyPr>
+          <a:lstStyle/>
+          <a:p>
+            <a:r>
+              <a:rPr lang="en-GB" sz="2400" b="1" dirty="0">
+                <a:solidFill>
+                  <a:schemeClr val="bg1"/>
+                </a:solidFill>
+              </a:rPr>
+              <a:t>5/5</a:t>
+            </a:r>
+          </a:p>
+        </p:txBody>
+      </p:sp>
+    </p:spTree>
+    <p:extLst>
+      <p:ext uri="{BB962C8B-B14F-4D97-AF65-F5344CB8AC3E}">
+        <p14:creationId xmlns:p14="http://schemas.microsoft.com/office/powerpoint/2010/main" val="4137185816"/>
       </p:ext>
     </p:extLst>
   </p:cSld>
@@ -5471,82 +6719,42 @@
           <a:lstStyle/>
           <a:p>
             <a:r>
-              <a:rPr lang="en-GB" sz="4100" dirty="0">
-                <a:solidFill>
-                  <a:schemeClr val="bg1"/>
-                </a:solidFill>
-              </a:rPr>
-              <a:t>Shine Jesus shine</a:t>
-            </a:r>
-          </a:p>
-          <a:p>
-            <a:r>
-              <a:rPr lang="en-GB" sz="4100" dirty="0">
-                <a:solidFill>
-                  <a:schemeClr val="bg1"/>
-                </a:solidFill>
-              </a:rPr>
-              <a:t>Fill this land with the Father's glory</a:t>
-            </a:r>
-          </a:p>
-          <a:p>
-            <a:r>
-              <a:rPr lang="en-GB" sz="4100" dirty="0">
-                <a:solidFill>
-                  <a:schemeClr val="bg1"/>
-                </a:solidFill>
-              </a:rPr>
-              <a:t>Blaze Spirit blaze</a:t>
-            </a:r>
-          </a:p>
-          <a:p>
-            <a:r>
-              <a:rPr lang="en-GB" sz="4100" dirty="0">
-                <a:solidFill>
-                  <a:schemeClr val="bg1"/>
-                </a:solidFill>
-              </a:rPr>
-              <a:t>Set our hearts on fire</a:t>
-            </a:r>
-          </a:p>
-          <a:p>
-            <a:r>
-              <a:rPr lang="en-GB" sz="4100" dirty="0">
-                <a:solidFill>
-                  <a:schemeClr val="bg1"/>
-                </a:solidFill>
-              </a:rPr>
-              <a:t>Flow river flow</a:t>
-            </a:r>
-          </a:p>
-          <a:p>
-            <a:r>
-              <a:rPr lang="en-GB" sz="4100" dirty="0">
-                <a:solidFill>
-                  <a:schemeClr val="bg1"/>
-                </a:solidFill>
-              </a:rPr>
-              <a:t>Flood the nations with grace and mercy</a:t>
-            </a:r>
-          </a:p>
-          <a:p>
-            <a:r>
-              <a:rPr lang="en-GB" sz="4100" dirty="0">
-                <a:solidFill>
-                  <a:schemeClr val="bg1"/>
-                </a:solidFill>
-              </a:rPr>
-              <a:t>Send forth Your word</a:t>
-            </a:r>
-          </a:p>
-          <a:p>
-            <a:r>
-              <a:rPr lang="en-GB" sz="4100" dirty="0">
-                <a:solidFill>
-                  <a:schemeClr val="bg1"/>
-                </a:solidFill>
-              </a:rPr>
-              <a:t>Lord and let there be light</a:t>
+              <a:rPr lang="en-GB" sz="5000" dirty="0">
+                <a:solidFill>
+                  <a:schemeClr val="bg1"/>
+                </a:solidFill>
+              </a:rPr>
+              <a:t>He's got the little tiny baby in His hands</a:t>
+            </a:r>
+          </a:p>
+          <a:p>
+            <a:r>
+              <a:rPr lang="en-GB" sz="5000" dirty="0">
+                <a:solidFill>
+                  <a:schemeClr val="bg1"/>
+                </a:solidFill>
+              </a:rPr>
+              <a:t>He's got the little tiny baby in His hands</a:t>
+            </a:r>
+          </a:p>
+          <a:p>
+            <a:r>
+              <a:rPr lang="en-GB" sz="5000" dirty="0">
+                <a:solidFill>
+                  <a:schemeClr val="bg1"/>
+                </a:solidFill>
+              </a:rPr>
+              <a:t>He's got the little tiny baby in His hands</a:t>
+            </a:r>
+          </a:p>
+          <a:p>
+            <a:r>
+              <a:rPr lang="en-GB" sz="5000" dirty="0">
+                <a:solidFill>
+                  <a:schemeClr val="bg1"/>
+                </a:solidFill>
+              </a:rPr>
+              <a:t>He's got the whole world in His hands</a:t>
             </a:r>
           </a:p>
         </p:txBody>
@@ -5579,7 +6787,7 @@
                   <a:schemeClr val="bg1"/>
                 </a:solidFill>
               </a:rPr>
-              <a:t>2/4</a:t>
+              <a:t>2/7</a:t>
             </a:r>
           </a:p>
         </p:txBody>
@@ -5587,7 +6795,7 @@
     </p:spTree>
     <p:extLst>
       <p:ext uri="{BB962C8B-B14F-4D97-AF65-F5344CB8AC3E}">
-        <p14:creationId xmlns:p14="http://schemas.microsoft.com/office/powerpoint/2010/main" val="3099292676"/>
+        <p14:creationId xmlns:p14="http://schemas.microsoft.com/office/powerpoint/2010/main" val="1375205424"/>
       </p:ext>
     </p:extLst>
   </p:cSld>
@@ -5637,52 +6845,42 @@
           <a:lstStyle/>
           <a:p>
             <a:r>
-              <a:rPr lang="en-GB" sz="4400" dirty="0">
-                <a:solidFill>
-                  <a:schemeClr val="bg1"/>
-                </a:solidFill>
-              </a:rPr>
-              <a:t>Lord I come to Your awesome presence</a:t>
-            </a:r>
-          </a:p>
-          <a:p>
-            <a:r>
-              <a:rPr lang="en-GB" sz="4400" dirty="0">
-                <a:solidFill>
-                  <a:schemeClr val="bg1"/>
-                </a:solidFill>
-              </a:rPr>
-              <a:t>From the shadows into Your radiance</a:t>
-            </a:r>
-          </a:p>
-          <a:p>
-            <a:r>
-              <a:rPr lang="en-GB" sz="4400" dirty="0">
-                <a:solidFill>
-                  <a:schemeClr val="bg1"/>
-                </a:solidFill>
-              </a:rPr>
-              <a:t>By the blood I may enter Your brightness</a:t>
-            </a:r>
-          </a:p>
-          <a:p>
-            <a:r>
-              <a:rPr lang="en-GB" sz="4400" dirty="0">
-                <a:solidFill>
-                  <a:schemeClr val="bg1"/>
-                </a:solidFill>
-              </a:rPr>
-              <a:t>Search me try me consume all my darkness</a:t>
-            </a:r>
-          </a:p>
-          <a:p>
-            <a:r>
-              <a:rPr lang="en-GB" sz="4400" dirty="0">
-                <a:solidFill>
-                  <a:schemeClr val="bg1"/>
-                </a:solidFill>
-              </a:rPr>
-              <a:t>Shine on me shine on me</a:t>
+              <a:rPr lang="en-GB" sz="5000" dirty="0">
+                <a:solidFill>
+                  <a:schemeClr val="bg1"/>
+                </a:solidFill>
+              </a:rPr>
+              <a:t>He's got you and me brother in His hands</a:t>
+            </a:r>
+          </a:p>
+          <a:p>
+            <a:r>
+              <a:rPr lang="en-GB" sz="5000" dirty="0">
+                <a:solidFill>
+                  <a:schemeClr val="bg1"/>
+                </a:solidFill>
+              </a:rPr>
+              <a:t>He's got you and me brother in His hands</a:t>
+            </a:r>
+          </a:p>
+          <a:p>
+            <a:r>
+              <a:rPr lang="en-GB" sz="5000" dirty="0">
+                <a:solidFill>
+                  <a:schemeClr val="bg1"/>
+                </a:solidFill>
+              </a:rPr>
+              <a:t>He's got you and me brother in His hands</a:t>
+            </a:r>
+          </a:p>
+          <a:p>
+            <a:r>
+              <a:rPr lang="en-GB" sz="5000" dirty="0">
+                <a:solidFill>
+                  <a:schemeClr val="bg1"/>
+                </a:solidFill>
+              </a:rPr>
+              <a:t>He's got the whole world in His hands</a:t>
             </a:r>
           </a:p>
         </p:txBody>
@@ -5715,7 +6913,7 @@
                   <a:schemeClr val="bg1"/>
                 </a:solidFill>
               </a:rPr>
-              <a:t>3/4</a:t>
+              <a:t>3/7</a:t>
             </a:r>
           </a:p>
         </p:txBody>
@@ -5723,7 +6921,7 @@
     </p:spTree>
     <p:extLst>
       <p:ext uri="{BB962C8B-B14F-4D97-AF65-F5344CB8AC3E}">
-        <p14:creationId xmlns:p14="http://schemas.microsoft.com/office/powerpoint/2010/main" val="1622999890"/>
+        <p14:creationId xmlns:p14="http://schemas.microsoft.com/office/powerpoint/2010/main" val="3998559786"/>
       </p:ext>
     </p:extLst>
   </p:cSld>
@@ -5773,52 +6971,42 @@
           <a:lstStyle/>
           <a:p>
             <a:r>
-              <a:rPr lang="en-GB" sz="4400" dirty="0">
-                <a:solidFill>
-                  <a:schemeClr val="bg1"/>
-                </a:solidFill>
-              </a:rPr>
-              <a:t>As we gaze on Your kingly brightness</a:t>
-            </a:r>
-          </a:p>
-          <a:p>
-            <a:r>
-              <a:rPr lang="en-GB" sz="4400" dirty="0">
-                <a:solidFill>
-                  <a:schemeClr val="bg1"/>
-                </a:solidFill>
-              </a:rPr>
-              <a:t>So our faces display Your likeness</a:t>
-            </a:r>
-          </a:p>
-          <a:p>
-            <a:r>
-              <a:rPr lang="en-GB" sz="4400" dirty="0">
-                <a:solidFill>
-                  <a:schemeClr val="bg1"/>
-                </a:solidFill>
-              </a:rPr>
-              <a:t>Ever changing from glory to glory</a:t>
-            </a:r>
-          </a:p>
-          <a:p>
-            <a:r>
-              <a:rPr lang="en-GB" sz="4400" dirty="0">
-                <a:solidFill>
-                  <a:schemeClr val="bg1"/>
-                </a:solidFill>
-              </a:rPr>
-              <a:t>Mirrored here may our lives tell Your story</a:t>
-            </a:r>
-          </a:p>
-          <a:p>
-            <a:r>
-              <a:rPr lang="en-GB" sz="4400" dirty="0">
-                <a:solidFill>
-                  <a:schemeClr val="bg1"/>
-                </a:solidFill>
-              </a:rPr>
-              <a:t>Shine on me shine on me</a:t>
+              <a:rPr lang="en-GB" sz="5000" dirty="0">
+                <a:solidFill>
+                  <a:schemeClr val="bg1"/>
+                </a:solidFill>
+              </a:rPr>
+              <a:t>He's got you and me sister in His hands</a:t>
+            </a:r>
+          </a:p>
+          <a:p>
+            <a:r>
+              <a:rPr lang="en-GB" sz="5000" dirty="0">
+                <a:solidFill>
+                  <a:schemeClr val="bg1"/>
+                </a:solidFill>
+              </a:rPr>
+              <a:t>He's got you and me sister in His hands</a:t>
+            </a:r>
+          </a:p>
+          <a:p>
+            <a:r>
+              <a:rPr lang="en-GB" sz="5000" dirty="0">
+                <a:solidFill>
+                  <a:schemeClr val="bg1"/>
+                </a:solidFill>
+              </a:rPr>
+              <a:t>He's got you and me sister in His hands</a:t>
+            </a:r>
+          </a:p>
+          <a:p>
+            <a:r>
+              <a:rPr lang="en-GB" sz="5000" dirty="0">
+                <a:solidFill>
+                  <a:schemeClr val="bg1"/>
+                </a:solidFill>
+              </a:rPr>
+              <a:t>He's got the whole world in His hands</a:t>
             </a:r>
           </a:p>
         </p:txBody>
@@ -5851,7 +7039,7 @@
                   <a:schemeClr val="bg1"/>
                 </a:solidFill>
               </a:rPr>
-              <a:t>4/4</a:t>
+              <a:t>4/7</a:t>
             </a:r>
           </a:p>
         </p:txBody>
@@ -5859,7 +7047,7 @@
     </p:spTree>
     <p:extLst>
       <p:ext uri="{BB962C8B-B14F-4D97-AF65-F5344CB8AC3E}">
-        <p14:creationId xmlns:p14="http://schemas.microsoft.com/office/powerpoint/2010/main" val="3419756315"/>
+        <p14:creationId xmlns:p14="http://schemas.microsoft.com/office/powerpoint/2010/main" val="2608289354"/>
       </p:ext>
     </p:extLst>
   </p:cSld>
@@ -5908,89 +7096,134 @@
           </a:bodyPr>
           <a:lstStyle/>
           <a:p>
-            <a:endParaRPr lang="en-GB" sz="9600" dirty="0"/>
-          </a:p>
-          <a:p>
-            <a:r>
-              <a:rPr lang="en-GB" sz="9600" dirty="0">
-                <a:solidFill>
-                  <a:schemeClr val="bg1"/>
-                </a:solidFill>
-              </a:rPr>
-              <a:t>You Are Good</a:t>
-            </a:r>
-          </a:p>
-          <a:p>
-            <a:br>
-              <a:rPr lang="en-GB" sz="9600" dirty="0">
-                <a:solidFill>
-                  <a:schemeClr val="bg1"/>
-                </a:solidFill>
-              </a:rPr>
-            </a:br>
-            <a:r>
-              <a:rPr lang="en-GB" sz="1200" dirty="0"/>
-              <a:t> CCLI Song # 3383788</a:t>
-            </a:r>
-          </a:p>
-          <a:p>
-            <a:r>
-              <a:rPr lang="en-GB" sz="1200" dirty="0"/>
-              <a:t>Israel Houghton</a:t>
-            </a:r>
-          </a:p>
-          <a:p>
-            <a:r>
-              <a:rPr lang="en-GB" sz="1200" dirty="0"/>
-              <a:t>© 2001 Integrity's Praise! Music (Admin. by Integrity Music)</a:t>
-            </a:r>
-          </a:p>
-          <a:p>
-            <a:r>
-              <a:rPr lang="en-GB" sz="1200" dirty="0"/>
-              <a:t>Sound Of The New Breed (Admin. by Integrity Music)</a:t>
-            </a:r>
-          </a:p>
-          <a:p>
-            <a:r>
-              <a:rPr lang="en-GB" sz="1200" i="1" dirty="0"/>
-              <a:t>For use solely with the </a:t>
-            </a:r>
-            <a:r>
-              <a:rPr lang="en-GB" sz="1200" i="1" dirty="0" err="1"/>
-              <a:t>SongSelect</a:t>
-            </a:r>
-            <a:r>
-              <a:rPr lang="en-GB" sz="1200" i="1" dirty="0"/>
-              <a:t>® </a:t>
-            </a:r>
-            <a:r>
-              <a:rPr lang="en-GB" sz="1200" i="1" dirty="0">
-                <a:hlinkClick r:id="rId2"/>
-              </a:rPr>
-              <a:t>Terms of Use</a:t>
-            </a:r>
-            <a:r>
-              <a:rPr lang="en-GB" sz="1200" i="1" dirty="0"/>
-              <a:t>. All rights reserved. </a:t>
-            </a:r>
-            <a:r>
-              <a:rPr lang="en-GB" sz="1200" i="1" dirty="0">
-                <a:hlinkClick r:id="rId3"/>
-              </a:rPr>
-              <a:t>www.ccli.com</a:t>
-            </a:r>
-            <a:endParaRPr lang="en-GB" sz="1200" i="1" dirty="0"/>
-          </a:p>
-          <a:p>
-            <a:r>
-              <a:rPr lang="en-GB" sz="1200" dirty="0"/>
-              <a:t>CCLI Licence No. 33265</a:t>
+            <a:r>
+              <a:rPr lang="en-GB" sz="5000" dirty="0">
+                <a:solidFill>
+                  <a:schemeClr val="bg1"/>
+                </a:solidFill>
+              </a:rPr>
+              <a:t>He's got </a:t>
+            </a:r>
+            <a:r>
+              <a:rPr lang="en-GB" sz="5000" dirty="0" err="1">
+                <a:solidFill>
+                  <a:schemeClr val="bg1"/>
+                </a:solidFill>
+              </a:rPr>
+              <a:t>ev'rybody</a:t>
+            </a:r>
+            <a:r>
+              <a:rPr lang="en-GB" sz="5000" dirty="0">
+                <a:solidFill>
+                  <a:schemeClr val="bg1"/>
+                </a:solidFill>
+              </a:rPr>
+              <a:t> here in His hands</a:t>
+            </a:r>
+          </a:p>
+          <a:p>
+            <a:r>
+              <a:rPr lang="en-GB" sz="5000" dirty="0">
+                <a:solidFill>
+                  <a:schemeClr val="bg1"/>
+                </a:solidFill>
+              </a:rPr>
+              <a:t>He's got </a:t>
+            </a:r>
+            <a:r>
+              <a:rPr lang="en-GB" sz="5000" dirty="0" err="1">
+                <a:solidFill>
+                  <a:schemeClr val="bg1"/>
+                </a:solidFill>
+              </a:rPr>
+              <a:t>ev'rybody</a:t>
+            </a:r>
+            <a:r>
+              <a:rPr lang="en-GB" sz="5000" dirty="0">
+                <a:solidFill>
+                  <a:schemeClr val="bg1"/>
+                </a:solidFill>
+              </a:rPr>
+              <a:t> here in His hands</a:t>
+            </a:r>
+          </a:p>
+          <a:p>
+            <a:r>
+              <a:rPr lang="en-GB" sz="5000" dirty="0">
+                <a:solidFill>
+                  <a:schemeClr val="bg1"/>
+                </a:solidFill>
+              </a:rPr>
+              <a:t>He's got </a:t>
+            </a:r>
+            <a:r>
+              <a:rPr lang="en-GB" sz="5000" dirty="0" err="1">
+                <a:solidFill>
+                  <a:schemeClr val="bg1"/>
+                </a:solidFill>
+              </a:rPr>
+              <a:t>ev'rybody</a:t>
+            </a:r>
+            <a:r>
+              <a:rPr lang="en-GB" sz="5000" dirty="0">
+                <a:solidFill>
+                  <a:schemeClr val="bg1"/>
+                </a:solidFill>
+              </a:rPr>
+              <a:t> here in His hands</a:t>
+            </a:r>
+          </a:p>
+          <a:p>
+            <a:r>
+              <a:rPr lang="en-GB" sz="5000" dirty="0">
+                <a:solidFill>
+                  <a:schemeClr val="bg1"/>
+                </a:solidFill>
+              </a:rPr>
+              <a:t>He's got the whole world in His hand</a:t>
+            </a:r>
+          </a:p>
+        </p:txBody>
+      </p:sp>
+      <p:sp>
+        <p:nvSpPr>
+          <p:cNvPr id="4" name="TextBox 3"/>
+          <p:cNvSpPr txBox="1"/>
+          <p:nvPr/>
+        </p:nvSpPr>
+        <p:spPr>
+          <a:xfrm>
+            <a:off x="8529729" y="0"/>
+            <a:ext cx="628698" cy="461665"/>
+          </a:xfrm>
+          <a:prstGeom prst="rect">
+            <a:avLst/>
+          </a:prstGeom>
+          <a:noFill/>
+        </p:spPr>
+        <p:txBody>
+          <a:bodyPr wrap="none" rtlCol="0">
+            <a:spAutoFit/>
+          </a:bodyPr>
+          <a:lstStyle/>
+          <a:p>
+            <a:r>
+              <a:rPr lang="en-GB" sz="2400" b="1" dirty="0">
+                <a:solidFill>
+                  <a:schemeClr val="bg1"/>
+                </a:solidFill>
+              </a:rPr>
+              <a:t>5/7</a:t>
             </a:r>
           </a:p>
         </p:txBody>
       </p:sp>
     </p:spTree>
+    <p:extLst>
+      <p:ext uri="{BB962C8B-B14F-4D97-AF65-F5344CB8AC3E}">
+        <p14:creationId xmlns:p14="http://schemas.microsoft.com/office/powerpoint/2010/main" val="1186693962"/>
+      </p:ext>
+    </p:extLst>
   </p:cSld>
   <p:clrMapOvr>
     <a:masterClrMapping/>
@@ -6038,119 +7271,42 @@
           <a:lstStyle/>
           <a:p>
             <a:r>
-              <a:rPr lang="en-GB" sz="4900" dirty="0">
-                <a:solidFill>
-                  <a:schemeClr val="bg1"/>
-                </a:solidFill>
-              </a:rPr>
-              <a:t>Lord You are good</a:t>
-            </a:r>
-            <a:br>
-              <a:rPr lang="en-GB" sz="4900" dirty="0">
-                <a:solidFill>
-                  <a:schemeClr val="bg1"/>
-                </a:solidFill>
-              </a:rPr>
-            </a:br>
-            <a:r>
-              <a:rPr lang="en-GB" sz="4900" dirty="0">
-                <a:solidFill>
-                  <a:schemeClr val="bg1"/>
-                </a:solidFill>
-              </a:rPr>
-              <a:t>And Your mercy </a:t>
-            </a:r>
-            <a:r>
-              <a:rPr lang="en-GB" sz="4900" dirty="0" err="1">
-                <a:solidFill>
-                  <a:schemeClr val="bg1"/>
-                </a:solidFill>
-              </a:rPr>
-              <a:t>endureth</a:t>
-            </a:r>
-            <a:r>
-              <a:rPr lang="en-GB" sz="4900" dirty="0">
-                <a:solidFill>
-                  <a:schemeClr val="bg1"/>
-                </a:solidFill>
-              </a:rPr>
-              <a:t> forever</a:t>
-            </a:r>
-            <a:br>
-              <a:rPr lang="en-GB" sz="4900" dirty="0">
-                <a:solidFill>
-                  <a:schemeClr val="bg1"/>
-                </a:solidFill>
-              </a:rPr>
-            </a:br>
-            <a:r>
-              <a:rPr lang="en-GB" sz="4900" dirty="0">
-                <a:solidFill>
-                  <a:schemeClr val="bg1"/>
-                </a:solidFill>
-              </a:rPr>
-              <a:t>Lord You are good</a:t>
-            </a:r>
-            <a:br>
-              <a:rPr lang="en-GB" sz="4900" dirty="0">
-                <a:solidFill>
-                  <a:schemeClr val="bg1"/>
-                </a:solidFill>
-              </a:rPr>
-            </a:br>
-            <a:r>
-              <a:rPr lang="en-GB" sz="4900" dirty="0">
-                <a:solidFill>
-                  <a:schemeClr val="bg1"/>
-                </a:solidFill>
-              </a:rPr>
-              <a:t>And Your mercy </a:t>
-            </a:r>
-            <a:r>
-              <a:rPr lang="en-GB" sz="4900" dirty="0" err="1">
-                <a:solidFill>
-                  <a:schemeClr val="bg1"/>
-                </a:solidFill>
-              </a:rPr>
-              <a:t>endureth</a:t>
-            </a:r>
-            <a:r>
-              <a:rPr lang="en-GB" sz="4900" dirty="0">
-                <a:solidFill>
-                  <a:schemeClr val="bg1"/>
-                </a:solidFill>
-              </a:rPr>
-              <a:t> forever</a:t>
-            </a:r>
-            <a:br>
-              <a:rPr lang="en-GB" sz="4900" dirty="0">
-                <a:solidFill>
-                  <a:schemeClr val="bg1"/>
-                </a:solidFill>
-              </a:rPr>
-            </a:br>
-            <a:r>
-              <a:rPr lang="en-GB" sz="4900" dirty="0">
-                <a:solidFill>
-                  <a:schemeClr val="bg1"/>
-                </a:solidFill>
-              </a:rPr>
-              <a:t>People from every nation and tongue</a:t>
-            </a:r>
-            <a:br>
-              <a:rPr lang="en-GB" sz="4900" dirty="0">
-                <a:solidFill>
-                  <a:schemeClr val="bg1"/>
-                </a:solidFill>
-              </a:rPr>
-            </a:br>
-            <a:r>
-              <a:rPr lang="en-GB" sz="4900" dirty="0">
-                <a:solidFill>
-                  <a:schemeClr val="bg1"/>
-                </a:solidFill>
-              </a:rPr>
-              <a:t>From generation to generation</a:t>
+              <a:rPr lang="en-GB" sz="5000" dirty="0">
+                <a:solidFill>
+                  <a:schemeClr val="bg1"/>
+                </a:solidFill>
+              </a:rPr>
+              <a:t>He's got the wind and the rain in His hands</a:t>
+            </a:r>
+          </a:p>
+          <a:p>
+            <a:r>
+              <a:rPr lang="en-GB" sz="5000" dirty="0">
+                <a:solidFill>
+                  <a:schemeClr val="bg1"/>
+                </a:solidFill>
+              </a:rPr>
+              <a:t>He's got the wind and the rain in His hands</a:t>
+            </a:r>
+          </a:p>
+          <a:p>
+            <a:r>
+              <a:rPr lang="en-GB" sz="5000" dirty="0">
+                <a:solidFill>
+                  <a:schemeClr val="bg1"/>
+                </a:solidFill>
+              </a:rPr>
+              <a:t>He's got the wind and the rain in His hands</a:t>
+            </a:r>
+          </a:p>
+          <a:p>
+            <a:r>
+              <a:rPr lang="en-GB" sz="5000" dirty="0">
+                <a:solidFill>
+                  <a:schemeClr val="bg1"/>
+                </a:solidFill>
+              </a:rPr>
+              <a:t>He's got the whole world in His hands</a:t>
             </a:r>
           </a:p>
         </p:txBody>
@@ -6183,12 +7339,17 @@
                   <a:schemeClr val="bg1"/>
                 </a:solidFill>
               </a:rPr>
-              <a:t>1/3</a:t>
+              <a:t>6/7</a:t>
             </a:r>
           </a:p>
         </p:txBody>
       </p:sp>
     </p:spTree>
+    <p:extLst>
+      <p:ext uri="{BB962C8B-B14F-4D97-AF65-F5344CB8AC3E}">
+        <p14:creationId xmlns:p14="http://schemas.microsoft.com/office/powerpoint/2010/main" val="4162628151"/>
+      </p:ext>
+    </p:extLst>
   </p:cSld>
   <p:clrMapOvr>
     <a:masterClrMapping/>
@@ -6241,113 +7402,37 @@
                   <a:schemeClr val="bg1"/>
                 </a:solidFill>
               </a:rPr>
-              <a:t>We worship You</a:t>
-            </a:r>
-            <a:br>
+              <a:t>He's got the sun and the moon in His hands</a:t>
+            </a:r>
+          </a:p>
+          <a:p>
+            <a:r>
               <a:rPr lang="en-GB" sz="5000" dirty="0">
                 <a:solidFill>
                   <a:schemeClr val="bg1"/>
                 </a:solidFill>
               </a:rPr>
-            </a:br>
+              <a:t>He's got the sun and the moon in His hands</a:t>
+            </a:r>
+          </a:p>
+          <a:p>
             <a:r>
               <a:rPr lang="en-GB" sz="5000" dirty="0">
                 <a:solidFill>
                   <a:schemeClr val="bg1"/>
                 </a:solidFill>
               </a:rPr>
-              <a:t>Hallelujah </a:t>
-            </a:r>
-            <a:r>
-              <a:rPr lang="en-GB" sz="5000" dirty="0" err="1">
-                <a:solidFill>
-                  <a:schemeClr val="bg1"/>
-                </a:solidFill>
-              </a:rPr>
-              <a:t>hallelujah</a:t>
-            </a:r>
-            <a:br>
+              <a:t>He's got the sun and the moon in His hands</a:t>
+            </a:r>
+          </a:p>
+          <a:p>
+            <a:r>
               <a:rPr lang="en-GB" sz="5000" dirty="0">
                 <a:solidFill>
                   <a:schemeClr val="bg1"/>
                 </a:solidFill>
               </a:rPr>
-            </a:br>
-            <a:r>
-              <a:rPr lang="en-GB" sz="5000" dirty="0">
-                <a:solidFill>
-                  <a:schemeClr val="bg1"/>
-                </a:solidFill>
-              </a:rPr>
-              <a:t>We worship You for who You are</a:t>
-            </a:r>
-            <a:br>
-              <a:rPr lang="en-GB" sz="5000" dirty="0">
-                <a:solidFill>
-                  <a:schemeClr val="bg1"/>
-                </a:solidFill>
-              </a:rPr>
-            </a:br>
-            <a:r>
-              <a:rPr lang="en-GB" sz="5000" dirty="0">
-                <a:solidFill>
-                  <a:schemeClr val="bg1"/>
-                </a:solidFill>
-              </a:rPr>
-              <a:t>We worship You</a:t>
-            </a:r>
-            <a:br>
-              <a:rPr lang="en-GB" sz="5000" dirty="0">
-                <a:solidFill>
-                  <a:schemeClr val="bg1"/>
-                </a:solidFill>
-              </a:rPr>
-            </a:br>
-            <a:r>
-              <a:rPr lang="en-GB" sz="5000" dirty="0">
-                <a:solidFill>
-                  <a:schemeClr val="bg1"/>
-                </a:solidFill>
-              </a:rPr>
-              <a:t>Hallelujah </a:t>
-            </a:r>
-            <a:r>
-              <a:rPr lang="en-GB" sz="5000" dirty="0" err="1">
-                <a:solidFill>
-                  <a:schemeClr val="bg1"/>
-                </a:solidFill>
-              </a:rPr>
-              <a:t>hallelujah</a:t>
-            </a:r>
-            <a:br>
-              <a:rPr lang="en-GB" sz="5000" dirty="0">
-                <a:solidFill>
-                  <a:schemeClr val="bg1"/>
-                </a:solidFill>
-              </a:rPr>
-            </a:br>
-            <a:r>
-              <a:rPr lang="en-GB" sz="5000" dirty="0">
-                <a:solidFill>
-                  <a:schemeClr val="bg1"/>
-                </a:solidFill>
-              </a:rPr>
-              <a:t>We worship You for who You are</a:t>
-            </a:r>
-            <a:br>
-              <a:rPr lang="en-GB" sz="5000" dirty="0">
-                <a:solidFill>
-                  <a:schemeClr val="bg1"/>
-                </a:solidFill>
-              </a:rPr>
-            </a:br>
-            <a:r>
-              <a:rPr lang="en-GB" sz="5000" dirty="0">
-                <a:solidFill>
-                  <a:schemeClr val="bg1"/>
-                </a:solidFill>
-              </a:rPr>
-              <a:t>For You are good</a:t>
+              <a:t>He's got the whole world in His hands</a:t>
             </a:r>
           </a:p>
         </p:txBody>
@@ -6380,12 +7465,17 @@
                   <a:schemeClr val="bg1"/>
                 </a:solidFill>
               </a:rPr>
-              <a:t>2/3</a:t>
+              <a:t>7/7</a:t>
             </a:r>
           </a:p>
         </p:txBody>
       </p:sp>
     </p:spTree>
+    <p:extLst>
+      <p:ext uri="{BB962C8B-B14F-4D97-AF65-F5344CB8AC3E}">
+        <p14:creationId xmlns:p14="http://schemas.microsoft.com/office/powerpoint/2010/main" val="4227305826"/>
+      </p:ext>
+    </p:extLst>
   </p:cSld>
   <p:clrMapOvr>
     <a:masterClrMapping/>

--- a/docs/songs_28-11-2021.pptx
+++ b/docs/songs_28-11-2021.pptx
@@ -14,27 +14,30 @@
     <p:sldId id="476" r:id="rId8"/>
     <p:sldId id="477" r:id="rId9"/>
     <p:sldId id="478" r:id="rId10"/>
-    <p:sldId id="471" r:id="rId11"/>
-    <p:sldId id="461" r:id="rId12"/>
-    <p:sldId id="462" r:id="rId13"/>
-    <p:sldId id="463" r:id="rId14"/>
-    <p:sldId id="464" r:id="rId15"/>
-    <p:sldId id="408" r:id="rId16"/>
-    <p:sldId id="409" r:id="rId17"/>
-    <p:sldId id="410" r:id="rId18"/>
-    <p:sldId id="411" r:id="rId19"/>
-    <p:sldId id="460" r:id="rId20"/>
-    <p:sldId id="466" r:id="rId21"/>
-    <p:sldId id="467" r:id="rId22"/>
-    <p:sldId id="468" r:id="rId23"/>
-    <p:sldId id="469" r:id="rId24"/>
-    <p:sldId id="470" r:id="rId25"/>
-    <p:sldId id="465" r:id="rId26"/>
-    <p:sldId id="454" r:id="rId27"/>
-    <p:sldId id="455" r:id="rId28"/>
-    <p:sldId id="456" r:id="rId29"/>
-    <p:sldId id="457" r:id="rId30"/>
-    <p:sldId id="458" r:id="rId31"/>
+    <p:sldId id="408" r:id="rId11"/>
+    <p:sldId id="409" r:id="rId12"/>
+    <p:sldId id="410" r:id="rId13"/>
+    <p:sldId id="411" r:id="rId14"/>
+    <p:sldId id="453" r:id="rId15"/>
+    <p:sldId id="447" r:id="rId16"/>
+    <p:sldId id="448" r:id="rId17"/>
+    <p:sldId id="449" r:id="rId18"/>
+    <p:sldId id="450" r:id="rId19"/>
+    <p:sldId id="451" r:id="rId20"/>
+    <p:sldId id="452" r:id="rId21"/>
+    <p:sldId id="465" r:id="rId22"/>
+    <p:sldId id="454" r:id="rId23"/>
+    <p:sldId id="455" r:id="rId24"/>
+    <p:sldId id="456" r:id="rId25"/>
+    <p:sldId id="457" r:id="rId26"/>
+    <p:sldId id="458" r:id="rId27"/>
+    <p:sldId id="479" r:id="rId28"/>
+    <p:sldId id="460" r:id="rId29"/>
+    <p:sldId id="466" r:id="rId30"/>
+    <p:sldId id="467" r:id="rId31"/>
+    <p:sldId id="468" r:id="rId32"/>
+    <p:sldId id="469" r:id="rId33"/>
+    <p:sldId id="470" r:id="rId34"/>
   </p:sldIdLst>
   <p:sldSz cx="9144000" cy="6858000" type="screen4x3"/>
   <p:notesSz cx="6858000" cy="9144000"/>
@@ -334,7 +337,7 @@
             <a:fld id="{26EA1CF3-4A15-4CBF-9A5A-6A56C368BE71}" type="datetimeFigureOut">
               <a:rPr lang="en-GB" smtClean="0"/>
               <a:pPr/>
-              <a:t>22/11/2021</a:t>
+              <a:t>27/11/2021</a:t>
             </a:fld>
             <a:endParaRPr lang="en-GB"/>
           </a:p>
@@ -501,7 +504,7 @@
             <a:fld id="{26EA1CF3-4A15-4CBF-9A5A-6A56C368BE71}" type="datetimeFigureOut">
               <a:rPr lang="en-GB" smtClean="0"/>
               <a:pPr/>
-              <a:t>22/11/2021</a:t>
+              <a:t>27/11/2021</a:t>
             </a:fld>
             <a:endParaRPr lang="en-GB"/>
           </a:p>
@@ -678,7 +681,7 @@
             <a:fld id="{26EA1CF3-4A15-4CBF-9A5A-6A56C368BE71}" type="datetimeFigureOut">
               <a:rPr lang="en-GB" smtClean="0"/>
               <a:pPr/>
-              <a:t>22/11/2021</a:t>
+              <a:t>27/11/2021</a:t>
             </a:fld>
             <a:endParaRPr lang="en-GB"/>
           </a:p>
@@ -845,7 +848,7 @@
             <a:fld id="{26EA1CF3-4A15-4CBF-9A5A-6A56C368BE71}" type="datetimeFigureOut">
               <a:rPr lang="en-GB" smtClean="0"/>
               <a:pPr/>
-              <a:t>22/11/2021</a:t>
+              <a:t>27/11/2021</a:t>
             </a:fld>
             <a:endParaRPr lang="en-GB"/>
           </a:p>
@@ -1088,7 +1091,7 @@
             <a:fld id="{26EA1CF3-4A15-4CBF-9A5A-6A56C368BE71}" type="datetimeFigureOut">
               <a:rPr lang="en-GB" smtClean="0"/>
               <a:pPr/>
-              <a:t>22/11/2021</a:t>
+              <a:t>27/11/2021</a:t>
             </a:fld>
             <a:endParaRPr lang="en-GB"/>
           </a:p>
@@ -1373,7 +1376,7 @@
             <a:fld id="{26EA1CF3-4A15-4CBF-9A5A-6A56C368BE71}" type="datetimeFigureOut">
               <a:rPr lang="en-GB" smtClean="0"/>
               <a:pPr/>
-              <a:t>22/11/2021</a:t>
+              <a:t>27/11/2021</a:t>
             </a:fld>
             <a:endParaRPr lang="en-GB"/>
           </a:p>
@@ -1792,7 +1795,7 @@
             <a:fld id="{26EA1CF3-4A15-4CBF-9A5A-6A56C368BE71}" type="datetimeFigureOut">
               <a:rPr lang="en-GB" smtClean="0"/>
               <a:pPr/>
-              <a:t>22/11/2021</a:t>
+              <a:t>27/11/2021</a:t>
             </a:fld>
             <a:endParaRPr lang="en-GB"/>
           </a:p>
@@ -1907,7 +1910,7 @@
             <a:fld id="{26EA1CF3-4A15-4CBF-9A5A-6A56C368BE71}" type="datetimeFigureOut">
               <a:rPr lang="en-GB" smtClean="0"/>
               <a:pPr/>
-              <a:t>22/11/2021</a:t>
+              <a:t>27/11/2021</a:t>
             </a:fld>
             <a:endParaRPr lang="en-GB"/>
           </a:p>
@@ -1999,7 +2002,7 @@
             <a:fld id="{26EA1CF3-4A15-4CBF-9A5A-6A56C368BE71}" type="datetimeFigureOut">
               <a:rPr lang="en-GB" smtClean="0"/>
               <a:pPr/>
-              <a:t>22/11/2021</a:t>
+              <a:t>27/11/2021</a:t>
             </a:fld>
             <a:endParaRPr lang="en-GB"/>
           </a:p>
@@ -2273,7 +2276,7 @@
             <a:fld id="{26EA1CF3-4A15-4CBF-9A5A-6A56C368BE71}" type="datetimeFigureOut">
               <a:rPr lang="en-GB" smtClean="0"/>
               <a:pPr/>
-              <a:t>22/11/2021</a:t>
+              <a:t>27/11/2021</a:t>
             </a:fld>
             <a:endParaRPr lang="en-GB"/>
           </a:p>
@@ -2523,7 +2526,7 @@
             <a:fld id="{26EA1CF3-4A15-4CBF-9A5A-6A56C368BE71}" type="datetimeFigureOut">
               <a:rPr lang="en-GB" smtClean="0"/>
               <a:pPr/>
-              <a:t>22/11/2021</a:t>
+              <a:t>27/11/2021</a:t>
             </a:fld>
             <a:endParaRPr lang="en-GB"/>
           </a:p>
@@ -2736,7 +2739,7 @@
             <a:fld id="{26EA1CF3-4A15-4CBF-9A5A-6A56C368BE71}" type="datetimeFigureOut">
               <a:rPr lang="en-GB" smtClean="0"/>
               <a:pPr/>
-              <a:t>22/11/2021</a:t>
+              <a:t>27/11/2021</a:t>
             </a:fld>
             <a:endParaRPr lang="en-GB"/>
           </a:p>
@@ -3227,119 +3230,89 @@
           </a:bodyPr>
           <a:lstStyle/>
           <a:p>
-            <a:endParaRPr lang="en-GB" sz="5400" dirty="0">
-              <a:solidFill>
-                <a:schemeClr val="bg1"/>
-              </a:solidFill>
-            </a:endParaRPr>
-          </a:p>
-          <a:p>
-            <a:r>
-              <a:rPr lang="en-GB" sz="6600" b="0" i="0" dirty="0">
-                <a:solidFill>
-                  <a:srgbClr val="00A3E0"/>
-                </a:solidFill>
-                <a:effectLst/>
-                <a:latin typeface="akagi_probook"/>
-              </a:rPr>
-              <a:t>Shine Jesus Shine</a:t>
-            </a:r>
-          </a:p>
-          <a:p>
-            <a:r>
-              <a:rPr lang="en-GB" sz="1200" dirty="0">
-                <a:solidFill>
-                  <a:schemeClr val="bg1"/>
-                </a:solidFill>
-              </a:rPr>
-              <a:t>CCLI Song # 30426</a:t>
-            </a:r>
-          </a:p>
-          <a:p>
-            <a:endParaRPr lang="en-GB" sz="1200" dirty="0">
-              <a:solidFill>
-                <a:schemeClr val="bg1"/>
-              </a:solidFill>
-            </a:endParaRPr>
-          </a:p>
-          <a:p>
-            <a:r>
-              <a:rPr lang="en-GB" sz="1200" dirty="0">
-                <a:solidFill>
-                  <a:schemeClr val="bg1"/>
-                </a:solidFill>
-              </a:rPr>
-              <a:t>Graham Kendrick</a:t>
-            </a:r>
-          </a:p>
-          <a:p>
-            <a:endParaRPr lang="en-GB" sz="1200" dirty="0">
-              <a:solidFill>
-                <a:schemeClr val="bg1"/>
-              </a:solidFill>
-            </a:endParaRPr>
-          </a:p>
-          <a:p>
-            <a:r>
-              <a:rPr lang="en-GB" sz="1200" dirty="0">
-                <a:solidFill>
-                  <a:schemeClr val="bg1"/>
-                </a:solidFill>
-              </a:rPr>
-              <a:t>© 1987 Make Way Music (Admin. by Make Way Music Limited)</a:t>
-            </a:r>
-          </a:p>
-          <a:p>
-            <a:r>
-              <a:rPr lang="en-GB" sz="1200" dirty="0">
-                <a:solidFill>
-                  <a:schemeClr val="bg1"/>
-                </a:solidFill>
-              </a:rPr>
+            <a:endParaRPr lang="en-GB" sz="9600" dirty="0"/>
+          </a:p>
+          <a:p>
+            <a:r>
+              <a:rPr lang="en-GB" sz="9600" dirty="0">
+                <a:solidFill>
+                  <a:schemeClr val="bg1"/>
+                </a:solidFill>
+              </a:rPr>
+              <a:t>You Are Good</a:t>
+            </a:r>
+          </a:p>
+          <a:p>
+            <a:br>
+              <a:rPr lang="en-GB" sz="9600" dirty="0">
+                <a:solidFill>
+                  <a:schemeClr val="bg1"/>
+                </a:solidFill>
+              </a:rPr>
+            </a:br>
+            <a:r>
+              <a:rPr lang="en-GB" sz="1200" dirty="0"/>
+              <a:t> CCLI Song # 3383788</a:t>
+            </a:r>
+          </a:p>
+          <a:p>
+            <a:r>
+              <a:rPr lang="en-GB" sz="1200" dirty="0"/>
+              <a:t>Israel Houghton</a:t>
+            </a:r>
+          </a:p>
+          <a:p>
+            <a:r>
+              <a:rPr lang="en-GB" sz="1200" dirty="0"/>
+              <a:t>© 2001 Integrity's Praise! Music (Admin. by Integrity Music)</a:t>
+            </a:r>
+          </a:p>
+          <a:p>
+            <a:r>
+              <a:rPr lang="en-GB" sz="1200" dirty="0"/>
+              <a:t>Sound Of The New Breed (Admin. by Integrity Music)</a:t>
+            </a:r>
+          </a:p>
+          <a:p>
+            <a:r>
+              <a:rPr lang="en-GB" sz="1200" i="1" dirty="0"/>
               <a:t>For use solely with the </a:t>
             </a:r>
             <a:r>
-              <a:rPr lang="en-GB" sz="1200" dirty="0" err="1">
-                <a:solidFill>
-                  <a:schemeClr val="bg1"/>
-                </a:solidFill>
-              </a:rPr>
+              <a:rPr lang="en-GB" sz="1200" i="1" dirty="0" err="1"/>
               <a:t>SongSelect</a:t>
             </a:r>
             <a:r>
-              <a:rPr lang="en-GB" sz="1200" dirty="0">
-                <a:solidFill>
-                  <a:schemeClr val="bg1"/>
-                </a:solidFill>
-              </a:rPr>
-              <a:t>® Terms of Use. All rights reserved. www.ccli.com</a:t>
-            </a:r>
-          </a:p>
-          <a:p>
-            <a:endParaRPr lang="en-GB" sz="1200" dirty="0">
-              <a:solidFill>
-                <a:schemeClr val="bg1"/>
-              </a:solidFill>
-            </a:endParaRPr>
-          </a:p>
-          <a:p>
-            <a:r>
-              <a:rPr lang="en-GB" sz="1200" dirty="0">
-                <a:solidFill>
-                  <a:schemeClr val="bg1"/>
-                </a:solidFill>
-              </a:rPr>
+              <a:rPr lang="en-GB" sz="1200" i="1" dirty="0"/>
+              <a:t>® </a:t>
+            </a:r>
+            <a:r>
+              <a:rPr lang="en-GB" sz="1200" i="1" dirty="0">
+                <a:hlinkClick r:id="rId2"/>
+              </a:rPr>
+              <a:t>Terms of Use</a:t>
+            </a:r>
+            <a:r>
+              <a:rPr lang="en-GB" sz="1200" i="1" dirty="0"/>
+              <a:t>. All rights reserved. </a:t>
+            </a:r>
+            <a:r>
+              <a:rPr lang="en-GB" sz="1200" i="1" dirty="0">
+                <a:hlinkClick r:id="rId3"/>
+              </a:rPr>
+              <a:t>www.ccli.com</a:t>
+            </a:r>
+            <a:endParaRPr lang="en-GB" sz="1200" i="1" dirty="0"/>
+          </a:p>
+          <a:p>
+            <a:r>
+              <a:rPr lang="en-GB" sz="1200" dirty="0"/>
               <a:t>CCLI Licence No. 33265</a:t>
             </a:r>
           </a:p>
         </p:txBody>
       </p:sp>
     </p:spTree>
-    <p:extLst>
-      <p:ext uri="{BB962C8B-B14F-4D97-AF65-F5344CB8AC3E}">
-        <p14:creationId xmlns:p14="http://schemas.microsoft.com/office/powerpoint/2010/main" val="3795774754"/>
-      </p:ext>
-    </p:extLst>
   </p:cSld>
   <p:clrMapOvr>
     <a:masterClrMapping/>
@@ -3387,52 +3360,119 @@
           <a:lstStyle/>
           <a:p>
             <a:r>
-              <a:rPr lang="en-GB" sz="4600" dirty="0">
-                <a:solidFill>
-                  <a:schemeClr val="bg1"/>
-                </a:solidFill>
-              </a:rPr>
-              <a:t>Lord the light of Your love is shining</a:t>
-            </a:r>
-          </a:p>
-          <a:p>
-            <a:r>
-              <a:rPr lang="en-GB" sz="4600" dirty="0">
-                <a:solidFill>
-                  <a:schemeClr val="bg1"/>
-                </a:solidFill>
-              </a:rPr>
-              <a:t>In the midst of the darkness shining</a:t>
-            </a:r>
-          </a:p>
-          <a:p>
-            <a:r>
-              <a:rPr lang="en-GB" sz="4600" dirty="0">
-                <a:solidFill>
-                  <a:schemeClr val="bg1"/>
-                </a:solidFill>
-              </a:rPr>
-              <a:t>Jesus Light of the World shine upon us</a:t>
-            </a:r>
-          </a:p>
-          <a:p>
-            <a:r>
-              <a:rPr lang="en-GB" sz="4600" dirty="0">
-                <a:solidFill>
-                  <a:schemeClr val="bg1"/>
-                </a:solidFill>
-              </a:rPr>
-              <a:t>Set us free by the truth You now bring us</a:t>
-            </a:r>
-          </a:p>
-          <a:p>
-            <a:r>
-              <a:rPr lang="en-GB" sz="4600" dirty="0">
-                <a:solidFill>
-                  <a:schemeClr val="bg1"/>
-                </a:solidFill>
-              </a:rPr>
-              <a:t>Shine on me shine on me</a:t>
+              <a:rPr lang="en-GB" sz="4900" dirty="0">
+                <a:solidFill>
+                  <a:schemeClr val="bg1"/>
+                </a:solidFill>
+              </a:rPr>
+              <a:t>Lord You are good</a:t>
+            </a:r>
+            <a:br>
+              <a:rPr lang="en-GB" sz="4900" dirty="0">
+                <a:solidFill>
+                  <a:schemeClr val="bg1"/>
+                </a:solidFill>
+              </a:rPr>
+            </a:br>
+            <a:r>
+              <a:rPr lang="en-GB" sz="4900" dirty="0">
+                <a:solidFill>
+                  <a:schemeClr val="bg1"/>
+                </a:solidFill>
+              </a:rPr>
+              <a:t>And Your mercy </a:t>
+            </a:r>
+            <a:r>
+              <a:rPr lang="en-GB" sz="4900" dirty="0" err="1">
+                <a:solidFill>
+                  <a:schemeClr val="bg1"/>
+                </a:solidFill>
+              </a:rPr>
+              <a:t>endureth</a:t>
+            </a:r>
+            <a:r>
+              <a:rPr lang="en-GB" sz="4900" dirty="0">
+                <a:solidFill>
+                  <a:schemeClr val="bg1"/>
+                </a:solidFill>
+              </a:rPr>
+              <a:t> forever</a:t>
+            </a:r>
+            <a:br>
+              <a:rPr lang="en-GB" sz="4900" dirty="0">
+                <a:solidFill>
+                  <a:schemeClr val="bg1"/>
+                </a:solidFill>
+              </a:rPr>
+            </a:br>
+            <a:r>
+              <a:rPr lang="en-GB" sz="4900" dirty="0">
+                <a:solidFill>
+                  <a:schemeClr val="bg1"/>
+                </a:solidFill>
+              </a:rPr>
+              <a:t>Lord You are good</a:t>
+            </a:r>
+            <a:br>
+              <a:rPr lang="en-GB" sz="4900" dirty="0">
+                <a:solidFill>
+                  <a:schemeClr val="bg1"/>
+                </a:solidFill>
+              </a:rPr>
+            </a:br>
+            <a:r>
+              <a:rPr lang="en-GB" sz="4900" dirty="0">
+                <a:solidFill>
+                  <a:schemeClr val="bg1"/>
+                </a:solidFill>
+              </a:rPr>
+              <a:t>And Your mercy </a:t>
+            </a:r>
+            <a:r>
+              <a:rPr lang="en-GB" sz="4900" dirty="0" err="1">
+                <a:solidFill>
+                  <a:schemeClr val="bg1"/>
+                </a:solidFill>
+              </a:rPr>
+              <a:t>endureth</a:t>
+            </a:r>
+            <a:r>
+              <a:rPr lang="en-GB" sz="4900" dirty="0">
+                <a:solidFill>
+                  <a:schemeClr val="bg1"/>
+                </a:solidFill>
+              </a:rPr>
+              <a:t> forever</a:t>
+            </a:r>
+            <a:br>
+              <a:rPr lang="en-GB" sz="4900" dirty="0">
+                <a:solidFill>
+                  <a:schemeClr val="bg1"/>
+                </a:solidFill>
+              </a:rPr>
+            </a:br>
+            <a:r>
+              <a:rPr lang="en-GB" sz="4900" dirty="0">
+                <a:solidFill>
+                  <a:schemeClr val="bg1"/>
+                </a:solidFill>
+              </a:rPr>
+              <a:t>People from every nation and tongue</a:t>
+            </a:r>
+            <a:br>
+              <a:rPr lang="en-GB" sz="4900" dirty="0">
+                <a:solidFill>
+                  <a:schemeClr val="bg1"/>
+                </a:solidFill>
+              </a:rPr>
+            </a:br>
+            <a:r>
+              <a:rPr lang="en-GB" sz="4900" dirty="0">
+                <a:solidFill>
+                  <a:schemeClr val="bg1"/>
+                </a:solidFill>
+              </a:rPr>
+              <a:t>From generation to generation</a:t>
             </a:r>
           </a:p>
         </p:txBody>
@@ -3465,17 +3505,12 @@
                   <a:schemeClr val="bg1"/>
                 </a:solidFill>
               </a:rPr>
-              <a:t>1/4</a:t>
+              <a:t>1/3</a:t>
             </a:r>
           </a:p>
         </p:txBody>
       </p:sp>
     </p:spTree>
-    <p:extLst>
-      <p:ext uri="{BB962C8B-B14F-4D97-AF65-F5344CB8AC3E}">
-        <p14:creationId xmlns:p14="http://schemas.microsoft.com/office/powerpoint/2010/main" val="4190608817"/>
-      </p:ext>
-    </p:extLst>
   </p:cSld>
   <p:clrMapOvr>
     <a:masterClrMapping/>
@@ -3523,82 +3558,118 @@
           <a:lstStyle/>
           <a:p>
             <a:r>
-              <a:rPr lang="en-GB" sz="4100" dirty="0">
-                <a:solidFill>
-                  <a:schemeClr val="bg1"/>
-                </a:solidFill>
-              </a:rPr>
-              <a:t>Shine Jesus shine</a:t>
-            </a:r>
-          </a:p>
-          <a:p>
-            <a:r>
-              <a:rPr lang="en-GB" sz="4100" dirty="0">
-                <a:solidFill>
-                  <a:schemeClr val="bg1"/>
-                </a:solidFill>
-              </a:rPr>
-              <a:t>Fill this land with the Father's glory</a:t>
-            </a:r>
-          </a:p>
-          <a:p>
-            <a:r>
-              <a:rPr lang="en-GB" sz="4100" dirty="0">
-                <a:solidFill>
-                  <a:schemeClr val="bg1"/>
-                </a:solidFill>
-              </a:rPr>
-              <a:t>Blaze Spirit blaze</a:t>
-            </a:r>
-          </a:p>
-          <a:p>
-            <a:r>
-              <a:rPr lang="en-GB" sz="4100" dirty="0">
-                <a:solidFill>
-                  <a:schemeClr val="bg1"/>
-                </a:solidFill>
-              </a:rPr>
-              <a:t>Set our hearts on fire</a:t>
-            </a:r>
-          </a:p>
-          <a:p>
-            <a:r>
-              <a:rPr lang="en-GB" sz="4100" dirty="0">
-                <a:solidFill>
-                  <a:schemeClr val="bg1"/>
-                </a:solidFill>
-              </a:rPr>
-              <a:t>Flow river flow</a:t>
-            </a:r>
-          </a:p>
-          <a:p>
-            <a:r>
-              <a:rPr lang="en-GB" sz="4100" dirty="0">
-                <a:solidFill>
-                  <a:schemeClr val="bg1"/>
-                </a:solidFill>
-              </a:rPr>
-              <a:t>Flood the nations with grace and mercy</a:t>
-            </a:r>
-          </a:p>
-          <a:p>
-            <a:r>
-              <a:rPr lang="en-GB" sz="4100" dirty="0">
-                <a:solidFill>
-                  <a:schemeClr val="bg1"/>
-                </a:solidFill>
-              </a:rPr>
-              <a:t>Send forth Your word</a:t>
-            </a:r>
-          </a:p>
-          <a:p>
-            <a:r>
-              <a:rPr lang="en-GB" sz="4100" dirty="0">
-                <a:solidFill>
-                  <a:schemeClr val="bg1"/>
-                </a:solidFill>
-              </a:rPr>
-              <a:t>Lord and let there be light</a:t>
+              <a:rPr lang="en-GB" sz="5000" dirty="0">
+                <a:solidFill>
+                  <a:schemeClr val="bg1"/>
+                </a:solidFill>
+              </a:rPr>
+              <a:t>We worship You</a:t>
+            </a:r>
+            <a:br>
+              <a:rPr lang="en-GB" sz="5000" dirty="0">
+                <a:solidFill>
+                  <a:schemeClr val="bg1"/>
+                </a:solidFill>
+              </a:rPr>
+            </a:br>
+            <a:r>
+              <a:rPr lang="en-GB" sz="5000" dirty="0">
+                <a:solidFill>
+                  <a:schemeClr val="bg1"/>
+                </a:solidFill>
+              </a:rPr>
+              <a:t>Hallelujah </a:t>
+            </a:r>
+            <a:r>
+              <a:rPr lang="en-GB" sz="5000" dirty="0" err="1">
+                <a:solidFill>
+                  <a:schemeClr val="bg1"/>
+                </a:solidFill>
+              </a:rPr>
+              <a:t>hallelujah</a:t>
+            </a:r>
+            <a:br>
+              <a:rPr lang="en-GB" sz="5000" dirty="0">
+                <a:solidFill>
+                  <a:schemeClr val="bg1"/>
+                </a:solidFill>
+              </a:rPr>
+            </a:br>
+            <a:r>
+              <a:rPr lang="en-GB" sz="5000" dirty="0">
+                <a:solidFill>
+                  <a:schemeClr val="bg1"/>
+                </a:solidFill>
+              </a:rPr>
+              <a:t>We worship You for who You are</a:t>
+            </a:r>
+            <a:br>
+              <a:rPr lang="en-GB" sz="5000" dirty="0">
+                <a:solidFill>
+                  <a:schemeClr val="bg1"/>
+                </a:solidFill>
+              </a:rPr>
+            </a:br>
+            <a:r>
+              <a:rPr lang="en-GB" sz="5000" dirty="0">
+                <a:solidFill>
+                  <a:schemeClr val="bg1"/>
+                </a:solidFill>
+              </a:rPr>
+              <a:t>We worship You</a:t>
+            </a:r>
+            <a:br>
+              <a:rPr lang="en-GB" sz="5000" dirty="0">
+                <a:solidFill>
+                  <a:schemeClr val="bg1"/>
+                </a:solidFill>
+              </a:rPr>
+            </a:br>
+            <a:r>
+              <a:rPr lang="en-GB" sz="5000" dirty="0">
+                <a:solidFill>
+                  <a:schemeClr val="bg1"/>
+                </a:solidFill>
+              </a:rPr>
+              <a:t>Hallelujah </a:t>
+            </a:r>
+            <a:r>
+              <a:rPr lang="en-GB" sz="5000" dirty="0" err="1">
+                <a:solidFill>
+                  <a:schemeClr val="bg1"/>
+                </a:solidFill>
+              </a:rPr>
+              <a:t>hallelujah</a:t>
+            </a:r>
+            <a:br>
+              <a:rPr lang="en-GB" sz="5000" dirty="0">
+                <a:solidFill>
+                  <a:schemeClr val="bg1"/>
+                </a:solidFill>
+              </a:rPr>
+            </a:br>
+            <a:r>
+              <a:rPr lang="en-GB" sz="5000" dirty="0">
+                <a:solidFill>
+                  <a:schemeClr val="bg1"/>
+                </a:solidFill>
+              </a:rPr>
+              <a:t>We worship You for who You are</a:t>
+            </a:r>
+            <a:br>
+              <a:rPr lang="en-GB" sz="5000" dirty="0">
+                <a:solidFill>
+                  <a:schemeClr val="bg1"/>
+                </a:solidFill>
+              </a:rPr>
+            </a:br>
+            <a:r>
+              <a:rPr lang="en-GB" sz="5000" dirty="0">
+                <a:solidFill>
+                  <a:schemeClr val="bg1"/>
+                </a:solidFill>
+              </a:rPr>
+              <a:t>For You are good</a:t>
             </a:r>
           </a:p>
         </p:txBody>
@@ -3631,17 +3702,12 @@
                   <a:schemeClr val="bg1"/>
                 </a:solidFill>
               </a:rPr>
-              <a:t>2/4</a:t>
+              <a:t>2/3</a:t>
             </a:r>
           </a:p>
         </p:txBody>
       </p:sp>
     </p:spTree>
-    <p:extLst>
-      <p:ext uri="{BB962C8B-B14F-4D97-AF65-F5344CB8AC3E}">
-        <p14:creationId xmlns:p14="http://schemas.microsoft.com/office/powerpoint/2010/main" val="3099292676"/>
-      </p:ext>
-    </p:extLst>
   </p:cSld>
   <p:clrMapOvr>
     <a:masterClrMapping/>
@@ -3688,53 +3754,64 @@
           </a:bodyPr>
           <a:lstStyle/>
           <a:p>
-            <a:r>
-              <a:rPr lang="en-GB" sz="4400" dirty="0">
-                <a:solidFill>
-                  <a:schemeClr val="bg1"/>
-                </a:solidFill>
-              </a:rPr>
-              <a:t>Lord I come to Your awesome presence</a:t>
-            </a:r>
-          </a:p>
-          <a:p>
-            <a:r>
-              <a:rPr lang="en-GB" sz="4400" dirty="0">
-                <a:solidFill>
-                  <a:schemeClr val="bg1"/>
-                </a:solidFill>
-              </a:rPr>
-              <a:t>From the shadows into Your radiance</a:t>
-            </a:r>
-          </a:p>
-          <a:p>
-            <a:r>
-              <a:rPr lang="en-GB" sz="4400" dirty="0">
-                <a:solidFill>
-                  <a:schemeClr val="bg1"/>
-                </a:solidFill>
-              </a:rPr>
-              <a:t>By the blood I may enter Your brightness</a:t>
-            </a:r>
-          </a:p>
-          <a:p>
-            <a:r>
-              <a:rPr lang="en-GB" sz="4400" dirty="0">
-                <a:solidFill>
-                  <a:schemeClr val="bg1"/>
-                </a:solidFill>
-              </a:rPr>
-              <a:t>Search me try me consume all my darkness</a:t>
-            </a:r>
-          </a:p>
-          <a:p>
-            <a:r>
-              <a:rPr lang="en-GB" sz="4400" dirty="0">
-                <a:solidFill>
-                  <a:schemeClr val="bg1"/>
-                </a:solidFill>
-              </a:rPr>
-              <a:t>Shine on me shine on me</a:t>
+            <a:endParaRPr lang="en-GB" sz="4800" dirty="0"/>
+          </a:p>
+          <a:p>
+            <a:endParaRPr lang="en-GB" sz="4800" dirty="0"/>
+          </a:p>
+          <a:p>
+            <a:r>
+              <a:rPr lang="en-GB" sz="4800" dirty="0">
+                <a:solidFill>
+                  <a:schemeClr val="bg1"/>
+                </a:solidFill>
+              </a:rPr>
+              <a:t>You are good all the time</a:t>
+            </a:r>
+            <a:br>
+              <a:rPr lang="en-GB" sz="4800" dirty="0">
+                <a:solidFill>
+                  <a:schemeClr val="bg1"/>
+                </a:solidFill>
+              </a:rPr>
+            </a:br>
+            <a:r>
+              <a:rPr lang="en-GB" sz="4800" dirty="0">
+                <a:solidFill>
+                  <a:schemeClr val="bg1"/>
+                </a:solidFill>
+              </a:rPr>
+              <a:t>All the time You are good</a:t>
+            </a:r>
+            <a:br>
+              <a:rPr lang="en-GB" sz="4800" dirty="0">
+                <a:solidFill>
+                  <a:schemeClr val="bg1"/>
+                </a:solidFill>
+              </a:rPr>
+            </a:br>
+            <a:r>
+              <a:rPr lang="en-GB" sz="4800" dirty="0">
+                <a:solidFill>
+                  <a:schemeClr val="bg1"/>
+                </a:solidFill>
+              </a:rPr>
+              <a:t>You are good all the time</a:t>
+            </a:r>
+            <a:br>
+              <a:rPr lang="en-GB" sz="4800" dirty="0">
+                <a:solidFill>
+                  <a:schemeClr val="bg1"/>
+                </a:solidFill>
+              </a:rPr>
+            </a:br>
+            <a:r>
+              <a:rPr lang="en-GB" sz="4800" dirty="0">
+                <a:solidFill>
+                  <a:schemeClr val="bg1"/>
+                </a:solidFill>
+              </a:rPr>
+              <a:t>All the time You are good</a:t>
             </a:r>
           </a:p>
         </p:txBody>
@@ -3767,17 +3844,12 @@
                   <a:schemeClr val="bg1"/>
                 </a:solidFill>
               </a:rPr>
-              <a:t>3/4</a:t>
+              <a:t>3/3</a:t>
             </a:r>
           </a:p>
         </p:txBody>
       </p:sp>
     </p:spTree>
-    <p:extLst>
-      <p:ext uri="{BB962C8B-B14F-4D97-AF65-F5344CB8AC3E}">
-        <p14:creationId xmlns:p14="http://schemas.microsoft.com/office/powerpoint/2010/main" val="1622999890"/>
-      </p:ext>
-    </p:extLst>
   </p:cSld>
   <p:clrMapOvr>
     <a:masterClrMapping/>
@@ -3824,94 +3896,212 @@
           </a:bodyPr>
           <a:lstStyle/>
           <a:p>
-            <a:r>
-              <a:rPr lang="en-GB" sz="4400" dirty="0">
-                <a:solidFill>
-                  <a:schemeClr val="bg1"/>
-                </a:solidFill>
-              </a:rPr>
-              <a:t>As we gaze on Your kingly brightness</a:t>
-            </a:r>
-          </a:p>
-          <a:p>
-            <a:r>
-              <a:rPr lang="en-GB" sz="4400" dirty="0">
-                <a:solidFill>
-                  <a:schemeClr val="bg1"/>
-                </a:solidFill>
-              </a:rPr>
-              <a:t>So our faces display Your likeness</a:t>
-            </a:r>
-          </a:p>
-          <a:p>
-            <a:r>
-              <a:rPr lang="en-GB" sz="4400" dirty="0">
-                <a:solidFill>
-                  <a:schemeClr val="bg1"/>
-                </a:solidFill>
-              </a:rPr>
-              <a:t>Ever changing from glory to glory</a:t>
-            </a:r>
-          </a:p>
-          <a:p>
-            <a:r>
-              <a:rPr lang="en-GB" sz="4400" dirty="0">
-                <a:solidFill>
-                  <a:schemeClr val="bg1"/>
-                </a:solidFill>
-              </a:rPr>
-              <a:t>Mirrored here may our lives tell Your story</a:t>
-            </a:r>
-          </a:p>
-          <a:p>
-            <a:r>
-              <a:rPr lang="en-GB" sz="4400" dirty="0">
-                <a:solidFill>
-                  <a:schemeClr val="bg1"/>
-                </a:solidFill>
-              </a:rPr>
-              <a:t>Shine on me shine on me</a:t>
-            </a:r>
-          </a:p>
-        </p:txBody>
-      </p:sp>
-      <p:sp>
-        <p:nvSpPr>
-          <p:cNvPr id="4" name="TextBox 3"/>
-          <p:cNvSpPr txBox="1"/>
-          <p:nvPr/>
-        </p:nvSpPr>
-        <p:spPr>
-          <a:xfrm>
-            <a:off x="8529729" y="0"/>
-            <a:ext cx="628698" cy="461665"/>
-          </a:xfrm>
-          <a:prstGeom prst="rect">
-            <a:avLst/>
-          </a:prstGeom>
-          <a:noFill/>
-        </p:spPr>
-        <p:txBody>
-          <a:bodyPr wrap="none" rtlCol="0">
-            <a:spAutoFit/>
-          </a:bodyPr>
-          <a:lstStyle/>
-          <a:p>
-            <a:r>
-              <a:rPr lang="en-GB" sz="2400" b="1" dirty="0">
-                <a:solidFill>
-                  <a:schemeClr val="bg1"/>
-                </a:solidFill>
-              </a:rPr>
-              <a:t>4/4</a:t>
-            </a:r>
+            <a:endParaRPr lang="en-GB" sz="5400" dirty="0">
+              <a:solidFill>
+                <a:schemeClr val="bg1"/>
+              </a:solidFill>
+            </a:endParaRPr>
+          </a:p>
+          <a:p>
+            <a:r>
+              <a:rPr lang="en-GB" sz="6600" b="0" i="0" dirty="0">
+                <a:solidFill>
+                  <a:srgbClr val="00A3E0"/>
+                </a:solidFill>
+                <a:effectLst/>
+                <a:latin typeface="akagi_probook"/>
+              </a:rPr>
+              <a:t>Hosanna </a:t>
+            </a:r>
+            <a:br>
+              <a:rPr lang="en-GB" sz="6600" b="0" i="0" dirty="0">
+                <a:solidFill>
+                  <a:srgbClr val="00A3E0"/>
+                </a:solidFill>
+                <a:effectLst/>
+                <a:latin typeface="akagi_probook"/>
+              </a:rPr>
+            </a:br>
+            <a:r>
+              <a:rPr lang="en-GB" sz="6600" b="0" i="0" dirty="0">
+                <a:solidFill>
+                  <a:srgbClr val="00A3E0"/>
+                </a:solidFill>
+                <a:effectLst/>
+                <a:latin typeface="akagi_probook"/>
+              </a:rPr>
+              <a:t>(Praise Is Rising)</a:t>
+            </a:r>
+          </a:p>
+          <a:p>
+            <a:r>
+              <a:rPr lang="en-GB" sz="900" b="0" i="0" dirty="0">
+                <a:solidFill>
+                  <a:srgbClr val="717171"/>
+                </a:solidFill>
+                <a:effectLst/>
+                <a:latin typeface="akagi_probook"/>
+              </a:rPr>
+              <a:t>CCLI Song # 4662491</a:t>
+            </a:r>
+          </a:p>
+          <a:p>
+            <a:r>
+              <a:rPr lang="en-GB" sz="900" b="0" i="0" dirty="0">
+                <a:solidFill>
+                  <a:srgbClr val="717171"/>
+                </a:solidFill>
+                <a:effectLst/>
+                <a:latin typeface="akagi_probook"/>
+              </a:rPr>
+              <a:t>Brenton Brown | Paul </a:t>
+            </a:r>
+            <a:r>
+              <a:rPr lang="en-GB" sz="900" b="0" i="0" dirty="0" err="1">
+                <a:solidFill>
+                  <a:srgbClr val="717171"/>
+                </a:solidFill>
+                <a:effectLst/>
+                <a:latin typeface="akagi_probook"/>
+              </a:rPr>
+              <a:t>Baloche</a:t>
+            </a:r>
+            <a:endParaRPr lang="en-GB" sz="900" b="0" i="0" dirty="0">
+              <a:solidFill>
+                <a:srgbClr val="717171"/>
+              </a:solidFill>
+              <a:effectLst/>
+              <a:latin typeface="akagi_probook"/>
+            </a:endParaRPr>
+          </a:p>
+          <a:p>
+            <a:pPr>
+              <a:buFont typeface="Arial" panose="020B0604020202020204" pitchFamily="34" charset="0"/>
+              <a:buChar char="•"/>
+            </a:pPr>
+            <a:r>
+              <a:rPr lang="en-GB" sz="900" b="0" i="0" dirty="0">
+                <a:solidFill>
+                  <a:srgbClr val="717171"/>
+                </a:solidFill>
+                <a:effectLst/>
+                <a:latin typeface="akagi_probook"/>
+              </a:rPr>
+              <a:t>© 2005, 2006 Integrity's Hosanna! Music (Admin. by Integrity Music Ltd)</a:t>
+            </a:r>
+          </a:p>
+          <a:p>
+            <a:pPr>
+              <a:buFont typeface="Arial" panose="020B0604020202020204" pitchFamily="34" charset="0"/>
+              <a:buChar char="•"/>
+            </a:pPr>
+            <a:r>
+              <a:rPr lang="en-GB" sz="900" b="0" i="0" dirty="0">
+                <a:solidFill>
+                  <a:srgbClr val="717171"/>
+                </a:solidFill>
+                <a:effectLst/>
+                <a:latin typeface="akagi_probook"/>
+              </a:rPr>
+              <a:t>Thankyou Music (Admin. by Integrity Music Ltd)</a:t>
+            </a:r>
+          </a:p>
+          <a:p>
+            <a:r>
+              <a:rPr lang="en-GB" sz="900" b="0" i="1" dirty="0">
+                <a:solidFill>
+                  <a:srgbClr val="717171"/>
+                </a:solidFill>
+                <a:effectLst/>
+                <a:latin typeface="akagi_probook"/>
+              </a:rPr>
+              <a:t>For use solely with the </a:t>
+            </a:r>
+            <a:r>
+              <a:rPr lang="en-GB" sz="900" b="0" i="1" dirty="0" err="1">
+                <a:solidFill>
+                  <a:srgbClr val="717171"/>
+                </a:solidFill>
+                <a:effectLst/>
+                <a:latin typeface="akagi_probook"/>
+              </a:rPr>
+              <a:t>SongSelect</a:t>
+            </a:r>
+            <a:r>
+              <a:rPr lang="en-GB" sz="900" b="0" i="1" dirty="0">
+                <a:solidFill>
+                  <a:srgbClr val="717171"/>
+                </a:solidFill>
+                <a:effectLst/>
+                <a:latin typeface="akagi_probook"/>
+              </a:rPr>
+              <a:t>® </a:t>
+            </a:r>
+            <a:r>
+              <a:rPr lang="en-GB" sz="900" b="0" i="1" u="none" strike="noStrike" dirty="0">
+                <a:solidFill>
+                  <a:srgbClr val="00A3E0"/>
+                </a:solidFill>
+                <a:effectLst/>
+                <a:latin typeface="akagi_probook"/>
+                <a:hlinkClick r:id="rId2"/>
+              </a:rPr>
+              <a:t>Terms of Use</a:t>
+            </a:r>
+            <a:r>
+              <a:rPr lang="en-GB" sz="900" b="0" i="1" dirty="0">
+                <a:solidFill>
+                  <a:srgbClr val="717171"/>
+                </a:solidFill>
+                <a:effectLst/>
+                <a:latin typeface="akagi_probook"/>
+              </a:rPr>
+              <a:t>. All rights reserved. </a:t>
+            </a:r>
+            <a:r>
+              <a:rPr lang="en-GB" sz="900" b="0" i="1" u="none" strike="noStrike" dirty="0">
+                <a:solidFill>
+                  <a:srgbClr val="00A3E0"/>
+                </a:solidFill>
+                <a:effectLst/>
+                <a:latin typeface="akagi_probook"/>
+                <a:hlinkClick r:id="rId3"/>
+              </a:rPr>
+              <a:t>www.ccli.com</a:t>
+            </a:r>
+            <a:endParaRPr lang="en-GB" sz="900" b="0" i="1" dirty="0">
+              <a:solidFill>
+                <a:srgbClr val="717171"/>
+              </a:solidFill>
+              <a:effectLst/>
+              <a:latin typeface="akagi_probook"/>
+            </a:endParaRPr>
+          </a:p>
+          <a:p>
+            <a:r>
+              <a:rPr lang="en-GB" sz="900" b="0" i="0" dirty="0">
+                <a:solidFill>
+                  <a:srgbClr val="717171"/>
+                </a:solidFill>
+                <a:effectLst/>
+                <a:latin typeface="akagi_probook"/>
+              </a:rPr>
+              <a:t>CCLI Licence No. 33265</a:t>
+            </a:r>
+          </a:p>
+          <a:p>
+            <a:endParaRPr lang="en-GB" sz="1200" dirty="0">
+              <a:solidFill>
+                <a:schemeClr val="bg1"/>
+              </a:solidFill>
+            </a:endParaRPr>
           </a:p>
         </p:txBody>
       </p:sp>
     </p:spTree>
     <p:extLst>
       <p:ext uri="{BB962C8B-B14F-4D97-AF65-F5344CB8AC3E}">
-        <p14:creationId xmlns:p14="http://schemas.microsoft.com/office/powerpoint/2010/main" val="3419756315"/>
+        <p14:creationId xmlns:p14="http://schemas.microsoft.com/office/powerpoint/2010/main" val="3107317129"/>
       </p:ext>
     </p:extLst>
   </p:cSld>
@@ -3960,89 +4150,111 @@
           </a:bodyPr>
           <a:lstStyle/>
           <a:p>
-            <a:endParaRPr lang="en-GB" sz="9600" dirty="0"/>
-          </a:p>
-          <a:p>
-            <a:r>
-              <a:rPr lang="en-GB" sz="9600" dirty="0">
-                <a:solidFill>
-                  <a:schemeClr val="bg1"/>
-                </a:solidFill>
-              </a:rPr>
-              <a:t>You Are Good</a:t>
-            </a:r>
-          </a:p>
-          <a:p>
-            <a:br>
-              <a:rPr lang="en-GB" sz="9600" dirty="0">
-                <a:solidFill>
-                  <a:schemeClr val="bg1"/>
-                </a:solidFill>
-              </a:rPr>
-            </a:br>
-            <a:r>
-              <a:rPr lang="en-GB" sz="1200" dirty="0"/>
-              <a:t> CCLI Song # 3383788</a:t>
-            </a:r>
-          </a:p>
-          <a:p>
-            <a:r>
-              <a:rPr lang="en-GB" sz="1200" dirty="0"/>
-              <a:t>Israel Houghton</a:t>
-            </a:r>
-          </a:p>
-          <a:p>
-            <a:r>
-              <a:rPr lang="en-GB" sz="1200" dirty="0"/>
-              <a:t>© 2001 Integrity's Praise! Music (Admin. by Integrity Music)</a:t>
-            </a:r>
-          </a:p>
-          <a:p>
-            <a:r>
-              <a:rPr lang="en-GB" sz="1200" dirty="0"/>
-              <a:t>Sound Of The New Breed (Admin. by Integrity Music)</a:t>
-            </a:r>
-          </a:p>
-          <a:p>
-            <a:r>
-              <a:rPr lang="en-GB" sz="1200" i="1" dirty="0"/>
-              <a:t>For use solely with the </a:t>
-            </a:r>
-            <a:r>
-              <a:rPr lang="en-GB" sz="1200" i="1" dirty="0" err="1"/>
-              <a:t>SongSelect</a:t>
-            </a:r>
-            <a:r>
-              <a:rPr lang="en-GB" sz="1200" i="1" dirty="0"/>
-              <a:t>® </a:t>
-            </a:r>
-            <a:r>
-              <a:rPr lang="en-GB" sz="1200" i="1" dirty="0">
-                <a:hlinkClick r:id="rId2"/>
-              </a:rPr>
-              <a:t>Terms of Use</a:t>
-            </a:r>
-            <a:r>
-              <a:rPr lang="en-GB" sz="1200" i="1" dirty="0"/>
-              <a:t>. All rights reserved. </a:t>
-            </a:r>
-            <a:r>
-              <a:rPr lang="en-GB" sz="1200" i="1" dirty="0">
-                <a:hlinkClick r:id="rId3"/>
-              </a:rPr>
-              <a:t>www.ccli.com</a:t>
-            </a:r>
-            <a:endParaRPr lang="en-GB" sz="1200" i="1" dirty="0"/>
-          </a:p>
-          <a:p>
-            <a:r>
-              <a:rPr lang="en-GB" sz="1200" dirty="0"/>
-              <a:t>CCLI Licence No. 33265</a:t>
+            <a:r>
+              <a:rPr lang="en-GB" sz="5400" dirty="0">
+                <a:solidFill>
+                  <a:schemeClr val="bg1"/>
+                </a:solidFill>
+              </a:rPr>
+              <a:t>Praise is rising</a:t>
+            </a:r>
+          </a:p>
+          <a:p>
+            <a:r>
+              <a:rPr lang="en-GB" sz="5400" dirty="0">
+                <a:solidFill>
+                  <a:schemeClr val="bg1"/>
+                </a:solidFill>
+              </a:rPr>
+              <a:t>Eyes are turning to You</a:t>
+            </a:r>
+          </a:p>
+          <a:p>
+            <a:r>
+              <a:rPr lang="en-GB" sz="5400" dirty="0">
+                <a:solidFill>
+                  <a:schemeClr val="bg1"/>
+                </a:solidFill>
+              </a:rPr>
+              <a:t>We turn to You</a:t>
+            </a:r>
+          </a:p>
+          <a:p>
+            <a:r>
+              <a:rPr lang="en-GB" sz="5400" dirty="0">
+                <a:solidFill>
+                  <a:schemeClr val="bg1"/>
+                </a:solidFill>
+              </a:rPr>
+              <a:t>Hope is stirring</a:t>
+            </a:r>
+          </a:p>
+          <a:p>
+            <a:r>
+              <a:rPr lang="en-GB" sz="5400" dirty="0">
+                <a:solidFill>
+                  <a:schemeClr val="bg1"/>
+                </a:solidFill>
+              </a:rPr>
+              <a:t>Hearts are yearning for You</a:t>
+            </a:r>
+          </a:p>
+          <a:p>
+            <a:r>
+              <a:rPr lang="en-GB" sz="5400" dirty="0">
+                <a:solidFill>
+                  <a:schemeClr val="bg1"/>
+                </a:solidFill>
+              </a:rPr>
+              <a:t>We long for You</a:t>
+            </a:r>
+            <a:endParaRPr lang="en-GB" sz="5000" dirty="0">
+              <a:solidFill>
+                <a:schemeClr val="bg1"/>
+              </a:solidFill>
+            </a:endParaRPr>
+          </a:p>
+        </p:txBody>
+      </p:sp>
+      <p:sp>
+        <p:nvSpPr>
+          <p:cNvPr id="4" name="TextBox 3"/>
+          <p:cNvSpPr txBox="1"/>
+          <p:nvPr/>
+        </p:nvSpPr>
+        <p:spPr>
+          <a:xfrm>
+            <a:off x="8529729" y="0"/>
+            <a:ext cx="628698" cy="461665"/>
+          </a:xfrm>
+          <a:prstGeom prst="rect">
+            <a:avLst/>
+          </a:prstGeom>
+          <a:noFill/>
+        </p:spPr>
+        <p:txBody>
+          <a:bodyPr wrap="none" rtlCol="0">
+            <a:spAutoFit/>
+          </a:bodyPr>
+          <a:lstStyle/>
+          <a:p>
+            <a:r>
+              <a:rPr lang="en-GB" sz="2400" b="1" dirty="0">
+                <a:solidFill>
+                  <a:schemeClr val="bg1"/>
+                </a:solidFill>
+              </a:rPr>
+              <a:t>1/6</a:t>
             </a:r>
           </a:p>
         </p:txBody>
       </p:sp>
     </p:spTree>
+    <p:extLst>
+      <p:ext uri="{BB962C8B-B14F-4D97-AF65-F5344CB8AC3E}">
+        <p14:creationId xmlns:p14="http://schemas.microsoft.com/office/powerpoint/2010/main" val="2203528704"/>
+      </p:ext>
+    </p:extLst>
   </p:cSld>
   <p:clrMapOvr>
     <a:masterClrMapping/>
@@ -4090,120 +4302,66 @@
           <a:lstStyle/>
           <a:p>
             <a:r>
-              <a:rPr lang="en-GB" sz="4900" dirty="0">
-                <a:solidFill>
-                  <a:schemeClr val="bg1"/>
-                </a:solidFill>
-              </a:rPr>
-              <a:t>Lord You are good</a:t>
-            </a:r>
-            <a:br>
-              <a:rPr lang="en-GB" sz="4900" dirty="0">
-                <a:solidFill>
-                  <a:schemeClr val="bg1"/>
-                </a:solidFill>
-              </a:rPr>
-            </a:br>
-            <a:r>
-              <a:rPr lang="en-GB" sz="4900" dirty="0">
-                <a:solidFill>
-                  <a:schemeClr val="bg1"/>
-                </a:solidFill>
-              </a:rPr>
-              <a:t>And Your mercy </a:t>
-            </a:r>
-            <a:r>
-              <a:rPr lang="en-GB" sz="4900" dirty="0" err="1">
-                <a:solidFill>
-                  <a:schemeClr val="bg1"/>
-                </a:solidFill>
-              </a:rPr>
-              <a:t>endureth</a:t>
-            </a:r>
-            <a:r>
-              <a:rPr lang="en-GB" sz="4900" dirty="0">
-                <a:solidFill>
-                  <a:schemeClr val="bg1"/>
-                </a:solidFill>
-              </a:rPr>
-              <a:t> forever</a:t>
-            </a:r>
-            <a:br>
-              <a:rPr lang="en-GB" sz="4900" dirty="0">
-                <a:solidFill>
-                  <a:schemeClr val="bg1"/>
-                </a:solidFill>
-              </a:rPr>
-            </a:br>
-            <a:r>
-              <a:rPr lang="en-GB" sz="4900" dirty="0">
-                <a:solidFill>
-                  <a:schemeClr val="bg1"/>
-                </a:solidFill>
-              </a:rPr>
-              <a:t>Lord You are good</a:t>
-            </a:r>
-            <a:br>
-              <a:rPr lang="en-GB" sz="4900" dirty="0">
-                <a:solidFill>
-                  <a:schemeClr val="bg1"/>
-                </a:solidFill>
-              </a:rPr>
-            </a:br>
-            <a:r>
-              <a:rPr lang="en-GB" sz="4900" dirty="0">
-                <a:solidFill>
-                  <a:schemeClr val="bg1"/>
-                </a:solidFill>
-              </a:rPr>
-              <a:t>And Your mercy </a:t>
-            </a:r>
-            <a:r>
-              <a:rPr lang="en-GB" sz="4900" dirty="0" err="1">
-                <a:solidFill>
-                  <a:schemeClr val="bg1"/>
-                </a:solidFill>
-              </a:rPr>
-              <a:t>endureth</a:t>
-            </a:r>
-            <a:r>
-              <a:rPr lang="en-GB" sz="4900" dirty="0">
-                <a:solidFill>
-                  <a:schemeClr val="bg1"/>
-                </a:solidFill>
-              </a:rPr>
-              <a:t> forever</a:t>
-            </a:r>
-            <a:br>
-              <a:rPr lang="en-GB" sz="4900" dirty="0">
-                <a:solidFill>
-                  <a:schemeClr val="bg1"/>
-                </a:solidFill>
-              </a:rPr>
-            </a:br>
-            <a:r>
-              <a:rPr lang="en-GB" sz="4900" dirty="0">
-                <a:solidFill>
-                  <a:schemeClr val="bg1"/>
-                </a:solidFill>
-              </a:rPr>
-              <a:t>People from every nation and tongue</a:t>
-            </a:r>
-            <a:br>
-              <a:rPr lang="en-GB" sz="4900" dirty="0">
-                <a:solidFill>
-                  <a:schemeClr val="bg1"/>
-                </a:solidFill>
-              </a:rPr>
-            </a:br>
-            <a:r>
-              <a:rPr lang="en-GB" sz="4900" dirty="0">
-                <a:solidFill>
-                  <a:schemeClr val="bg1"/>
-                </a:solidFill>
-              </a:rPr>
-              <a:t>From generation to generation</a:t>
-            </a:r>
+              <a:rPr lang="en-GB" sz="5400" dirty="0" err="1">
+                <a:solidFill>
+                  <a:schemeClr val="bg1"/>
+                </a:solidFill>
+              </a:rPr>
+              <a:t>‘Cause</a:t>
+            </a:r>
+            <a:r>
+              <a:rPr lang="en-GB" sz="5400" dirty="0">
+                <a:solidFill>
+                  <a:schemeClr val="bg1"/>
+                </a:solidFill>
+              </a:rPr>
+              <a:t> when we see You</a:t>
+            </a:r>
+          </a:p>
+          <a:p>
+            <a:r>
+              <a:rPr lang="en-GB" sz="5400" dirty="0">
+                <a:solidFill>
+                  <a:schemeClr val="bg1"/>
+                </a:solidFill>
+              </a:rPr>
+              <a:t>We find strength to face the day</a:t>
+            </a:r>
+          </a:p>
+          <a:p>
+            <a:r>
+              <a:rPr lang="en-GB" sz="5400" dirty="0">
+                <a:solidFill>
+                  <a:schemeClr val="bg1"/>
+                </a:solidFill>
+              </a:rPr>
+              <a:t>In Your presence</a:t>
+            </a:r>
+          </a:p>
+          <a:p>
+            <a:r>
+              <a:rPr lang="en-GB" sz="5400" dirty="0">
+                <a:solidFill>
+                  <a:schemeClr val="bg1"/>
+                </a:solidFill>
+              </a:rPr>
+              <a:t>All our fears are washed away</a:t>
+            </a:r>
+          </a:p>
+          <a:p>
+            <a:r>
+              <a:rPr lang="en-GB" sz="5400" dirty="0">
+                <a:solidFill>
+                  <a:schemeClr val="bg1"/>
+                </a:solidFill>
+              </a:rPr>
+              <a:t>(Washed away)</a:t>
+            </a:r>
+            <a:endParaRPr lang="en-GB" sz="5000" dirty="0">
+              <a:solidFill>
+                <a:schemeClr val="bg1"/>
+              </a:solidFill>
+            </a:endParaRPr>
           </a:p>
         </p:txBody>
       </p:sp>
@@ -4235,12 +4393,17 @@
                   <a:schemeClr val="bg1"/>
                 </a:solidFill>
               </a:rPr>
-              <a:t>1/3</a:t>
+              <a:t>2/6</a:t>
             </a:r>
           </a:p>
         </p:txBody>
       </p:sp>
     </p:spTree>
+    <p:extLst>
+      <p:ext uri="{BB962C8B-B14F-4D97-AF65-F5344CB8AC3E}">
+        <p14:creationId xmlns:p14="http://schemas.microsoft.com/office/powerpoint/2010/main" val="288803818"/>
+      </p:ext>
+    </p:extLst>
   </p:cSld>
   <p:clrMapOvr>
     <a:masterClrMapping/>
@@ -4277,8 +4440,8 @@
         </p:nvSpPr>
         <p:spPr>
           <a:xfrm>
-            <a:off x="323528" y="188640"/>
-            <a:ext cx="8640960" cy="6480720"/>
+            <a:off x="107504" y="188640"/>
+            <a:ext cx="8856984" cy="6480720"/>
           </a:xfrm>
         </p:spPr>
         <p:txBody>
@@ -4288,119 +4451,94 @@
           <a:lstStyle/>
           <a:p>
             <a:r>
-              <a:rPr lang="en-GB" sz="5000" dirty="0">
-                <a:solidFill>
-                  <a:schemeClr val="bg1"/>
-                </a:solidFill>
-              </a:rPr>
-              <a:t>We worship You</a:t>
-            </a:r>
-            <a:br>
-              <a:rPr lang="en-GB" sz="5000" dirty="0">
-                <a:solidFill>
-                  <a:schemeClr val="bg1"/>
-                </a:solidFill>
-              </a:rPr>
-            </a:br>
-            <a:r>
-              <a:rPr lang="en-GB" sz="5000" dirty="0">
-                <a:solidFill>
-                  <a:schemeClr val="bg1"/>
-                </a:solidFill>
-              </a:rPr>
-              <a:t>Hallelujah </a:t>
-            </a:r>
-            <a:r>
-              <a:rPr lang="en-GB" sz="5000" dirty="0" err="1">
-                <a:solidFill>
-                  <a:schemeClr val="bg1"/>
-                </a:solidFill>
-              </a:rPr>
-              <a:t>hallelujah</a:t>
-            </a:r>
-            <a:br>
-              <a:rPr lang="en-GB" sz="5000" dirty="0">
-                <a:solidFill>
-                  <a:schemeClr val="bg1"/>
-                </a:solidFill>
-              </a:rPr>
-            </a:br>
-            <a:r>
-              <a:rPr lang="en-GB" sz="5000" dirty="0">
-                <a:solidFill>
-                  <a:schemeClr val="bg1"/>
-                </a:solidFill>
-              </a:rPr>
-              <a:t>We worship You for who You are</a:t>
-            </a:r>
-            <a:br>
-              <a:rPr lang="en-GB" sz="5000" dirty="0">
-                <a:solidFill>
-                  <a:schemeClr val="bg1"/>
-                </a:solidFill>
-              </a:rPr>
-            </a:br>
-            <a:r>
-              <a:rPr lang="en-GB" sz="5000" dirty="0">
-                <a:solidFill>
-                  <a:schemeClr val="bg1"/>
-                </a:solidFill>
-              </a:rPr>
-              <a:t>We worship You</a:t>
-            </a:r>
-            <a:br>
-              <a:rPr lang="en-GB" sz="5000" dirty="0">
-                <a:solidFill>
-                  <a:schemeClr val="bg1"/>
-                </a:solidFill>
-              </a:rPr>
-            </a:br>
-            <a:r>
-              <a:rPr lang="en-GB" sz="5000" dirty="0">
-                <a:solidFill>
-                  <a:schemeClr val="bg1"/>
-                </a:solidFill>
-              </a:rPr>
-              <a:t>Hallelujah </a:t>
-            </a:r>
-            <a:r>
-              <a:rPr lang="en-GB" sz="5000" dirty="0" err="1">
-                <a:solidFill>
-                  <a:schemeClr val="bg1"/>
-                </a:solidFill>
-              </a:rPr>
-              <a:t>hallelujah</a:t>
-            </a:r>
-            <a:br>
-              <a:rPr lang="en-GB" sz="5000" dirty="0">
-                <a:solidFill>
-                  <a:schemeClr val="bg1"/>
-                </a:solidFill>
-              </a:rPr>
-            </a:br>
-            <a:r>
-              <a:rPr lang="en-GB" sz="5000" dirty="0">
-                <a:solidFill>
-                  <a:schemeClr val="bg1"/>
-                </a:solidFill>
-              </a:rPr>
-              <a:t>We worship You for who You are</a:t>
-            </a:r>
-            <a:br>
-              <a:rPr lang="en-GB" sz="5000" dirty="0">
-                <a:solidFill>
-                  <a:schemeClr val="bg1"/>
-                </a:solidFill>
-              </a:rPr>
-            </a:br>
-            <a:r>
-              <a:rPr lang="en-GB" sz="5000" dirty="0">
-                <a:solidFill>
-                  <a:schemeClr val="bg1"/>
-                </a:solidFill>
-              </a:rPr>
-              <a:t>For You are good</a:t>
-            </a:r>
+              <a:rPr lang="en-GB" sz="5400" dirty="0">
+                <a:solidFill>
+                  <a:schemeClr val="bg1"/>
+                </a:solidFill>
+              </a:rPr>
+              <a:t>Hosanna </a:t>
+            </a:r>
+            <a:r>
+              <a:rPr lang="en-GB" sz="5400" dirty="0" err="1">
+                <a:solidFill>
+                  <a:schemeClr val="bg1"/>
+                </a:solidFill>
+              </a:rPr>
+              <a:t>Hosanna</a:t>
+            </a:r>
+            <a:endParaRPr lang="en-GB" sz="5400" dirty="0">
+              <a:solidFill>
+                <a:schemeClr val="bg1"/>
+              </a:solidFill>
+            </a:endParaRPr>
+          </a:p>
+          <a:p>
+            <a:r>
+              <a:rPr lang="en-GB" sz="5400" dirty="0">
+                <a:solidFill>
+                  <a:schemeClr val="bg1"/>
+                </a:solidFill>
+              </a:rPr>
+              <a:t>You are the God who saves us</a:t>
+            </a:r>
+          </a:p>
+          <a:p>
+            <a:r>
+              <a:rPr lang="en-GB" sz="5400" dirty="0">
+                <a:solidFill>
+                  <a:schemeClr val="bg1"/>
+                </a:solidFill>
+              </a:rPr>
+              <a:t>Worthy of all our praises</a:t>
+            </a:r>
+          </a:p>
+          <a:p>
+            <a:r>
+              <a:rPr lang="en-GB" sz="5400" dirty="0">
+                <a:solidFill>
+                  <a:schemeClr val="bg1"/>
+                </a:solidFill>
+              </a:rPr>
+              <a:t>Hosanna </a:t>
+            </a:r>
+            <a:r>
+              <a:rPr lang="en-GB" sz="5400" dirty="0" err="1">
+                <a:solidFill>
+                  <a:schemeClr val="bg1"/>
+                </a:solidFill>
+              </a:rPr>
+              <a:t>Hosanna</a:t>
+            </a:r>
+            <a:endParaRPr lang="en-GB" sz="5400" dirty="0">
+              <a:solidFill>
+                <a:schemeClr val="bg1"/>
+              </a:solidFill>
+            </a:endParaRPr>
+          </a:p>
+          <a:p>
+            <a:r>
+              <a:rPr lang="en-GB" sz="5400" dirty="0">
+                <a:solidFill>
+                  <a:schemeClr val="bg1"/>
+                </a:solidFill>
+              </a:rPr>
+              <a:t>Come have Your way among us</a:t>
+            </a:r>
+          </a:p>
+          <a:p>
+            <a:r>
+              <a:rPr lang="en-GB" sz="5400" dirty="0">
+                <a:solidFill>
+                  <a:schemeClr val="bg1"/>
+                </a:solidFill>
+              </a:rPr>
+              <a:t>We welcome You here Lord Jesus</a:t>
+            </a:r>
+            <a:endParaRPr lang="en-GB" sz="5000" dirty="0">
+              <a:solidFill>
+                <a:schemeClr val="bg1"/>
+              </a:solidFill>
+            </a:endParaRPr>
           </a:p>
         </p:txBody>
       </p:sp>
@@ -4432,12 +4570,17 @@
                   <a:schemeClr val="bg1"/>
                 </a:solidFill>
               </a:rPr>
-              <a:t>2/3</a:t>
+              <a:t>3/6</a:t>
             </a:r>
           </a:p>
         </p:txBody>
       </p:sp>
     </p:spTree>
+    <p:extLst>
+      <p:ext uri="{BB962C8B-B14F-4D97-AF65-F5344CB8AC3E}">
+        <p14:creationId xmlns:p14="http://schemas.microsoft.com/office/powerpoint/2010/main" val="300558806"/>
+      </p:ext>
+    </p:extLst>
   </p:cSld>
   <p:clrMapOvr>
     <a:masterClrMapping/>
@@ -4474,8 +4617,8 @@
         </p:nvSpPr>
         <p:spPr>
           <a:xfrm>
-            <a:off x="323528" y="188640"/>
-            <a:ext cx="8640960" cy="6480720"/>
+            <a:off x="107504" y="188640"/>
+            <a:ext cx="8856984" cy="6480720"/>
           </a:xfrm>
         </p:spPr>
         <p:txBody>
@@ -4484,64 +4627,63 @@
           </a:bodyPr>
           <a:lstStyle/>
           <a:p>
-            <a:endParaRPr lang="en-GB" sz="4800" dirty="0"/>
-          </a:p>
-          <a:p>
-            <a:endParaRPr lang="en-GB" sz="4800" dirty="0"/>
-          </a:p>
-          <a:p>
-            <a:r>
-              <a:rPr lang="en-GB" sz="4800" dirty="0">
-                <a:solidFill>
-                  <a:schemeClr val="bg1"/>
-                </a:solidFill>
-              </a:rPr>
-              <a:t>You are good all the time</a:t>
-            </a:r>
-            <a:br>
-              <a:rPr lang="en-GB" sz="4800" dirty="0">
-                <a:solidFill>
-                  <a:schemeClr val="bg1"/>
-                </a:solidFill>
-              </a:rPr>
-            </a:br>
-            <a:r>
-              <a:rPr lang="en-GB" sz="4800" dirty="0">
-                <a:solidFill>
-                  <a:schemeClr val="bg1"/>
-                </a:solidFill>
-              </a:rPr>
-              <a:t>All the time You are good</a:t>
-            </a:r>
-            <a:br>
-              <a:rPr lang="en-GB" sz="4800" dirty="0">
-                <a:solidFill>
-                  <a:schemeClr val="bg1"/>
-                </a:solidFill>
-              </a:rPr>
-            </a:br>
-            <a:r>
-              <a:rPr lang="en-GB" sz="4800" dirty="0">
-                <a:solidFill>
-                  <a:schemeClr val="bg1"/>
-                </a:solidFill>
-              </a:rPr>
-              <a:t>You are good all the time</a:t>
-            </a:r>
-            <a:br>
-              <a:rPr lang="en-GB" sz="4800" dirty="0">
-                <a:solidFill>
-                  <a:schemeClr val="bg1"/>
-                </a:solidFill>
-              </a:rPr>
-            </a:br>
-            <a:r>
-              <a:rPr lang="en-GB" sz="4800" dirty="0">
-                <a:solidFill>
-                  <a:schemeClr val="bg1"/>
-                </a:solidFill>
-              </a:rPr>
-              <a:t>All the time You are good</a:t>
+            <a:r>
+              <a:rPr lang="en-GB" sz="5000" dirty="0">
+                <a:solidFill>
+                  <a:schemeClr val="bg1"/>
+                </a:solidFill>
+              </a:rPr>
+              <a:t>Hear the sound of</a:t>
+            </a:r>
+          </a:p>
+          <a:p>
+            <a:r>
+              <a:rPr lang="en-GB" sz="5000" dirty="0">
+                <a:solidFill>
+                  <a:schemeClr val="bg1"/>
+                </a:solidFill>
+              </a:rPr>
+              <a:t>Hearts returning to You</a:t>
+            </a:r>
+          </a:p>
+          <a:p>
+            <a:r>
+              <a:rPr lang="en-GB" sz="5000" dirty="0">
+                <a:solidFill>
+                  <a:schemeClr val="bg1"/>
+                </a:solidFill>
+              </a:rPr>
+              <a:t>We turn to You</a:t>
+            </a:r>
+          </a:p>
+          <a:p>
+            <a:r>
+              <a:rPr lang="en-GB" sz="5000" dirty="0">
+                <a:solidFill>
+                  <a:schemeClr val="bg1"/>
+                </a:solidFill>
+              </a:rPr>
+              <a:t>In Your Kingdom</a:t>
+            </a:r>
+          </a:p>
+          <a:p>
+            <a:r>
+              <a:rPr lang="en-GB" sz="5000" dirty="0">
+                <a:solidFill>
+                  <a:schemeClr val="bg1"/>
+                </a:solidFill>
+              </a:rPr>
+              <a:t>Broken lives are made new</a:t>
+            </a:r>
+          </a:p>
+          <a:p>
+            <a:r>
+              <a:rPr lang="en-GB" sz="5000" dirty="0">
+                <a:solidFill>
+                  <a:schemeClr val="bg1"/>
+                </a:solidFill>
+              </a:rPr>
+              <a:t>You make us new</a:t>
             </a:r>
           </a:p>
         </p:txBody>
@@ -4574,12 +4716,17 @@
                   <a:schemeClr val="bg1"/>
                 </a:solidFill>
               </a:rPr>
-              <a:t>3/3</a:t>
+              <a:t>4/6</a:t>
             </a:r>
           </a:p>
         </p:txBody>
       </p:sp>
     </p:spTree>
+    <p:extLst>
+      <p:ext uri="{BB962C8B-B14F-4D97-AF65-F5344CB8AC3E}">
+        <p14:creationId xmlns:p14="http://schemas.microsoft.com/office/powerpoint/2010/main" val="4164038011"/>
+      </p:ext>
+    </p:extLst>
   </p:cSld>
   <p:clrMapOvr>
     <a:masterClrMapping/>
@@ -4626,138 +4773,99 @@
           </a:bodyPr>
           <a:lstStyle/>
           <a:p>
-            <a:endParaRPr lang="en-GB" sz="5400" dirty="0">
+            <a:r>
+              <a:rPr lang="en-GB" sz="5400" dirty="0" err="1">
+                <a:solidFill>
+                  <a:schemeClr val="bg1"/>
+                </a:solidFill>
+              </a:rPr>
+              <a:t>‘Cause</a:t>
+            </a:r>
+            <a:r>
+              <a:rPr lang="en-GB" sz="5400" dirty="0">
+                <a:solidFill>
+                  <a:schemeClr val="bg1"/>
+                </a:solidFill>
+              </a:rPr>
+              <a:t> when we see You</a:t>
+            </a:r>
+          </a:p>
+          <a:p>
+            <a:r>
+              <a:rPr lang="en-GB" sz="5400" dirty="0">
+                <a:solidFill>
+                  <a:schemeClr val="bg1"/>
+                </a:solidFill>
+              </a:rPr>
+              <a:t>We find strength to face the day</a:t>
+            </a:r>
+          </a:p>
+          <a:p>
+            <a:r>
+              <a:rPr lang="en-GB" sz="5400" dirty="0">
+                <a:solidFill>
+                  <a:schemeClr val="bg1"/>
+                </a:solidFill>
+              </a:rPr>
+              <a:t>In Your presence</a:t>
+            </a:r>
+          </a:p>
+          <a:p>
+            <a:r>
+              <a:rPr lang="en-GB" sz="5400" dirty="0">
+                <a:solidFill>
+                  <a:schemeClr val="bg1"/>
+                </a:solidFill>
+              </a:rPr>
+              <a:t>All our fears are washed away</a:t>
+            </a:r>
+          </a:p>
+          <a:p>
+            <a:r>
+              <a:rPr lang="en-GB" sz="5400" dirty="0">
+                <a:solidFill>
+                  <a:schemeClr val="bg1"/>
+                </a:solidFill>
+              </a:rPr>
+              <a:t>(Washed away)</a:t>
+            </a:r>
+            <a:endParaRPr lang="en-GB" sz="5000" dirty="0">
               <a:solidFill>
                 <a:schemeClr val="bg1"/>
               </a:solidFill>
             </a:endParaRPr>
           </a:p>
-          <a:p>
-            <a:r>
-              <a:rPr lang="en-GB" sz="6600" b="0" i="0" dirty="0">
-                <a:solidFill>
-                  <a:srgbClr val="00A3E0"/>
-                </a:solidFill>
-                <a:effectLst/>
-                <a:latin typeface="akagi_probook"/>
-              </a:rPr>
-              <a:t>O Come </a:t>
-            </a:r>
-            <a:r>
-              <a:rPr lang="en-GB" sz="6600" dirty="0">
-                <a:solidFill>
-                  <a:srgbClr val="00A3E0"/>
-                </a:solidFill>
-                <a:latin typeface="akagi_probook"/>
-              </a:rPr>
-              <a:t>To The Altar</a:t>
-            </a:r>
-          </a:p>
-          <a:p>
-            <a:br>
-              <a:rPr lang="en-GB" sz="1200" dirty="0">
-                <a:solidFill>
-                  <a:schemeClr val="bg1"/>
-                </a:solidFill>
-              </a:rPr>
-            </a:br>
-            <a:r>
-              <a:rPr lang="en-GB" sz="1200" dirty="0">
-                <a:solidFill>
-                  <a:schemeClr val="bg1"/>
-                </a:solidFill>
-              </a:rPr>
-              <a:t>CCLI Song # 7051511</a:t>
-            </a:r>
-          </a:p>
-          <a:p>
-            <a:endParaRPr lang="en-GB" sz="1200" dirty="0">
-              <a:solidFill>
-                <a:schemeClr val="bg1"/>
-              </a:solidFill>
-            </a:endParaRPr>
-          </a:p>
-          <a:p>
-            <a:r>
-              <a:rPr lang="en-GB" sz="1200" dirty="0">
-                <a:solidFill>
-                  <a:schemeClr val="bg1"/>
-                </a:solidFill>
-              </a:rPr>
-              <a:t>Chris Brown | Mack Brock | Steven Furtick | Wade </a:t>
-            </a:r>
-            <a:r>
-              <a:rPr lang="en-GB" sz="1200" dirty="0" err="1">
-                <a:solidFill>
-                  <a:schemeClr val="bg1"/>
-                </a:solidFill>
-              </a:rPr>
-              <a:t>Joye</a:t>
-            </a:r>
-            <a:endParaRPr lang="en-GB" sz="1200" dirty="0">
-              <a:solidFill>
-                <a:schemeClr val="bg1"/>
-              </a:solidFill>
-            </a:endParaRPr>
-          </a:p>
-          <a:p>
-            <a:endParaRPr lang="en-GB" sz="1200" dirty="0">
-              <a:solidFill>
-                <a:schemeClr val="bg1"/>
-              </a:solidFill>
-            </a:endParaRPr>
-          </a:p>
-          <a:p>
-            <a:r>
-              <a:rPr lang="en-GB" sz="1200" dirty="0">
-                <a:solidFill>
-                  <a:schemeClr val="bg1"/>
-                </a:solidFill>
-              </a:rPr>
-              <a:t>© 2015 Music by Elevation Worship Publishing (Admin. by Essential Music Publishing LLC)</a:t>
-            </a:r>
-          </a:p>
-          <a:p>
-            <a:r>
-              <a:rPr lang="en-GB" sz="1200" dirty="0">
-                <a:solidFill>
-                  <a:schemeClr val="bg1"/>
-                </a:solidFill>
-              </a:rPr>
-              <a:t>For use solely with the </a:t>
-            </a:r>
-            <a:r>
-              <a:rPr lang="en-GB" sz="1200" dirty="0" err="1">
-                <a:solidFill>
-                  <a:schemeClr val="bg1"/>
-                </a:solidFill>
-              </a:rPr>
-              <a:t>SongSelect</a:t>
-            </a:r>
-            <a:r>
-              <a:rPr lang="en-GB" sz="1200" dirty="0">
-                <a:solidFill>
-                  <a:schemeClr val="bg1"/>
-                </a:solidFill>
-              </a:rPr>
-              <a:t>® Terms of Use. All rights reserved. www.ccli.com</a:t>
-            </a:r>
-          </a:p>
-          <a:p>
-            <a:endParaRPr lang="en-GB" sz="1200" dirty="0">
-              <a:solidFill>
-                <a:schemeClr val="bg1"/>
-              </a:solidFill>
-            </a:endParaRPr>
-          </a:p>
-          <a:p>
-            <a:r>
-              <a:rPr lang="en-GB" sz="1200" dirty="0">
-                <a:solidFill>
-                  <a:schemeClr val="bg1"/>
-                </a:solidFill>
-              </a:rPr>
-              <a:t>CCLI Licence No. 33265</a:t>
+        </p:txBody>
+      </p:sp>
+      <p:sp>
+        <p:nvSpPr>
+          <p:cNvPr id="4" name="TextBox 3"/>
+          <p:cNvSpPr txBox="1"/>
+          <p:nvPr/>
+        </p:nvSpPr>
+        <p:spPr>
+          <a:xfrm>
+            <a:off x="8529729" y="0"/>
+            <a:ext cx="628698" cy="461665"/>
+          </a:xfrm>
+          <a:prstGeom prst="rect">
+            <a:avLst/>
+          </a:prstGeom>
+          <a:noFill/>
+        </p:spPr>
+        <p:txBody>
+          <a:bodyPr wrap="none" rtlCol="0">
+            <a:spAutoFit/>
+          </a:bodyPr>
+          <a:lstStyle/>
+          <a:p>
+            <a:r>
+              <a:rPr lang="en-GB" sz="2400" b="1" dirty="0">
+                <a:solidFill>
+                  <a:schemeClr val="bg1"/>
+                </a:solidFill>
+              </a:rPr>
+              <a:t>5/6</a:t>
             </a:r>
           </a:p>
         </p:txBody>
@@ -4765,7 +4873,7 @@
     </p:spTree>
     <p:extLst>
       <p:ext uri="{BB962C8B-B14F-4D97-AF65-F5344CB8AC3E}">
-        <p14:creationId xmlns:p14="http://schemas.microsoft.com/office/powerpoint/2010/main" val="3366877666"/>
+        <p14:creationId xmlns:p14="http://schemas.microsoft.com/office/powerpoint/2010/main" val="3709357715"/>
       </p:ext>
     </p:extLst>
   </p:cSld>
@@ -4956,8 +5064,8 @@
         </p:nvSpPr>
         <p:spPr>
           <a:xfrm>
-            <a:off x="323528" y="188640"/>
-            <a:ext cx="8640960" cy="6480720"/>
+            <a:off x="107504" y="188640"/>
+            <a:ext cx="8856984" cy="6480720"/>
           </a:xfrm>
         </p:spPr>
         <p:txBody>
@@ -4967,63 +5075,81 @@
           <a:lstStyle/>
           <a:p>
             <a:r>
-              <a:rPr lang="en-GB" sz="4300" dirty="0">
-                <a:solidFill>
-                  <a:schemeClr val="bg1"/>
-                </a:solidFill>
-              </a:rPr>
-              <a:t>Are you hurting and broken within</a:t>
-            </a:r>
-          </a:p>
-          <a:p>
-            <a:r>
-              <a:rPr lang="en-GB" sz="4300" dirty="0">
-                <a:solidFill>
-                  <a:schemeClr val="bg1"/>
-                </a:solidFill>
-              </a:rPr>
-              <a:t>Overwhelmed by the weight of your sin</a:t>
-            </a:r>
-          </a:p>
-          <a:p>
-            <a:r>
-              <a:rPr lang="en-GB" sz="4300" dirty="0">
-                <a:solidFill>
-                  <a:schemeClr val="bg1"/>
-                </a:solidFill>
-              </a:rPr>
-              <a:t>Jesus is calling</a:t>
-            </a:r>
-          </a:p>
-          <a:p>
-            <a:r>
-              <a:rPr lang="en-GB" sz="4300" dirty="0">
-                <a:solidFill>
-                  <a:schemeClr val="bg1"/>
-                </a:solidFill>
-              </a:rPr>
-              <a:t>Have you come to the end of yourself</a:t>
-            </a:r>
-          </a:p>
-          <a:p>
-            <a:r>
-              <a:rPr lang="en-GB" sz="4300" dirty="0">
-                <a:solidFill>
-                  <a:schemeClr val="bg1"/>
-                </a:solidFill>
-              </a:rPr>
-              <a:t>Do you thirst for a drink from the well</a:t>
-            </a:r>
-          </a:p>
-          <a:p>
-            <a:r>
-              <a:rPr lang="en-GB" sz="4300" dirty="0">
-                <a:solidFill>
-                  <a:schemeClr val="bg1"/>
-                </a:solidFill>
-              </a:rPr>
-              <a:t>Jesus is calling</a:t>
-            </a:r>
+              <a:rPr lang="en-GB" sz="5400" dirty="0">
+                <a:solidFill>
+                  <a:schemeClr val="bg1"/>
+                </a:solidFill>
+              </a:rPr>
+              <a:t>Hosanna, Hosanna</a:t>
+            </a:r>
+          </a:p>
+          <a:p>
+            <a:r>
+              <a:rPr lang="en-GB" sz="5400" dirty="0">
+                <a:solidFill>
+                  <a:schemeClr val="bg1"/>
+                </a:solidFill>
+              </a:rPr>
+              <a:t>You are the God who saves us</a:t>
+            </a:r>
+          </a:p>
+          <a:p>
+            <a:r>
+              <a:rPr lang="en-GB" sz="5400" dirty="0">
+                <a:solidFill>
+                  <a:schemeClr val="bg1"/>
+                </a:solidFill>
+              </a:rPr>
+              <a:t>Worthy of all our praises</a:t>
+            </a:r>
+          </a:p>
+          <a:p>
+            <a:r>
+              <a:rPr lang="en-GB" sz="5400" dirty="0">
+                <a:solidFill>
+                  <a:schemeClr val="bg1"/>
+                </a:solidFill>
+              </a:rPr>
+              <a:t>Hosanna </a:t>
+            </a:r>
+            <a:r>
+              <a:rPr lang="en-GB" sz="5400" dirty="0" err="1">
+                <a:solidFill>
+                  <a:schemeClr val="bg1"/>
+                </a:solidFill>
+              </a:rPr>
+              <a:t>Hosanna</a:t>
+            </a:r>
+            <a:endParaRPr lang="en-GB" sz="5400" dirty="0">
+              <a:solidFill>
+                <a:schemeClr val="bg1"/>
+              </a:solidFill>
+            </a:endParaRPr>
+          </a:p>
+          <a:p>
+            <a:r>
+              <a:rPr lang="en-GB" sz="5400" dirty="0">
+                <a:solidFill>
+                  <a:schemeClr val="bg1"/>
+                </a:solidFill>
+              </a:rPr>
+              <a:t>Come have Your way among us</a:t>
+            </a:r>
+          </a:p>
+          <a:p>
+            <a:r>
+              <a:rPr lang="en-GB" sz="5400" dirty="0">
+                <a:solidFill>
+                  <a:schemeClr val="bg1"/>
+                </a:solidFill>
+              </a:rPr>
+              <a:t>We welcome You here Lord Jesus</a:t>
+            </a:r>
+            <a:endParaRPr lang="en-GB" sz="5000" dirty="0">
+              <a:solidFill>
+                <a:schemeClr val="bg1"/>
+              </a:solidFill>
+            </a:endParaRPr>
           </a:p>
         </p:txBody>
       </p:sp>
@@ -5055,7 +5181,7 @@
                   <a:schemeClr val="bg1"/>
                 </a:solidFill>
               </a:rPr>
-              <a:t>1/5</a:t>
+              <a:t>6/6</a:t>
             </a:r>
           </a:p>
         </p:txBody>
@@ -5063,7 +5189,7 @@
     </p:spTree>
     <p:extLst>
       <p:ext uri="{BB962C8B-B14F-4D97-AF65-F5344CB8AC3E}">
-        <p14:creationId xmlns:p14="http://schemas.microsoft.com/office/powerpoint/2010/main" val="3238900613"/>
+        <p14:creationId xmlns:p14="http://schemas.microsoft.com/office/powerpoint/2010/main" val="856287120"/>
       </p:ext>
     </p:extLst>
   </p:cSld>
@@ -5112,76 +5238,163 @@
           </a:bodyPr>
           <a:lstStyle/>
           <a:p>
-            <a:r>
-              <a:rPr lang="en-GB" sz="5400" dirty="0">
-                <a:solidFill>
-                  <a:schemeClr val="bg1"/>
-                </a:solidFill>
-              </a:rPr>
-              <a:t>O come to the altar</a:t>
-            </a:r>
-          </a:p>
-          <a:p>
-            <a:r>
-              <a:rPr lang="en-GB" sz="5400" dirty="0">
-                <a:solidFill>
-                  <a:schemeClr val="bg1"/>
-                </a:solidFill>
-              </a:rPr>
-              <a:t>The Father's arms are open wide</a:t>
-            </a:r>
-          </a:p>
-          <a:p>
-            <a:r>
-              <a:rPr lang="en-GB" sz="5400" dirty="0">
-                <a:solidFill>
-                  <a:schemeClr val="bg1"/>
-                </a:solidFill>
-              </a:rPr>
-              <a:t>Forgiveness was bought with</a:t>
-            </a:r>
-          </a:p>
-          <a:p>
-            <a:r>
-              <a:rPr lang="en-GB" sz="5400" dirty="0">
-                <a:solidFill>
-                  <a:schemeClr val="bg1"/>
-                </a:solidFill>
-              </a:rPr>
-              <a:t>The precious blood of Jesus Christ</a:t>
-            </a:r>
-          </a:p>
-        </p:txBody>
-      </p:sp>
-      <p:sp>
-        <p:nvSpPr>
-          <p:cNvPr id="4" name="TextBox 3"/>
-          <p:cNvSpPr txBox="1"/>
-          <p:nvPr/>
-        </p:nvSpPr>
-        <p:spPr>
-          <a:xfrm>
-            <a:off x="8529729" y="0"/>
-            <a:ext cx="628698" cy="461665"/>
-          </a:xfrm>
-          <a:prstGeom prst="rect">
-            <a:avLst/>
-          </a:prstGeom>
-          <a:noFill/>
-        </p:spPr>
-        <p:txBody>
-          <a:bodyPr wrap="none" rtlCol="0">
-            <a:spAutoFit/>
-          </a:bodyPr>
-          <a:lstStyle/>
-          <a:p>
-            <a:r>
-              <a:rPr lang="en-GB" sz="2400" b="1" dirty="0">
-                <a:solidFill>
-                  <a:schemeClr val="bg1"/>
-                </a:solidFill>
-              </a:rPr>
-              <a:t>2/5</a:t>
+            <a:endParaRPr lang="en-GB" sz="5400" dirty="0">
+              <a:solidFill>
+                <a:schemeClr val="bg1"/>
+              </a:solidFill>
+            </a:endParaRPr>
+          </a:p>
+          <a:p>
+            <a:r>
+              <a:rPr lang="en-GB" sz="6600" b="0" i="0" dirty="0">
+                <a:solidFill>
+                  <a:srgbClr val="00A3E0"/>
+                </a:solidFill>
+                <a:effectLst/>
+                <a:latin typeface="akagi_probook"/>
+              </a:rPr>
+              <a:t>How Great Is Our God</a:t>
+            </a:r>
+          </a:p>
+          <a:p>
+            <a:r>
+              <a:rPr lang="en-GB" sz="1200" dirty="0">
+                <a:solidFill>
+                  <a:schemeClr val="bg1"/>
+                </a:solidFill>
+              </a:rPr>
+              <a:t>CCLI Song # 4348399</a:t>
+            </a:r>
+          </a:p>
+          <a:p>
+            <a:endParaRPr lang="en-GB" sz="1200" dirty="0">
+              <a:solidFill>
+                <a:schemeClr val="bg1"/>
+              </a:solidFill>
+            </a:endParaRPr>
+          </a:p>
+          <a:p>
+            <a:r>
+              <a:rPr lang="en-GB" sz="1200" dirty="0">
+                <a:solidFill>
+                  <a:schemeClr val="bg1"/>
+                </a:solidFill>
+              </a:rPr>
+              <a:t>Chris Tomlin | Ed Cash | Jesse Reeves</a:t>
+            </a:r>
+          </a:p>
+          <a:p>
+            <a:endParaRPr lang="en-GB" sz="1200" dirty="0">
+              <a:solidFill>
+                <a:schemeClr val="bg1"/>
+              </a:solidFill>
+            </a:endParaRPr>
+          </a:p>
+          <a:p>
+            <a:r>
+              <a:rPr lang="en-GB" sz="1200" dirty="0">
+                <a:solidFill>
+                  <a:schemeClr val="bg1"/>
+                </a:solidFill>
+              </a:rPr>
+              <a:t>© 2004 </a:t>
+            </a:r>
+            <a:r>
+              <a:rPr lang="en-GB" sz="1200" dirty="0" err="1">
+                <a:solidFill>
+                  <a:schemeClr val="bg1"/>
+                </a:solidFill>
+              </a:rPr>
+              <a:t>sixsteps</a:t>
+            </a:r>
+            <a:r>
+              <a:rPr lang="en-GB" sz="1200" dirty="0">
+                <a:solidFill>
+                  <a:schemeClr val="bg1"/>
+                </a:solidFill>
+              </a:rPr>
+              <a:t> Music (Admin. by Integrity Music Ltd)</a:t>
+            </a:r>
+          </a:p>
+          <a:p>
+            <a:r>
+              <a:rPr lang="en-GB" sz="1200" dirty="0" err="1">
+                <a:solidFill>
+                  <a:schemeClr val="bg1"/>
+                </a:solidFill>
+              </a:rPr>
+              <a:t>Vamos</a:t>
+            </a:r>
+            <a:r>
+              <a:rPr lang="en-GB" sz="1200" dirty="0">
+                <a:solidFill>
+                  <a:schemeClr val="bg1"/>
+                </a:solidFill>
+              </a:rPr>
+              <a:t> Publishing (Admin. by Integrity Music Ltd)</a:t>
+            </a:r>
+          </a:p>
+          <a:p>
+            <a:r>
+              <a:rPr lang="en-GB" sz="1200" dirty="0">
+                <a:solidFill>
+                  <a:schemeClr val="bg1"/>
+                </a:solidFill>
+              </a:rPr>
+              <a:t>worshiptogether.com songs (Admin. by Integrity Music Ltd)</a:t>
+            </a:r>
+          </a:p>
+          <a:p>
+            <a:r>
+              <a:rPr lang="en-GB" sz="1200" dirty="0">
+                <a:solidFill>
+                  <a:schemeClr val="bg1"/>
+                </a:solidFill>
+              </a:rPr>
+              <a:t>Wondrously Made Songs (Admin. by Song Solutions www.songsolutions.org)</a:t>
+            </a:r>
+          </a:p>
+          <a:p>
+            <a:r>
+              <a:rPr lang="en-GB" sz="1200" dirty="0">
+                <a:solidFill>
+                  <a:schemeClr val="bg1"/>
+                </a:solidFill>
+              </a:rPr>
+              <a:t>For use solely with the </a:t>
+            </a:r>
+            <a:r>
+              <a:rPr lang="en-GB" sz="1200" dirty="0" err="1">
+                <a:solidFill>
+                  <a:schemeClr val="bg1"/>
+                </a:solidFill>
+              </a:rPr>
+              <a:t>SongSelect</a:t>
+            </a:r>
+            <a:r>
+              <a:rPr lang="en-GB" sz="1200" dirty="0">
+                <a:solidFill>
+                  <a:schemeClr val="bg1"/>
+                </a:solidFill>
+              </a:rPr>
+              <a:t>® Terms of Use. All rights reserved. www.ccli.com</a:t>
+            </a:r>
+          </a:p>
+          <a:p>
+            <a:endParaRPr lang="en-GB" sz="1200" dirty="0">
+              <a:solidFill>
+                <a:schemeClr val="bg1"/>
+              </a:solidFill>
+            </a:endParaRPr>
+          </a:p>
+          <a:p>
+            <a:r>
+              <a:rPr lang="en-GB" sz="1200" dirty="0">
+                <a:solidFill>
+                  <a:schemeClr val="bg1"/>
+                </a:solidFill>
+              </a:rPr>
+              <a:t>CCLI Licence No. 33265</a:t>
             </a:r>
           </a:p>
         </p:txBody>
@@ -5189,7 +5402,7 @@
     </p:spTree>
     <p:extLst>
       <p:ext uri="{BB962C8B-B14F-4D97-AF65-F5344CB8AC3E}">
-        <p14:creationId xmlns:p14="http://schemas.microsoft.com/office/powerpoint/2010/main" val="1563839107"/>
+        <p14:creationId xmlns:p14="http://schemas.microsoft.com/office/powerpoint/2010/main" val="1825068268"/>
       </p:ext>
     </p:extLst>
   </p:cSld>
@@ -5239,62 +5452,82 @@
           <a:lstStyle/>
           <a:p>
             <a:r>
-              <a:rPr lang="en-GB" sz="4300" dirty="0">
-                <a:solidFill>
-                  <a:schemeClr val="bg1"/>
-                </a:solidFill>
-              </a:rPr>
-              <a:t>Leave behind your regrets and mistakes</a:t>
-            </a:r>
-          </a:p>
-          <a:p>
-            <a:r>
-              <a:rPr lang="en-GB" sz="4300" dirty="0">
-                <a:solidFill>
-                  <a:schemeClr val="bg1"/>
-                </a:solidFill>
-              </a:rPr>
-              <a:t>Come today there's no reason to wait</a:t>
-            </a:r>
-          </a:p>
-          <a:p>
-            <a:r>
-              <a:rPr lang="en-GB" sz="4300" dirty="0">
-                <a:solidFill>
-                  <a:schemeClr val="bg1"/>
-                </a:solidFill>
-              </a:rPr>
-              <a:t>Jesus is calling</a:t>
-            </a:r>
-          </a:p>
-          <a:p>
-            <a:r>
-              <a:rPr lang="en-GB" sz="4300" dirty="0">
-                <a:solidFill>
-                  <a:schemeClr val="bg1"/>
-                </a:solidFill>
-              </a:rPr>
-              <a:t>Bring your sorrows and trade them for joy</a:t>
-            </a:r>
-          </a:p>
-          <a:p>
-            <a:r>
-              <a:rPr lang="en-GB" sz="4300" dirty="0">
-                <a:solidFill>
-                  <a:schemeClr val="bg1"/>
-                </a:solidFill>
-              </a:rPr>
-              <a:t>From the ashes a new life is born</a:t>
-            </a:r>
-          </a:p>
-          <a:p>
-            <a:r>
-              <a:rPr lang="en-GB" sz="4300" dirty="0">
-                <a:solidFill>
-                  <a:schemeClr val="bg1"/>
-                </a:solidFill>
-              </a:rPr>
-              <a:t>Jesus is calling</a:t>
+              <a:rPr lang="en-GB" sz="4000" dirty="0">
+                <a:solidFill>
+                  <a:schemeClr val="bg1"/>
+                </a:solidFill>
+              </a:rPr>
+              <a:t>The splendour of the King</a:t>
+            </a:r>
+          </a:p>
+          <a:p>
+            <a:r>
+              <a:rPr lang="en-GB" sz="4000" dirty="0">
+                <a:solidFill>
+                  <a:schemeClr val="bg1"/>
+                </a:solidFill>
+              </a:rPr>
+              <a:t>Clothed in majesty</a:t>
+            </a:r>
+          </a:p>
+          <a:p>
+            <a:r>
+              <a:rPr lang="en-GB" sz="4000" dirty="0">
+                <a:solidFill>
+                  <a:schemeClr val="bg1"/>
+                </a:solidFill>
+              </a:rPr>
+              <a:t>Let all the earth rejoice</a:t>
+            </a:r>
+          </a:p>
+          <a:p>
+            <a:r>
+              <a:rPr lang="en-GB" sz="4000" dirty="0">
+                <a:solidFill>
+                  <a:schemeClr val="bg1"/>
+                </a:solidFill>
+              </a:rPr>
+              <a:t>All the earth rejoice</a:t>
+            </a:r>
+          </a:p>
+          <a:p>
+            <a:r>
+              <a:rPr lang="en-GB" sz="4000" dirty="0">
+                <a:solidFill>
+                  <a:schemeClr val="bg1"/>
+                </a:solidFill>
+              </a:rPr>
+              <a:t>He wraps Himself in light</a:t>
+            </a:r>
+          </a:p>
+          <a:p>
+            <a:r>
+              <a:rPr lang="en-GB" sz="4000" dirty="0">
+                <a:solidFill>
+                  <a:schemeClr val="bg1"/>
+                </a:solidFill>
+              </a:rPr>
+              <a:t>And darkness tries to hide</a:t>
+            </a:r>
+          </a:p>
+          <a:p>
+            <a:r>
+              <a:rPr lang="en-GB" sz="4000" dirty="0">
+                <a:solidFill>
+                  <a:schemeClr val="bg1"/>
+                </a:solidFill>
+              </a:rPr>
+              <a:t>And trembles at His voice</a:t>
+            </a:r>
+          </a:p>
+          <a:p>
+            <a:r>
+              <a:rPr lang="en-GB" sz="4000" dirty="0">
+                <a:solidFill>
+                  <a:schemeClr val="bg1"/>
+                </a:solidFill>
+              </a:rPr>
+              <a:t>And trembles at His voice</a:t>
             </a:r>
           </a:p>
         </p:txBody>
@@ -5327,7 +5560,7 @@
                   <a:schemeClr val="bg1"/>
                 </a:solidFill>
               </a:rPr>
-              <a:t>3/5</a:t>
+              <a:t>1/6</a:t>
             </a:r>
           </a:p>
         </p:txBody>
@@ -5335,7 +5568,7 @@
     </p:spTree>
     <p:extLst>
       <p:ext uri="{BB962C8B-B14F-4D97-AF65-F5344CB8AC3E}">
-        <p14:creationId xmlns:p14="http://schemas.microsoft.com/office/powerpoint/2010/main" val="673598182"/>
+        <p14:creationId xmlns:p14="http://schemas.microsoft.com/office/powerpoint/2010/main" val="2214229270"/>
       </p:ext>
     </p:extLst>
   </p:cSld>
@@ -5385,75 +5618,52 @@
           <a:lstStyle/>
           <a:p>
             <a:r>
-              <a:rPr lang="en-GB" sz="4300" dirty="0">
-                <a:solidFill>
-                  <a:schemeClr val="bg1"/>
-                </a:solidFill>
-              </a:rPr>
-              <a:t>Oh what a </a:t>
-            </a:r>
-            <a:r>
-              <a:rPr lang="en-GB" sz="4300" dirty="0" err="1">
-                <a:solidFill>
-                  <a:schemeClr val="bg1"/>
-                </a:solidFill>
-              </a:rPr>
-              <a:t>Savior</a:t>
-            </a:r>
-            <a:endParaRPr lang="en-GB" sz="4300" dirty="0">
-              <a:solidFill>
-                <a:schemeClr val="bg1"/>
-              </a:solidFill>
-            </a:endParaRPr>
-          </a:p>
-          <a:p>
-            <a:r>
-              <a:rPr lang="en-GB" sz="4300" dirty="0">
-                <a:solidFill>
-                  <a:schemeClr val="bg1"/>
-                </a:solidFill>
-              </a:rPr>
-              <a:t>Isn't he wonderful</a:t>
-            </a:r>
-          </a:p>
-          <a:p>
-            <a:r>
-              <a:rPr lang="en-GB" sz="4300" dirty="0">
-                <a:solidFill>
-                  <a:schemeClr val="bg1"/>
-                </a:solidFill>
-              </a:rPr>
-              <a:t>Sing alleluia Christ is risen</a:t>
-            </a:r>
-          </a:p>
-          <a:p>
-            <a:r>
-              <a:rPr lang="en-GB" sz="4300" dirty="0">
-                <a:solidFill>
-                  <a:schemeClr val="bg1"/>
-                </a:solidFill>
-              </a:rPr>
-              <a:t>Bow down before him</a:t>
-            </a:r>
-          </a:p>
-          <a:p>
-            <a:r>
-              <a:rPr lang="en-GB" sz="4300" dirty="0">
-                <a:solidFill>
-                  <a:schemeClr val="bg1"/>
-                </a:solidFill>
-              </a:rPr>
-              <a:t>For he is Lord of all</a:t>
-            </a:r>
-          </a:p>
-          <a:p>
-            <a:r>
-              <a:rPr lang="en-GB" sz="4300" dirty="0">
-                <a:solidFill>
-                  <a:schemeClr val="bg1"/>
-                </a:solidFill>
-              </a:rPr>
-              <a:t>Sing alleluia Christ is risen</a:t>
+              <a:rPr lang="en-GB" sz="4000" dirty="0">
+                <a:solidFill>
+                  <a:schemeClr val="bg1"/>
+                </a:solidFill>
+              </a:rPr>
+              <a:t>How great is our God</a:t>
+            </a:r>
+          </a:p>
+          <a:p>
+            <a:r>
+              <a:rPr lang="en-GB" sz="4000" dirty="0">
+                <a:solidFill>
+                  <a:schemeClr val="bg1"/>
+                </a:solidFill>
+              </a:rPr>
+              <a:t>Sing with me</a:t>
+            </a:r>
+          </a:p>
+          <a:p>
+            <a:r>
+              <a:rPr lang="en-GB" sz="4000" dirty="0">
+                <a:solidFill>
+                  <a:schemeClr val="bg1"/>
+                </a:solidFill>
+              </a:rPr>
+              <a:t>How great is our God</a:t>
+            </a:r>
+          </a:p>
+          <a:p>
+            <a:r>
+              <a:rPr lang="en-GB" sz="4000" dirty="0">
+                <a:solidFill>
+                  <a:schemeClr val="bg1"/>
+                </a:solidFill>
+              </a:rPr>
+              <a:t>And all will see how great</a:t>
+            </a:r>
+          </a:p>
+          <a:p>
+            <a:r>
+              <a:rPr lang="en-GB" sz="4000" dirty="0">
+                <a:solidFill>
+                  <a:schemeClr val="bg1"/>
+                </a:solidFill>
+              </a:rPr>
+              <a:t>How great is our God</a:t>
             </a:r>
           </a:p>
         </p:txBody>
@@ -5486,7 +5696,7 @@
                   <a:schemeClr val="bg1"/>
                 </a:solidFill>
               </a:rPr>
-              <a:t>4/5</a:t>
+              <a:t>2/6</a:t>
             </a:r>
           </a:p>
         </p:txBody>
@@ -5494,7 +5704,7 @@
     </p:spTree>
     <p:extLst>
       <p:ext uri="{BB962C8B-B14F-4D97-AF65-F5344CB8AC3E}">
-        <p14:creationId xmlns:p14="http://schemas.microsoft.com/office/powerpoint/2010/main" val="918880120"/>
+        <p14:creationId xmlns:p14="http://schemas.microsoft.com/office/powerpoint/2010/main" val="3262864803"/>
       </p:ext>
     </p:extLst>
   </p:cSld>
@@ -5544,22 +5754,82 @@
           <a:lstStyle/>
           <a:p>
             <a:r>
-              <a:rPr lang="en-GB" sz="4800" dirty="0">
-                <a:solidFill>
-                  <a:schemeClr val="bg1"/>
-                </a:solidFill>
-              </a:rPr>
-              <a:t>Bear your cross as you wait for the crown</a:t>
-            </a:r>
-          </a:p>
-          <a:p>
-            <a:r>
-              <a:rPr lang="en-GB" sz="4800" dirty="0">
-                <a:solidFill>
-                  <a:schemeClr val="bg1"/>
-                </a:solidFill>
-              </a:rPr>
-              <a:t>Tell the world of the treasure you've found</a:t>
+              <a:rPr lang="en-GB" sz="4000" dirty="0">
+                <a:solidFill>
+                  <a:schemeClr val="bg1"/>
+                </a:solidFill>
+              </a:rPr>
+              <a:t>And age to age He stands</a:t>
+            </a:r>
+          </a:p>
+          <a:p>
+            <a:r>
+              <a:rPr lang="en-GB" sz="4000" dirty="0">
+                <a:solidFill>
+                  <a:schemeClr val="bg1"/>
+                </a:solidFill>
+              </a:rPr>
+              <a:t>And time is in His hands</a:t>
+            </a:r>
+          </a:p>
+          <a:p>
+            <a:r>
+              <a:rPr lang="en-GB" sz="4000" dirty="0">
+                <a:solidFill>
+                  <a:schemeClr val="bg1"/>
+                </a:solidFill>
+              </a:rPr>
+              <a:t>Beginning and the End</a:t>
+            </a:r>
+          </a:p>
+          <a:p>
+            <a:r>
+              <a:rPr lang="en-GB" sz="4000" dirty="0">
+                <a:solidFill>
+                  <a:schemeClr val="bg1"/>
+                </a:solidFill>
+              </a:rPr>
+              <a:t>Beginning and the End</a:t>
+            </a:r>
+          </a:p>
+          <a:p>
+            <a:r>
+              <a:rPr lang="en-GB" sz="4000" dirty="0">
+                <a:solidFill>
+                  <a:schemeClr val="bg1"/>
+                </a:solidFill>
+              </a:rPr>
+              <a:t>The Godhead three in one</a:t>
+            </a:r>
+          </a:p>
+          <a:p>
+            <a:r>
+              <a:rPr lang="en-GB" sz="4000" dirty="0">
+                <a:solidFill>
+                  <a:schemeClr val="bg1"/>
+                </a:solidFill>
+              </a:rPr>
+              <a:t>Father Spirit Son</a:t>
+            </a:r>
+          </a:p>
+          <a:p>
+            <a:r>
+              <a:rPr lang="en-GB" sz="4000" dirty="0">
+                <a:solidFill>
+                  <a:schemeClr val="bg1"/>
+                </a:solidFill>
+              </a:rPr>
+              <a:t>The Lion and the Lamb</a:t>
+            </a:r>
+          </a:p>
+          <a:p>
+            <a:r>
+              <a:rPr lang="en-GB" sz="4000" dirty="0">
+                <a:solidFill>
+                  <a:schemeClr val="bg1"/>
+                </a:solidFill>
+              </a:rPr>
+              <a:t>The Lion and the Lamb</a:t>
             </a:r>
           </a:p>
         </p:txBody>
@@ -5592,7 +5862,7 @@
                   <a:schemeClr val="bg1"/>
                 </a:solidFill>
               </a:rPr>
-              <a:t>5/5</a:t>
+              <a:t>3/6</a:t>
             </a:r>
           </a:p>
         </p:txBody>
@@ -5600,7 +5870,7 @@
     </p:spTree>
     <p:extLst>
       <p:ext uri="{BB962C8B-B14F-4D97-AF65-F5344CB8AC3E}">
-        <p14:creationId xmlns:p14="http://schemas.microsoft.com/office/powerpoint/2010/main" val="3917964492"/>
+        <p14:creationId xmlns:p14="http://schemas.microsoft.com/office/powerpoint/2010/main" val="298331257"/>
       </p:ext>
     </p:extLst>
   </p:cSld>
@@ -5649,163 +5919,86 @@
           </a:bodyPr>
           <a:lstStyle/>
           <a:p>
-            <a:endParaRPr lang="en-GB" sz="5400" dirty="0">
-              <a:solidFill>
-                <a:schemeClr val="bg1"/>
-              </a:solidFill>
-            </a:endParaRPr>
-          </a:p>
-          <a:p>
-            <a:r>
-              <a:rPr lang="en-GB" sz="6600" b="0" i="0" dirty="0">
-                <a:solidFill>
-                  <a:srgbClr val="00A3E0"/>
-                </a:solidFill>
-                <a:effectLst/>
-                <a:latin typeface="akagi_probook"/>
-              </a:rPr>
-              <a:t>How Great Is Our God</a:t>
-            </a:r>
-          </a:p>
-          <a:p>
-            <a:r>
-              <a:rPr lang="en-GB" sz="1200" dirty="0">
-                <a:solidFill>
-                  <a:schemeClr val="bg1"/>
-                </a:solidFill>
-              </a:rPr>
-              <a:t>CCLI Song # 4348399</a:t>
-            </a:r>
-          </a:p>
-          <a:p>
-            <a:endParaRPr lang="en-GB" sz="1200" dirty="0">
-              <a:solidFill>
-                <a:schemeClr val="bg1"/>
-              </a:solidFill>
-            </a:endParaRPr>
-          </a:p>
-          <a:p>
-            <a:r>
-              <a:rPr lang="en-GB" sz="1200" dirty="0">
-                <a:solidFill>
-                  <a:schemeClr val="bg1"/>
-                </a:solidFill>
-              </a:rPr>
-              <a:t>Chris Tomlin | Ed Cash | Jesse Reeves</a:t>
-            </a:r>
-          </a:p>
-          <a:p>
-            <a:endParaRPr lang="en-GB" sz="1200" dirty="0">
-              <a:solidFill>
-                <a:schemeClr val="bg1"/>
-              </a:solidFill>
-            </a:endParaRPr>
-          </a:p>
-          <a:p>
-            <a:r>
-              <a:rPr lang="en-GB" sz="1200" dirty="0">
-                <a:solidFill>
-                  <a:schemeClr val="bg1"/>
-                </a:solidFill>
-              </a:rPr>
-              <a:t>© 2004 </a:t>
-            </a:r>
-            <a:r>
-              <a:rPr lang="en-GB" sz="1200" dirty="0" err="1">
-                <a:solidFill>
-                  <a:schemeClr val="bg1"/>
-                </a:solidFill>
-              </a:rPr>
-              <a:t>sixsteps</a:t>
-            </a:r>
-            <a:r>
-              <a:rPr lang="en-GB" sz="1200" dirty="0">
-                <a:solidFill>
-                  <a:schemeClr val="bg1"/>
-                </a:solidFill>
-              </a:rPr>
-              <a:t> Music (Admin. by Integrity Music Ltd)</a:t>
-            </a:r>
-          </a:p>
-          <a:p>
-            <a:r>
-              <a:rPr lang="en-GB" sz="1200" dirty="0" err="1">
-                <a:solidFill>
-                  <a:schemeClr val="bg1"/>
-                </a:solidFill>
-              </a:rPr>
-              <a:t>Vamos</a:t>
-            </a:r>
-            <a:r>
-              <a:rPr lang="en-GB" sz="1200" dirty="0">
-                <a:solidFill>
-                  <a:schemeClr val="bg1"/>
-                </a:solidFill>
-              </a:rPr>
-              <a:t> Publishing (Admin. by Integrity Music Ltd)</a:t>
-            </a:r>
-          </a:p>
-          <a:p>
-            <a:r>
-              <a:rPr lang="en-GB" sz="1200" dirty="0">
-                <a:solidFill>
-                  <a:schemeClr val="bg1"/>
-                </a:solidFill>
-              </a:rPr>
-              <a:t>worshiptogether.com songs (Admin. by Integrity Music Ltd)</a:t>
-            </a:r>
-          </a:p>
-          <a:p>
-            <a:r>
-              <a:rPr lang="en-GB" sz="1200" dirty="0">
-                <a:solidFill>
-                  <a:schemeClr val="bg1"/>
-                </a:solidFill>
-              </a:rPr>
-              <a:t>Wondrously Made Songs (Admin. by Song Solutions www.songsolutions.org)</a:t>
-            </a:r>
-          </a:p>
-          <a:p>
-            <a:r>
-              <a:rPr lang="en-GB" sz="1200" dirty="0">
-                <a:solidFill>
-                  <a:schemeClr val="bg1"/>
-                </a:solidFill>
-              </a:rPr>
-              <a:t>For use solely with the </a:t>
-            </a:r>
-            <a:r>
-              <a:rPr lang="en-GB" sz="1200" dirty="0" err="1">
-                <a:solidFill>
-                  <a:schemeClr val="bg1"/>
-                </a:solidFill>
-              </a:rPr>
-              <a:t>SongSelect</a:t>
-            </a:r>
-            <a:r>
-              <a:rPr lang="en-GB" sz="1200" dirty="0">
-                <a:solidFill>
-                  <a:schemeClr val="bg1"/>
-                </a:solidFill>
-              </a:rPr>
-              <a:t>® Terms of Use. All rights reserved. www.ccli.com</a:t>
-            </a:r>
-          </a:p>
-          <a:p>
-            <a:endParaRPr lang="en-GB" sz="1200" dirty="0">
-              <a:solidFill>
-                <a:schemeClr val="bg1"/>
-              </a:solidFill>
-            </a:endParaRPr>
-          </a:p>
-          <a:p>
-            <a:r>
-              <a:rPr lang="en-GB" sz="1200" dirty="0">
-                <a:solidFill>
-                  <a:schemeClr val="bg1"/>
-                </a:solidFill>
-              </a:rPr>
-              <a:t>CCLI Licence No. 33265</a:t>
+            <a:r>
+              <a:rPr lang="en-GB" sz="4000" dirty="0">
+                <a:solidFill>
+                  <a:schemeClr val="bg1"/>
+                </a:solidFill>
+              </a:rPr>
+              <a:t>How great is our God</a:t>
+            </a:r>
+          </a:p>
+          <a:p>
+            <a:r>
+              <a:rPr lang="en-GB" sz="4000" dirty="0">
+                <a:solidFill>
+                  <a:schemeClr val="bg1"/>
+                </a:solidFill>
+              </a:rPr>
+              <a:t>Sing with me</a:t>
+            </a:r>
+          </a:p>
+          <a:p>
+            <a:r>
+              <a:rPr lang="en-GB" sz="4000" dirty="0">
+                <a:solidFill>
+                  <a:schemeClr val="bg1"/>
+                </a:solidFill>
+              </a:rPr>
+              <a:t>How great is our God</a:t>
+            </a:r>
+          </a:p>
+          <a:p>
+            <a:r>
+              <a:rPr lang="en-GB" sz="4000" dirty="0">
+                <a:solidFill>
+                  <a:schemeClr val="bg1"/>
+                </a:solidFill>
+              </a:rPr>
+              <a:t>And all will see how great</a:t>
+            </a:r>
+          </a:p>
+          <a:p>
+            <a:r>
+              <a:rPr lang="en-GB" sz="4000" dirty="0">
+                <a:solidFill>
+                  <a:schemeClr val="bg1"/>
+                </a:solidFill>
+              </a:rPr>
+              <a:t>How great is our God</a:t>
+            </a:r>
+          </a:p>
+        </p:txBody>
+      </p:sp>
+      <p:sp>
+        <p:nvSpPr>
+          <p:cNvPr id="4" name="TextBox 3"/>
+          <p:cNvSpPr txBox="1"/>
+          <p:nvPr/>
+        </p:nvSpPr>
+        <p:spPr>
+          <a:xfrm>
+            <a:off x="8529729" y="0"/>
+            <a:ext cx="628698" cy="461665"/>
+          </a:xfrm>
+          <a:prstGeom prst="rect">
+            <a:avLst/>
+          </a:prstGeom>
+          <a:noFill/>
+        </p:spPr>
+        <p:txBody>
+          <a:bodyPr wrap="none" rtlCol="0">
+            <a:spAutoFit/>
+          </a:bodyPr>
+          <a:lstStyle/>
+          <a:p>
+            <a:r>
+              <a:rPr lang="en-GB" sz="2400" b="1" dirty="0">
+                <a:solidFill>
+                  <a:schemeClr val="bg1"/>
+                </a:solidFill>
+              </a:rPr>
+              <a:t>4/6</a:t>
             </a:r>
           </a:p>
         </p:txBody>
@@ -5813,7 +6006,7 @@
     </p:spTree>
     <p:extLst>
       <p:ext uri="{BB962C8B-B14F-4D97-AF65-F5344CB8AC3E}">
-        <p14:creationId xmlns:p14="http://schemas.microsoft.com/office/powerpoint/2010/main" val="1773072146"/>
+        <p14:creationId xmlns:p14="http://schemas.microsoft.com/office/powerpoint/2010/main" val="2763194335"/>
       </p:ext>
     </p:extLst>
   </p:cSld>
@@ -5868,7 +6061,7 @@
                   <a:schemeClr val="bg1"/>
                 </a:solidFill>
               </a:rPr>
-              <a:t>The splendour of the King</a:t>
+              <a:t>Name above all names</a:t>
             </a:r>
           </a:p>
           <a:p>
@@ -5878,7 +6071,7 @@
                   <a:schemeClr val="bg1"/>
                 </a:solidFill>
               </a:rPr>
-              <a:t>Clothed in majesty</a:t>
+              <a:t>Worthy of all praise</a:t>
             </a:r>
           </a:p>
           <a:p>
@@ -5888,7 +6081,7 @@
                   <a:schemeClr val="bg1"/>
                 </a:solidFill>
               </a:rPr>
-              <a:t>Let all the earth rejoice</a:t>
+              <a:t>My heart will sing</a:t>
             </a:r>
           </a:p>
           <a:p>
@@ -5898,47 +6091,7 @@
                   <a:schemeClr val="bg1"/>
                 </a:solidFill>
               </a:rPr>
-              <a:t>All the earth rejoice</a:t>
-            </a:r>
-          </a:p>
-          <a:p>
-            <a:r>
-              <a:rPr lang="en-GB" sz="4000" dirty="0">
-                <a:solidFill>
-                  <a:schemeClr val="bg1"/>
-                </a:solidFill>
-              </a:rPr>
-              <a:t>He wraps Himself in light</a:t>
-            </a:r>
-          </a:p>
-          <a:p>
-            <a:r>
-              <a:rPr lang="en-GB" sz="4000" dirty="0">
-                <a:solidFill>
-                  <a:schemeClr val="bg1"/>
-                </a:solidFill>
-              </a:rPr>
-              <a:t>And darkness tries to hide</a:t>
-            </a:r>
-          </a:p>
-          <a:p>
-            <a:r>
-              <a:rPr lang="en-GB" sz="4000" dirty="0">
-                <a:solidFill>
-                  <a:schemeClr val="bg1"/>
-                </a:solidFill>
-              </a:rPr>
-              <a:t>And trembles at His voice</a:t>
-            </a:r>
-          </a:p>
-          <a:p>
-            <a:r>
-              <a:rPr lang="en-GB" sz="4000" dirty="0">
-                <a:solidFill>
-                  <a:schemeClr val="bg1"/>
-                </a:solidFill>
-              </a:rPr>
-              <a:t>And trembles at His voice</a:t>
+              <a:t>How great is our God</a:t>
             </a:r>
           </a:p>
         </p:txBody>
@@ -5971,7 +6124,7 @@
                   <a:schemeClr val="bg1"/>
                 </a:solidFill>
               </a:rPr>
-              <a:t>1/5</a:t>
+              <a:t>5/6</a:t>
             </a:r>
           </a:p>
         </p:txBody>
@@ -5979,7 +6132,7 @@
     </p:spTree>
     <p:extLst>
       <p:ext uri="{BB962C8B-B14F-4D97-AF65-F5344CB8AC3E}">
-        <p14:creationId xmlns:p14="http://schemas.microsoft.com/office/powerpoint/2010/main" val="2534452881"/>
+        <p14:creationId xmlns:p14="http://schemas.microsoft.com/office/powerpoint/2010/main" val="2321321590"/>
       </p:ext>
     </p:extLst>
   </p:cSld>
@@ -6034,7 +6187,7 @@
                   <a:schemeClr val="bg1"/>
                 </a:solidFill>
               </a:rPr>
-              <a:t>How great is our God</a:t>
+              <a:t>Then sings my soul, </a:t>
             </a:r>
           </a:p>
           <a:p>
@@ -6044,7 +6197,7 @@
                   <a:schemeClr val="bg1"/>
                 </a:solidFill>
               </a:rPr>
-              <a:t>Sing with me</a:t>
+              <a:t>My Saviour God, to Thee, </a:t>
             </a:r>
           </a:p>
           <a:p>
@@ -6054,7 +6207,7 @@
                   <a:schemeClr val="bg1"/>
                 </a:solidFill>
               </a:rPr>
-              <a:t>How great is our God</a:t>
+              <a:t>How great Thou art, </a:t>
             </a:r>
           </a:p>
           <a:p>
@@ -6064,7 +6217,7 @@
                   <a:schemeClr val="bg1"/>
                 </a:solidFill>
               </a:rPr>
-              <a:t>And all will see how great</a:t>
+              <a:t>How great Thou art.</a:t>
             </a:r>
           </a:p>
           <a:p>
@@ -6074,7 +6227,37 @@
                   <a:schemeClr val="bg1"/>
                 </a:solidFill>
               </a:rPr>
-              <a:t>How great is our God</a:t>
+              <a:t>Then sings my soul, </a:t>
+            </a:r>
+          </a:p>
+          <a:p>
+            <a:r>
+              <a:rPr lang="en-GB" sz="4000" dirty="0">
+                <a:solidFill>
+                  <a:schemeClr val="bg1"/>
+                </a:solidFill>
+              </a:rPr>
+              <a:t>My Saviour God, to Thee, </a:t>
+            </a:r>
+          </a:p>
+          <a:p>
+            <a:r>
+              <a:rPr lang="en-GB" sz="4000" dirty="0">
+                <a:solidFill>
+                  <a:schemeClr val="bg1"/>
+                </a:solidFill>
+              </a:rPr>
+              <a:t>How great Thou art, </a:t>
+            </a:r>
+          </a:p>
+          <a:p>
+            <a:r>
+              <a:rPr lang="en-GB" sz="4000" dirty="0">
+                <a:solidFill>
+                  <a:schemeClr val="bg1"/>
+                </a:solidFill>
+              </a:rPr>
+              <a:t>How great Thou art! </a:t>
             </a:r>
           </a:p>
         </p:txBody>
@@ -6107,7 +6290,7 @@
                   <a:schemeClr val="bg1"/>
                 </a:solidFill>
               </a:rPr>
-              <a:t>2/5</a:t>
+              <a:t>6/6</a:t>
             </a:r>
           </a:p>
         </p:txBody>
@@ -6115,7 +6298,7 @@
     </p:spTree>
     <p:extLst>
       <p:ext uri="{BB962C8B-B14F-4D97-AF65-F5344CB8AC3E}">
-        <p14:creationId xmlns:p14="http://schemas.microsoft.com/office/powerpoint/2010/main" val="900559445"/>
+        <p14:creationId xmlns:p14="http://schemas.microsoft.com/office/powerpoint/2010/main" val="1316225445"/>
       </p:ext>
     </p:extLst>
   </p:cSld>
@@ -6164,116 +6347,138 @@
           </a:bodyPr>
           <a:lstStyle/>
           <a:p>
-            <a:r>
-              <a:rPr lang="en-GB" sz="4000" dirty="0">
-                <a:solidFill>
-                  <a:schemeClr val="bg1"/>
-                </a:solidFill>
-              </a:rPr>
-              <a:t>And age to age He stands</a:t>
-            </a:r>
-          </a:p>
-          <a:p>
-            <a:r>
-              <a:rPr lang="en-GB" sz="4000" dirty="0">
-                <a:solidFill>
-                  <a:schemeClr val="bg1"/>
-                </a:solidFill>
-              </a:rPr>
-              <a:t>And time is in His hands</a:t>
-            </a:r>
-          </a:p>
-          <a:p>
-            <a:r>
-              <a:rPr lang="en-GB" sz="4000" dirty="0">
-                <a:solidFill>
-                  <a:schemeClr val="bg1"/>
-                </a:solidFill>
-              </a:rPr>
-              <a:t>Beginning and the End</a:t>
-            </a:r>
-          </a:p>
-          <a:p>
-            <a:r>
-              <a:rPr lang="en-GB" sz="4000" dirty="0">
-                <a:solidFill>
-                  <a:schemeClr val="bg1"/>
-                </a:solidFill>
-              </a:rPr>
-              <a:t>Beginning and the End</a:t>
-            </a:r>
-          </a:p>
-          <a:p>
-            <a:r>
-              <a:rPr lang="en-GB" sz="4000" dirty="0">
-                <a:solidFill>
-                  <a:schemeClr val="bg1"/>
-                </a:solidFill>
-              </a:rPr>
-              <a:t>The Godhead three in one</a:t>
-            </a:r>
-          </a:p>
-          <a:p>
-            <a:r>
-              <a:rPr lang="en-GB" sz="4000" dirty="0">
-                <a:solidFill>
-                  <a:schemeClr val="bg1"/>
-                </a:solidFill>
-              </a:rPr>
-              <a:t>Father Spirit Son</a:t>
-            </a:r>
-          </a:p>
-          <a:p>
-            <a:r>
-              <a:rPr lang="en-GB" sz="4000" dirty="0">
-                <a:solidFill>
-                  <a:schemeClr val="bg1"/>
-                </a:solidFill>
-              </a:rPr>
-              <a:t>The Lion and the Lamb</a:t>
-            </a:r>
-          </a:p>
-          <a:p>
-            <a:r>
-              <a:rPr lang="en-GB" sz="4000" dirty="0">
-                <a:solidFill>
-                  <a:schemeClr val="bg1"/>
-                </a:solidFill>
-              </a:rPr>
-              <a:t>The Lion and the Lamb</a:t>
-            </a:r>
-          </a:p>
-        </p:txBody>
-      </p:sp>
-      <p:sp>
-        <p:nvSpPr>
-          <p:cNvPr id="4" name="TextBox 3"/>
-          <p:cNvSpPr txBox="1"/>
-          <p:nvPr/>
-        </p:nvSpPr>
-        <p:spPr>
-          <a:xfrm>
-            <a:off x="8529729" y="0"/>
-            <a:ext cx="628698" cy="461665"/>
-          </a:xfrm>
-          <a:prstGeom prst="rect">
-            <a:avLst/>
-          </a:prstGeom>
-          <a:noFill/>
-        </p:spPr>
-        <p:txBody>
-          <a:bodyPr wrap="none" rtlCol="0">
-            <a:spAutoFit/>
-          </a:bodyPr>
-          <a:lstStyle/>
-          <a:p>
-            <a:r>
-              <a:rPr lang="en-GB" sz="2400" b="1" dirty="0">
-                <a:solidFill>
-                  <a:schemeClr val="bg1"/>
-                </a:solidFill>
-              </a:rPr>
-              <a:t>3/5</a:t>
+            <a:endParaRPr lang="en-GB" sz="5400" dirty="0">
+              <a:solidFill>
+                <a:schemeClr val="bg1"/>
+              </a:solidFill>
+            </a:endParaRPr>
+          </a:p>
+          <a:p>
+            <a:r>
+              <a:rPr lang="en-GB" sz="6600" b="0" i="0" dirty="0">
+                <a:solidFill>
+                  <a:srgbClr val="00A3E0"/>
+                </a:solidFill>
+                <a:effectLst/>
+                <a:latin typeface="akagi_probook"/>
+              </a:rPr>
+              <a:t>O Come </a:t>
+            </a:r>
+            <a:r>
+              <a:rPr lang="en-GB" sz="6600" dirty="0">
+                <a:solidFill>
+                  <a:srgbClr val="00A3E0"/>
+                </a:solidFill>
+                <a:latin typeface="akagi_probook"/>
+              </a:rPr>
+              <a:t>To The Altar</a:t>
+            </a:r>
+          </a:p>
+          <a:p>
+            <a:br>
+              <a:rPr lang="en-GB" sz="1200" dirty="0">
+                <a:solidFill>
+                  <a:schemeClr val="bg1"/>
+                </a:solidFill>
+              </a:rPr>
+            </a:br>
+            <a:r>
+              <a:rPr lang="en-GB" sz="1200" dirty="0">
+                <a:solidFill>
+                  <a:schemeClr val="bg1"/>
+                </a:solidFill>
+              </a:rPr>
+              <a:t>CCLI Song # 7051511</a:t>
+            </a:r>
+          </a:p>
+          <a:p>
+            <a:endParaRPr lang="en-GB" sz="1200" dirty="0">
+              <a:solidFill>
+                <a:schemeClr val="bg1"/>
+              </a:solidFill>
+            </a:endParaRPr>
+          </a:p>
+          <a:p>
+            <a:r>
+              <a:rPr lang="en-GB" sz="1200" dirty="0">
+                <a:solidFill>
+                  <a:schemeClr val="bg1"/>
+                </a:solidFill>
+              </a:rPr>
+              <a:t>Chris Brown | Mack Brock | Steven Furtick | Wade </a:t>
+            </a:r>
+            <a:r>
+              <a:rPr lang="en-GB" sz="1200" dirty="0" err="1">
+                <a:solidFill>
+                  <a:schemeClr val="bg1"/>
+                </a:solidFill>
+              </a:rPr>
+              <a:t>Joye</a:t>
+            </a:r>
+            <a:endParaRPr lang="en-GB" sz="1200" dirty="0">
+              <a:solidFill>
+                <a:schemeClr val="bg1"/>
+              </a:solidFill>
+            </a:endParaRPr>
+          </a:p>
+          <a:p>
+            <a:endParaRPr lang="en-GB" sz="1200" dirty="0">
+              <a:solidFill>
+                <a:schemeClr val="bg1"/>
+              </a:solidFill>
+            </a:endParaRPr>
+          </a:p>
+          <a:p>
+            <a:r>
+              <a:rPr lang="en-GB" sz="1200" dirty="0">
+                <a:solidFill>
+                  <a:schemeClr val="bg1"/>
+                </a:solidFill>
+              </a:rPr>
+              <a:t>© 2015 Music by Elevation Worship Publishing (Admin. by Essential Music Publishing LLC)</a:t>
+            </a:r>
+          </a:p>
+          <a:p>
+            <a:r>
+              <a:rPr lang="en-GB" sz="1200" dirty="0">
+                <a:solidFill>
+                  <a:schemeClr val="bg1"/>
+                </a:solidFill>
+              </a:rPr>
+              <a:t>For use solely with the </a:t>
+            </a:r>
+            <a:r>
+              <a:rPr lang="en-GB" sz="1200" dirty="0" err="1">
+                <a:solidFill>
+                  <a:schemeClr val="bg1"/>
+                </a:solidFill>
+              </a:rPr>
+              <a:t>SongSelect</a:t>
+            </a:r>
+            <a:r>
+              <a:rPr lang="en-GB" sz="1200" dirty="0">
+                <a:solidFill>
+                  <a:schemeClr val="bg1"/>
+                </a:solidFill>
+              </a:rPr>
+              <a:t>® Terms of Use. All rights reserved. www.ccli.com</a:t>
+            </a:r>
+          </a:p>
+          <a:p>
+            <a:endParaRPr lang="en-GB" sz="1200" dirty="0">
+              <a:solidFill>
+                <a:schemeClr val="bg1"/>
+              </a:solidFill>
+            </a:endParaRPr>
+          </a:p>
+          <a:p>
+            <a:r>
+              <a:rPr lang="en-GB" sz="1200" dirty="0">
+                <a:solidFill>
+                  <a:schemeClr val="bg1"/>
+                </a:solidFill>
+              </a:rPr>
+              <a:t>CCLI Licence No. 33265</a:t>
             </a:r>
           </a:p>
         </p:txBody>
@@ -6281,7 +6486,7 @@
     </p:spTree>
     <p:extLst>
       <p:ext uri="{BB962C8B-B14F-4D97-AF65-F5344CB8AC3E}">
-        <p14:creationId xmlns:p14="http://schemas.microsoft.com/office/powerpoint/2010/main" val="2228116576"/>
+        <p14:creationId xmlns:p14="http://schemas.microsoft.com/office/powerpoint/2010/main" val="3366877666"/>
       </p:ext>
     </p:extLst>
   </p:cSld>
@@ -6331,52 +6536,62 @@
           <a:lstStyle/>
           <a:p>
             <a:r>
-              <a:rPr lang="en-GB" sz="4000" dirty="0">
-                <a:solidFill>
-                  <a:schemeClr val="bg1"/>
-                </a:solidFill>
-              </a:rPr>
-              <a:t>How great is our God</a:t>
-            </a:r>
-          </a:p>
-          <a:p>
-            <a:r>
-              <a:rPr lang="en-GB" sz="4000" dirty="0">
-                <a:solidFill>
-                  <a:schemeClr val="bg1"/>
-                </a:solidFill>
-              </a:rPr>
-              <a:t>Sing with me</a:t>
-            </a:r>
-          </a:p>
-          <a:p>
-            <a:r>
-              <a:rPr lang="en-GB" sz="4000" dirty="0">
-                <a:solidFill>
-                  <a:schemeClr val="bg1"/>
-                </a:solidFill>
-              </a:rPr>
-              <a:t>How great is our God</a:t>
-            </a:r>
-          </a:p>
-          <a:p>
-            <a:r>
-              <a:rPr lang="en-GB" sz="4000" dirty="0">
-                <a:solidFill>
-                  <a:schemeClr val="bg1"/>
-                </a:solidFill>
-              </a:rPr>
-              <a:t>And all will see how great</a:t>
-            </a:r>
-          </a:p>
-          <a:p>
-            <a:r>
-              <a:rPr lang="en-GB" sz="4000" dirty="0">
-                <a:solidFill>
-                  <a:schemeClr val="bg1"/>
-                </a:solidFill>
-              </a:rPr>
-              <a:t>How great is our God</a:t>
+              <a:rPr lang="en-GB" sz="4300" dirty="0">
+                <a:solidFill>
+                  <a:schemeClr val="bg1"/>
+                </a:solidFill>
+              </a:rPr>
+              <a:t>Are you hurting and broken within</a:t>
+            </a:r>
+          </a:p>
+          <a:p>
+            <a:r>
+              <a:rPr lang="en-GB" sz="4300" dirty="0">
+                <a:solidFill>
+                  <a:schemeClr val="bg1"/>
+                </a:solidFill>
+              </a:rPr>
+              <a:t>Overwhelmed by the weight of your sin</a:t>
+            </a:r>
+          </a:p>
+          <a:p>
+            <a:r>
+              <a:rPr lang="en-GB" sz="4300" dirty="0">
+                <a:solidFill>
+                  <a:schemeClr val="bg1"/>
+                </a:solidFill>
+              </a:rPr>
+              <a:t>Jesus is calling</a:t>
+            </a:r>
+          </a:p>
+          <a:p>
+            <a:r>
+              <a:rPr lang="en-GB" sz="4300" dirty="0">
+                <a:solidFill>
+                  <a:schemeClr val="bg1"/>
+                </a:solidFill>
+              </a:rPr>
+              <a:t>Have you come to the end of yourself</a:t>
+            </a:r>
+          </a:p>
+          <a:p>
+            <a:r>
+              <a:rPr lang="en-GB" sz="4300" dirty="0">
+                <a:solidFill>
+                  <a:schemeClr val="bg1"/>
+                </a:solidFill>
+              </a:rPr>
+              <a:t>Do you thirst for a drink from the well</a:t>
+            </a:r>
+          </a:p>
+          <a:p>
+            <a:r>
+              <a:rPr lang="en-GB" sz="4300" dirty="0">
+                <a:solidFill>
+                  <a:schemeClr val="bg1"/>
+                </a:solidFill>
+              </a:rPr>
+              <a:t>Jesus is calling</a:t>
             </a:r>
           </a:p>
         </p:txBody>
@@ -6409,7 +6624,7 @@
                   <a:schemeClr val="bg1"/>
                 </a:solidFill>
               </a:rPr>
-              <a:t>4/5</a:t>
+              <a:t>1/5</a:t>
             </a:r>
           </a:p>
         </p:txBody>
@@ -6417,7 +6632,7 @@
     </p:spTree>
     <p:extLst>
       <p:ext uri="{BB962C8B-B14F-4D97-AF65-F5344CB8AC3E}">
-        <p14:creationId xmlns:p14="http://schemas.microsoft.com/office/powerpoint/2010/main" val="803202166"/>
+        <p14:creationId xmlns:p14="http://schemas.microsoft.com/office/powerpoint/2010/main" val="3238900613"/>
       </p:ext>
     </p:extLst>
   </p:cSld>
@@ -6593,42 +6808,42 @@
           <a:lstStyle/>
           <a:p>
             <a:r>
-              <a:rPr lang="en-GB" sz="4000" dirty="0">
-                <a:solidFill>
-                  <a:schemeClr val="bg1"/>
-                </a:solidFill>
-              </a:rPr>
-              <a:t>Name above all names</a:t>
-            </a:r>
-          </a:p>
-          <a:p>
-            <a:r>
-              <a:rPr lang="en-GB" sz="4000" dirty="0">
-                <a:solidFill>
-                  <a:schemeClr val="bg1"/>
-                </a:solidFill>
-              </a:rPr>
-              <a:t>Worthy of all praise</a:t>
-            </a:r>
-          </a:p>
-          <a:p>
-            <a:r>
-              <a:rPr lang="en-GB" sz="4000" dirty="0">
-                <a:solidFill>
-                  <a:schemeClr val="bg1"/>
-                </a:solidFill>
-              </a:rPr>
-              <a:t>My heart will sing</a:t>
-            </a:r>
-          </a:p>
-          <a:p>
-            <a:r>
-              <a:rPr lang="en-GB" sz="4000" dirty="0">
-                <a:solidFill>
-                  <a:schemeClr val="bg1"/>
-                </a:solidFill>
-              </a:rPr>
-              <a:t>How great is our God</a:t>
+              <a:rPr lang="en-GB" sz="5400" dirty="0">
+                <a:solidFill>
+                  <a:schemeClr val="bg1"/>
+                </a:solidFill>
+              </a:rPr>
+              <a:t>O come to the altar</a:t>
+            </a:r>
+          </a:p>
+          <a:p>
+            <a:r>
+              <a:rPr lang="en-GB" sz="5400" dirty="0">
+                <a:solidFill>
+                  <a:schemeClr val="bg1"/>
+                </a:solidFill>
+              </a:rPr>
+              <a:t>The Father's arms are open wide</a:t>
+            </a:r>
+          </a:p>
+          <a:p>
+            <a:r>
+              <a:rPr lang="en-GB" sz="5400" dirty="0">
+                <a:solidFill>
+                  <a:schemeClr val="bg1"/>
+                </a:solidFill>
+              </a:rPr>
+              <a:t>Forgiveness was bought with</a:t>
+            </a:r>
+          </a:p>
+          <a:p>
+            <a:r>
+              <a:rPr lang="en-GB" sz="5400" dirty="0">
+                <a:solidFill>
+                  <a:schemeClr val="bg1"/>
+                </a:solidFill>
+              </a:rPr>
+              <a:t>The precious blood of Jesus Christ</a:t>
             </a:r>
           </a:p>
         </p:txBody>
@@ -6661,7 +6876,7 @@
                   <a:schemeClr val="bg1"/>
                 </a:solidFill>
               </a:rPr>
-              <a:t>5/5</a:t>
+              <a:t>2/5</a:t>
             </a:r>
           </a:p>
         </p:txBody>
@@ -6669,7 +6884,418 @@
     </p:spTree>
     <p:extLst>
       <p:ext uri="{BB962C8B-B14F-4D97-AF65-F5344CB8AC3E}">
-        <p14:creationId xmlns:p14="http://schemas.microsoft.com/office/powerpoint/2010/main" val="4137185816"/>
+        <p14:creationId xmlns:p14="http://schemas.microsoft.com/office/powerpoint/2010/main" val="1563839107"/>
+      </p:ext>
+    </p:extLst>
+  </p:cSld>
+  <p:clrMapOvr>
+    <a:masterClrMapping/>
+  </p:clrMapOvr>
+</p:sld>
+</file>
+
+<file path=ppt/slides/slide31.xml><?xml version="1.0" encoding="utf-8"?>
+<p:sld xmlns:a="http://schemas.openxmlformats.org/drawingml/2006/main" xmlns:r="http://schemas.openxmlformats.org/officeDocument/2006/relationships" xmlns:p="http://schemas.openxmlformats.org/presentationml/2006/main">
+  <p:cSld>
+    <p:spTree>
+      <p:nvGrpSpPr>
+        <p:cNvPr id="1" name=""/>
+        <p:cNvGrpSpPr/>
+        <p:nvPr/>
+      </p:nvGrpSpPr>
+      <p:grpSpPr>
+        <a:xfrm>
+          <a:off x="0" y="0"/>
+          <a:ext cx="0" cy="0"/>
+          <a:chOff x="0" y="0"/>
+          <a:chExt cx="0" cy="0"/>
+        </a:xfrm>
+      </p:grpSpPr>
+      <p:sp>
+        <p:nvSpPr>
+          <p:cNvPr id="3" name="Subtitle 2"/>
+          <p:cNvSpPr>
+            <a:spLocks noGrp="1"/>
+          </p:cNvSpPr>
+          <p:nvPr>
+            <p:ph type="subTitle" idx="1"/>
+          </p:nvPr>
+        </p:nvSpPr>
+        <p:spPr>
+          <a:xfrm>
+            <a:off x="323528" y="188640"/>
+            <a:ext cx="8640960" cy="6480720"/>
+          </a:xfrm>
+        </p:spPr>
+        <p:txBody>
+          <a:bodyPr>
+            <a:noAutofit/>
+          </a:bodyPr>
+          <a:lstStyle/>
+          <a:p>
+            <a:r>
+              <a:rPr lang="en-GB" sz="4300" dirty="0">
+                <a:solidFill>
+                  <a:schemeClr val="bg1"/>
+                </a:solidFill>
+              </a:rPr>
+              <a:t>Leave behind your regrets and mistakes</a:t>
+            </a:r>
+          </a:p>
+          <a:p>
+            <a:r>
+              <a:rPr lang="en-GB" sz="4300" dirty="0">
+                <a:solidFill>
+                  <a:schemeClr val="bg1"/>
+                </a:solidFill>
+              </a:rPr>
+              <a:t>Come today there's no reason to wait</a:t>
+            </a:r>
+          </a:p>
+          <a:p>
+            <a:r>
+              <a:rPr lang="en-GB" sz="4300" dirty="0">
+                <a:solidFill>
+                  <a:schemeClr val="bg1"/>
+                </a:solidFill>
+              </a:rPr>
+              <a:t>Jesus is calling</a:t>
+            </a:r>
+          </a:p>
+          <a:p>
+            <a:r>
+              <a:rPr lang="en-GB" sz="4300" dirty="0">
+                <a:solidFill>
+                  <a:schemeClr val="bg1"/>
+                </a:solidFill>
+              </a:rPr>
+              <a:t>Bring your sorrows and trade them for joy</a:t>
+            </a:r>
+          </a:p>
+          <a:p>
+            <a:r>
+              <a:rPr lang="en-GB" sz="4300" dirty="0">
+                <a:solidFill>
+                  <a:schemeClr val="bg1"/>
+                </a:solidFill>
+              </a:rPr>
+              <a:t>From the ashes a new life is born</a:t>
+            </a:r>
+          </a:p>
+          <a:p>
+            <a:r>
+              <a:rPr lang="en-GB" sz="4300" dirty="0">
+                <a:solidFill>
+                  <a:schemeClr val="bg1"/>
+                </a:solidFill>
+              </a:rPr>
+              <a:t>Jesus is calling</a:t>
+            </a:r>
+          </a:p>
+        </p:txBody>
+      </p:sp>
+      <p:sp>
+        <p:nvSpPr>
+          <p:cNvPr id="4" name="TextBox 3"/>
+          <p:cNvSpPr txBox="1"/>
+          <p:nvPr/>
+        </p:nvSpPr>
+        <p:spPr>
+          <a:xfrm>
+            <a:off x="8529729" y="0"/>
+            <a:ext cx="628698" cy="461665"/>
+          </a:xfrm>
+          <a:prstGeom prst="rect">
+            <a:avLst/>
+          </a:prstGeom>
+          <a:noFill/>
+        </p:spPr>
+        <p:txBody>
+          <a:bodyPr wrap="none" rtlCol="0">
+            <a:spAutoFit/>
+          </a:bodyPr>
+          <a:lstStyle/>
+          <a:p>
+            <a:r>
+              <a:rPr lang="en-GB" sz="2400" b="1" dirty="0">
+                <a:solidFill>
+                  <a:schemeClr val="bg1"/>
+                </a:solidFill>
+              </a:rPr>
+              <a:t>3/5</a:t>
+            </a:r>
+          </a:p>
+        </p:txBody>
+      </p:sp>
+    </p:spTree>
+    <p:extLst>
+      <p:ext uri="{BB962C8B-B14F-4D97-AF65-F5344CB8AC3E}">
+        <p14:creationId xmlns:p14="http://schemas.microsoft.com/office/powerpoint/2010/main" val="673598182"/>
+      </p:ext>
+    </p:extLst>
+  </p:cSld>
+  <p:clrMapOvr>
+    <a:masterClrMapping/>
+  </p:clrMapOvr>
+</p:sld>
+</file>
+
+<file path=ppt/slides/slide32.xml><?xml version="1.0" encoding="utf-8"?>
+<p:sld xmlns:a="http://schemas.openxmlformats.org/drawingml/2006/main" xmlns:r="http://schemas.openxmlformats.org/officeDocument/2006/relationships" xmlns:p="http://schemas.openxmlformats.org/presentationml/2006/main">
+  <p:cSld>
+    <p:spTree>
+      <p:nvGrpSpPr>
+        <p:cNvPr id="1" name=""/>
+        <p:cNvGrpSpPr/>
+        <p:nvPr/>
+      </p:nvGrpSpPr>
+      <p:grpSpPr>
+        <a:xfrm>
+          <a:off x="0" y="0"/>
+          <a:ext cx="0" cy="0"/>
+          <a:chOff x="0" y="0"/>
+          <a:chExt cx="0" cy="0"/>
+        </a:xfrm>
+      </p:grpSpPr>
+      <p:sp>
+        <p:nvSpPr>
+          <p:cNvPr id="3" name="Subtitle 2"/>
+          <p:cNvSpPr>
+            <a:spLocks noGrp="1"/>
+          </p:cNvSpPr>
+          <p:nvPr>
+            <p:ph type="subTitle" idx="1"/>
+          </p:nvPr>
+        </p:nvSpPr>
+        <p:spPr>
+          <a:xfrm>
+            <a:off x="323528" y="188640"/>
+            <a:ext cx="8640960" cy="6480720"/>
+          </a:xfrm>
+        </p:spPr>
+        <p:txBody>
+          <a:bodyPr>
+            <a:noAutofit/>
+          </a:bodyPr>
+          <a:lstStyle/>
+          <a:p>
+            <a:r>
+              <a:rPr lang="en-GB" sz="4300" dirty="0">
+                <a:solidFill>
+                  <a:schemeClr val="bg1"/>
+                </a:solidFill>
+              </a:rPr>
+              <a:t>Oh what a </a:t>
+            </a:r>
+            <a:r>
+              <a:rPr lang="en-GB" sz="4300" dirty="0" err="1">
+                <a:solidFill>
+                  <a:schemeClr val="bg1"/>
+                </a:solidFill>
+              </a:rPr>
+              <a:t>Savior</a:t>
+            </a:r>
+            <a:endParaRPr lang="en-GB" sz="4300" dirty="0">
+              <a:solidFill>
+                <a:schemeClr val="bg1"/>
+              </a:solidFill>
+            </a:endParaRPr>
+          </a:p>
+          <a:p>
+            <a:r>
+              <a:rPr lang="en-GB" sz="4300" dirty="0">
+                <a:solidFill>
+                  <a:schemeClr val="bg1"/>
+                </a:solidFill>
+              </a:rPr>
+              <a:t>Isn't he wonderful</a:t>
+            </a:r>
+          </a:p>
+          <a:p>
+            <a:r>
+              <a:rPr lang="en-GB" sz="4300" dirty="0">
+                <a:solidFill>
+                  <a:schemeClr val="bg1"/>
+                </a:solidFill>
+              </a:rPr>
+              <a:t>Sing alleluia Christ is risen</a:t>
+            </a:r>
+          </a:p>
+          <a:p>
+            <a:r>
+              <a:rPr lang="en-GB" sz="4300" dirty="0">
+                <a:solidFill>
+                  <a:schemeClr val="bg1"/>
+                </a:solidFill>
+              </a:rPr>
+              <a:t>Bow down before him</a:t>
+            </a:r>
+          </a:p>
+          <a:p>
+            <a:r>
+              <a:rPr lang="en-GB" sz="4300" dirty="0">
+                <a:solidFill>
+                  <a:schemeClr val="bg1"/>
+                </a:solidFill>
+              </a:rPr>
+              <a:t>For he is Lord of all</a:t>
+            </a:r>
+          </a:p>
+          <a:p>
+            <a:r>
+              <a:rPr lang="en-GB" sz="4300" dirty="0">
+                <a:solidFill>
+                  <a:schemeClr val="bg1"/>
+                </a:solidFill>
+              </a:rPr>
+              <a:t>Sing alleluia Christ is risen</a:t>
+            </a:r>
+          </a:p>
+        </p:txBody>
+      </p:sp>
+      <p:sp>
+        <p:nvSpPr>
+          <p:cNvPr id="4" name="TextBox 3"/>
+          <p:cNvSpPr txBox="1"/>
+          <p:nvPr/>
+        </p:nvSpPr>
+        <p:spPr>
+          <a:xfrm>
+            <a:off x="8529729" y="0"/>
+            <a:ext cx="628698" cy="461665"/>
+          </a:xfrm>
+          <a:prstGeom prst="rect">
+            <a:avLst/>
+          </a:prstGeom>
+          <a:noFill/>
+        </p:spPr>
+        <p:txBody>
+          <a:bodyPr wrap="none" rtlCol="0">
+            <a:spAutoFit/>
+          </a:bodyPr>
+          <a:lstStyle/>
+          <a:p>
+            <a:r>
+              <a:rPr lang="en-GB" sz="2400" b="1" dirty="0">
+                <a:solidFill>
+                  <a:schemeClr val="bg1"/>
+                </a:solidFill>
+              </a:rPr>
+              <a:t>4/5</a:t>
+            </a:r>
+          </a:p>
+        </p:txBody>
+      </p:sp>
+    </p:spTree>
+    <p:extLst>
+      <p:ext uri="{BB962C8B-B14F-4D97-AF65-F5344CB8AC3E}">
+        <p14:creationId xmlns:p14="http://schemas.microsoft.com/office/powerpoint/2010/main" val="918880120"/>
+      </p:ext>
+    </p:extLst>
+  </p:cSld>
+  <p:clrMapOvr>
+    <a:masterClrMapping/>
+  </p:clrMapOvr>
+</p:sld>
+</file>
+
+<file path=ppt/slides/slide33.xml><?xml version="1.0" encoding="utf-8"?>
+<p:sld xmlns:a="http://schemas.openxmlformats.org/drawingml/2006/main" xmlns:r="http://schemas.openxmlformats.org/officeDocument/2006/relationships" xmlns:p="http://schemas.openxmlformats.org/presentationml/2006/main">
+  <p:cSld>
+    <p:spTree>
+      <p:nvGrpSpPr>
+        <p:cNvPr id="1" name=""/>
+        <p:cNvGrpSpPr/>
+        <p:nvPr/>
+      </p:nvGrpSpPr>
+      <p:grpSpPr>
+        <a:xfrm>
+          <a:off x="0" y="0"/>
+          <a:ext cx="0" cy="0"/>
+          <a:chOff x="0" y="0"/>
+          <a:chExt cx="0" cy="0"/>
+        </a:xfrm>
+      </p:grpSpPr>
+      <p:sp>
+        <p:nvSpPr>
+          <p:cNvPr id="3" name="Subtitle 2"/>
+          <p:cNvSpPr>
+            <a:spLocks noGrp="1"/>
+          </p:cNvSpPr>
+          <p:nvPr>
+            <p:ph type="subTitle" idx="1"/>
+          </p:nvPr>
+        </p:nvSpPr>
+        <p:spPr>
+          <a:xfrm>
+            <a:off x="323528" y="188640"/>
+            <a:ext cx="8640960" cy="6480720"/>
+          </a:xfrm>
+        </p:spPr>
+        <p:txBody>
+          <a:bodyPr>
+            <a:noAutofit/>
+          </a:bodyPr>
+          <a:lstStyle/>
+          <a:p>
+            <a:r>
+              <a:rPr lang="en-GB" sz="4800" dirty="0">
+                <a:solidFill>
+                  <a:schemeClr val="bg1"/>
+                </a:solidFill>
+              </a:rPr>
+              <a:t>Bear your cross as you wait for the crown</a:t>
+            </a:r>
+          </a:p>
+          <a:p>
+            <a:r>
+              <a:rPr lang="en-GB" sz="4800" dirty="0">
+                <a:solidFill>
+                  <a:schemeClr val="bg1"/>
+                </a:solidFill>
+              </a:rPr>
+              <a:t>Tell the world of the treasure you've found</a:t>
+            </a:r>
+          </a:p>
+        </p:txBody>
+      </p:sp>
+      <p:sp>
+        <p:nvSpPr>
+          <p:cNvPr id="4" name="TextBox 3"/>
+          <p:cNvSpPr txBox="1"/>
+          <p:nvPr/>
+        </p:nvSpPr>
+        <p:spPr>
+          <a:xfrm>
+            <a:off x="8529729" y="0"/>
+            <a:ext cx="628698" cy="461665"/>
+          </a:xfrm>
+          <a:prstGeom prst="rect">
+            <a:avLst/>
+          </a:prstGeom>
+          <a:noFill/>
+        </p:spPr>
+        <p:txBody>
+          <a:bodyPr wrap="none" rtlCol="0">
+            <a:spAutoFit/>
+          </a:bodyPr>
+          <a:lstStyle/>
+          <a:p>
+            <a:r>
+              <a:rPr lang="en-GB" sz="2400" b="1" dirty="0">
+                <a:solidFill>
+                  <a:schemeClr val="bg1"/>
+                </a:solidFill>
+              </a:rPr>
+              <a:t>5/5</a:t>
+            </a:r>
+          </a:p>
+        </p:txBody>
+      </p:sp>
+    </p:spTree>
+    <p:extLst>
+      <p:ext uri="{BB962C8B-B14F-4D97-AF65-F5344CB8AC3E}">
+        <p14:creationId xmlns:p14="http://schemas.microsoft.com/office/powerpoint/2010/main" val="3917964492"/>
       </p:ext>
     </p:extLst>
   </p:cSld>
